--- a/Presentations/Intro_presentation.pptx
+++ b/Presentations/Intro_presentation.pptx
@@ -2,7 +2,7 @@
 <file path=ppt/presentation.xml><?xml version="1.0" encoding="utf-8"?>
 <p:presentation xmlns:a="http://schemas.openxmlformats.org/drawingml/2006/main" xmlns:r="http://schemas.openxmlformats.org/officeDocument/2006/relationships" xmlns:p="http://schemas.openxmlformats.org/presentationml/2006/main" saveSubsetFonts="1" autoCompressPictures="0">
   <p:sldMasterIdLst>
-    <p:sldMasterId id="2147483648" r:id="rId1"/>
+    <p:sldMasterId id="2147483787" r:id="rId1"/>
   </p:sldMasterIdLst>
   <p:notesMasterIdLst>
     <p:notesMasterId r:id="rId21"/>
@@ -1390,7 +1390,7 @@
             <a:alphaOff val="0"/>
           </a:schemeClr>
         </a:solidFill>
-        <a:ln w="25400" cap="flat" cmpd="sng" algn="ctr">
+        <a:ln w="19050" cap="flat" cmpd="sng" algn="ctr">
           <a:solidFill>
             <a:schemeClr val="lt1">
               <a:hueOff val="0"/>
@@ -1400,6 +1400,7 @@
             </a:schemeClr>
           </a:solidFill>
           <a:prstDash val="solid"/>
+          <a:miter lim="800000"/>
         </a:ln>
         <a:effectLst/>
       </dsp:spPr>
@@ -1418,12 +1419,12 @@
         </a:fontRef>
       </dsp:style>
       <dsp:txBody>
-        <a:bodyPr spcFirstLastPara="0" vert="horz" wrap="square" lIns="0" tIns="44577" rIns="57785" bIns="0" numCol="1" spcCol="1270" anchor="t" anchorCtr="0">
+        <a:bodyPr spcFirstLastPara="0" vert="horz" wrap="square" lIns="0" tIns="41148" rIns="53340" bIns="0" numCol="1" spcCol="1270" anchor="t" anchorCtr="0">
           <a:noAutofit/>
         </a:bodyPr>
         <a:lstStyle/>
         <a:p>
-          <a:pPr marL="0" lvl="0" indent="0" algn="r" defTabSz="577850">
+          <a:pPr marL="0" lvl="0" indent="0" algn="r" defTabSz="533400">
             <a:lnSpc>
               <a:spcPct val="90000"/>
             </a:lnSpc>
@@ -1435,7 +1436,7 @@
             </a:spcAft>
             <a:buNone/>
           </a:pPr>
-          <a:endParaRPr lang="en-GB" sz="1300" kern="1200" dirty="0"/>
+          <a:endParaRPr lang="en-GB" sz="1200" kern="1200" dirty="0"/>
         </a:p>
       </dsp:txBody>
       <dsp:txXfrm rot="16200000">
@@ -1457,9 +1458,10 @@
           <a:avLst/>
         </a:prstGeom>
         <a:noFill/>
-        <a:ln w="25400" cap="flat" cmpd="sng" algn="ctr">
+        <a:ln w="19050" cap="flat" cmpd="sng" algn="ctr">
           <a:noFill/>
           <a:prstDash val="solid"/>
+          <a:miter lim="800000"/>
         </a:ln>
         <a:effectLst/>
         <a:sp3d/>
@@ -1479,12 +1481,12 @@
         </a:fontRef>
       </dsp:style>
       <dsp:txBody>
-        <a:bodyPr spcFirstLastPara="0" vert="horz" wrap="square" lIns="0" tIns="82296" rIns="0" bIns="0" numCol="1" spcCol="1270" anchor="t" anchorCtr="0">
+        <a:bodyPr spcFirstLastPara="0" vert="horz" wrap="square" lIns="0" tIns="78867" rIns="0" bIns="0" numCol="1" spcCol="1270" anchor="t" anchorCtr="0">
           <a:noAutofit/>
         </a:bodyPr>
         <a:lstStyle/>
         <a:p>
-          <a:pPr marL="0" lvl="0" indent="0" algn="l" defTabSz="1066800">
+          <a:pPr marL="0" lvl="0" indent="0" algn="l" defTabSz="1022350">
             <a:lnSpc>
               <a:spcPct val="90000"/>
             </a:lnSpc>
@@ -1497,12 +1499,12 @@
             <a:buNone/>
           </a:pPr>
           <a:r>
-            <a:rPr lang="en-US" sz="2400" kern="1200" dirty="0"/>
+            <a:rPr lang="en-US" sz="2300" kern="1200" dirty="0"/>
             <a:t>Determine Model to be used,</a:t>
           </a:r>
         </a:p>
         <a:p>
-          <a:pPr marL="0" lvl="0" indent="0" algn="l" defTabSz="1066800">
+          <a:pPr marL="0" lvl="0" indent="0" algn="l" defTabSz="1022350">
             <a:lnSpc>
               <a:spcPct val="90000"/>
             </a:lnSpc>
@@ -1515,14 +1517,14 @@
             <a:buNone/>
           </a:pPr>
           <a:r>
-            <a:rPr lang="en-US" sz="2400" kern="1200" dirty="0" err="1"/>
+            <a:rPr lang="en-US" sz="2300" kern="1200" dirty="0" err="1"/>
             <a:t>DoF</a:t>
           </a:r>
           <a:r>
-            <a:rPr lang="en-US" sz="2400" kern="1200" dirty="0"/>
+            <a:rPr lang="en-US" sz="2300" kern="1200" dirty="0"/>
             <a:t>?</a:t>
           </a:r>
-          <a:endParaRPr lang="en-GB" sz="2400" kern="1200" dirty="0"/>
+          <a:endParaRPr lang="en-GB" sz="2300" kern="1200" dirty="0"/>
         </a:p>
       </dsp:txBody>
       <dsp:txXfrm>
@@ -1553,7 +1555,7 @@
             <a:alphaOff val="0"/>
           </a:schemeClr>
         </a:solidFill>
-        <a:ln w="25400" cap="flat" cmpd="sng" algn="ctr">
+        <a:ln w="19050" cap="flat" cmpd="sng" algn="ctr">
           <a:solidFill>
             <a:schemeClr val="lt1">
               <a:hueOff val="0"/>
@@ -1563,6 +1565,7 @@
             </a:schemeClr>
           </a:solidFill>
           <a:prstDash val="solid"/>
+          <a:miter lim="800000"/>
         </a:ln>
         <a:effectLst/>
       </dsp:spPr>
@@ -1581,12 +1584,12 @@
         </a:fontRef>
       </dsp:style>
       <dsp:txBody>
-        <a:bodyPr spcFirstLastPara="0" vert="horz" wrap="square" lIns="0" tIns="44577" rIns="57785" bIns="0" numCol="1" spcCol="1270" anchor="t" anchorCtr="0">
+        <a:bodyPr spcFirstLastPara="0" vert="horz" wrap="square" lIns="0" tIns="41148" rIns="53340" bIns="0" numCol="1" spcCol="1270" anchor="t" anchorCtr="0">
           <a:noAutofit/>
         </a:bodyPr>
         <a:lstStyle/>
         <a:p>
-          <a:pPr marL="0" lvl="0" indent="0" algn="r" defTabSz="577850">
+          <a:pPr marL="0" lvl="0" indent="0" algn="r" defTabSz="533400">
             <a:lnSpc>
               <a:spcPct val="90000"/>
             </a:lnSpc>
@@ -1598,7 +1601,7 @@
             </a:spcAft>
             <a:buNone/>
           </a:pPr>
-          <a:endParaRPr lang="en-GB" sz="1300" kern="1200" dirty="0"/>
+          <a:endParaRPr lang="en-GB" sz="1200" kern="1200" dirty="0"/>
         </a:p>
       </dsp:txBody>
       <dsp:txXfrm rot="16200000">
@@ -1627,7 +1630,7 @@
             <a:alphaOff val="0"/>
           </a:schemeClr>
         </a:solidFill>
-        <a:ln w="25400" cap="flat" cmpd="sng" algn="ctr">
+        <a:ln w="19050" cap="flat" cmpd="sng" algn="ctr">
           <a:solidFill>
             <a:schemeClr val="accent1">
               <a:hueOff val="0"/>
@@ -1637,6 +1640,7 @@
             </a:schemeClr>
           </a:solidFill>
           <a:prstDash val="solid"/>
+          <a:miter lim="800000"/>
         </a:ln>
         <a:effectLst/>
       </dsp:spPr>
@@ -1667,9 +1671,10 @@
           <a:avLst/>
         </a:prstGeom>
         <a:noFill/>
-        <a:ln w="25400" cap="flat" cmpd="sng" algn="ctr">
+        <a:ln w="19050" cap="flat" cmpd="sng" algn="ctr">
           <a:noFill/>
           <a:prstDash val="solid"/>
+          <a:miter lim="800000"/>
         </a:ln>
         <a:effectLst/>
         <a:sp3d/>
@@ -1689,12 +1694,12 @@
         </a:fontRef>
       </dsp:style>
       <dsp:txBody>
-        <a:bodyPr spcFirstLastPara="0" vert="horz" wrap="square" lIns="0" tIns="82296" rIns="0" bIns="0" numCol="1" spcCol="1270" anchor="t" anchorCtr="0">
+        <a:bodyPr spcFirstLastPara="0" vert="horz" wrap="square" lIns="0" tIns="78867" rIns="0" bIns="0" numCol="1" spcCol="1270" anchor="t" anchorCtr="0">
           <a:noAutofit/>
         </a:bodyPr>
         <a:lstStyle/>
         <a:p>
-          <a:pPr marL="0" lvl="0" indent="0" algn="l" defTabSz="1066800">
+          <a:pPr marL="0" lvl="0" indent="0" algn="l" defTabSz="1022350">
             <a:lnSpc>
               <a:spcPct val="90000"/>
             </a:lnSpc>
@@ -1707,20 +1712,20 @@
             <a:buNone/>
           </a:pPr>
           <a:r>
-            <a:rPr lang="en-US" sz="2400" kern="1200" dirty="0"/>
+            <a:rPr lang="en-US" sz="2300" kern="1200" dirty="0"/>
             <a:t>What movements need to be </a:t>
           </a:r>
           <a:r>
-            <a:rPr lang="en-US" sz="2400" kern="1200" dirty="0" err="1"/>
+            <a:rPr lang="en-US" sz="2300" kern="1200" dirty="0" err="1"/>
             <a:t>analysed</a:t>
           </a:r>
           <a:r>
-            <a:rPr lang="en-US" sz="2400" kern="1200" dirty="0"/>
+            <a:rPr lang="en-US" sz="2300" kern="1200" dirty="0"/>
             <a:t>? </a:t>
           </a:r>
         </a:p>
         <a:p>
-          <a:pPr marL="0" lvl="0" indent="0" algn="l" defTabSz="1066800">
+          <a:pPr marL="0" lvl="0" indent="0" algn="l" defTabSz="1022350">
             <a:lnSpc>
               <a:spcPct val="90000"/>
             </a:lnSpc>
@@ -1732,7 +1737,7 @@
             </a:spcAft>
             <a:buNone/>
           </a:pPr>
-          <a:endParaRPr lang="en-GB" sz="2400" kern="1200" dirty="0"/>
+          <a:endParaRPr lang="en-GB" sz="2300" kern="1200" dirty="0"/>
         </a:p>
       </dsp:txBody>
       <dsp:txXfrm>
@@ -1763,7 +1768,7 @@
             <a:alphaOff val="0"/>
           </a:schemeClr>
         </a:solidFill>
-        <a:ln w="25400" cap="flat" cmpd="sng" algn="ctr">
+        <a:ln w="19050" cap="flat" cmpd="sng" algn="ctr">
           <a:solidFill>
             <a:schemeClr val="lt1">
               <a:hueOff val="0"/>
@@ -1773,6 +1778,7 @@
             </a:schemeClr>
           </a:solidFill>
           <a:prstDash val="solid"/>
+          <a:miter lim="800000"/>
         </a:ln>
         <a:effectLst/>
       </dsp:spPr>
@@ -1791,12 +1797,12 @@
         </a:fontRef>
       </dsp:style>
       <dsp:txBody>
-        <a:bodyPr spcFirstLastPara="0" vert="horz" wrap="square" lIns="0" tIns="44577" rIns="57785" bIns="0" numCol="1" spcCol="1270" anchor="t" anchorCtr="0">
+        <a:bodyPr spcFirstLastPara="0" vert="horz" wrap="square" lIns="0" tIns="41148" rIns="53340" bIns="0" numCol="1" spcCol="1270" anchor="t" anchorCtr="0">
           <a:noAutofit/>
         </a:bodyPr>
         <a:lstStyle/>
         <a:p>
-          <a:pPr marL="0" lvl="0" indent="0" algn="r" defTabSz="577850">
+          <a:pPr marL="0" lvl="0" indent="0" algn="r" defTabSz="533400">
             <a:lnSpc>
               <a:spcPct val="90000"/>
             </a:lnSpc>
@@ -1808,10 +1814,10 @@
             </a:spcAft>
             <a:buNone/>
           </a:pPr>
-          <a:endParaRPr lang="en-US" sz="1300" kern="1200" dirty="0"/>
+          <a:endParaRPr lang="en-US" sz="1200" kern="1200" dirty="0"/>
         </a:p>
         <a:p>
-          <a:pPr marL="0" lvl="0" indent="0" algn="r" defTabSz="577850">
+          <a:pPr marL="0" lvl="0" indent="0" algn="r" defTabSz="533400">
             <a:lnSpc>
               <a:spcPct val="90000"/>
             </a:lnSpc>
@@ -1823,7 +1829,7 @@
             </a:spcAft>
             <a:buNone/>
           </a:pPr>
-          <a:endParaRPr lang="en-GB" sz="1300" kern="1200" dirty="0"/>
+          <a:endParaRPr lang="en-GB" sz="1200" kern="1200" dirty="0"/>
         </a:p>
       </dsp:txBody>
       <dsp:txXfrm rot="16200000">
@@ -1852,7 +1858,7 @@
             <a:alphaOff val="0"/>
           </a:schemeClr>
         </a:solidFill>
-        <a:ln w="25400" cap="flat" cmpd="sng" algn="ctr">
+        <a:ln w="19050" cap="flat" cmpd="sng" algn="ctr">
           <a:solidFill>
             <a:schemeClr val="accent1">
               <a:hueOff val="0"/>
@@ -1862,6 +1868,7 @@
             </a:schemeClr>
           </a:solidFill>
           <a:prstDash val="solid"/>
+          <a:miter lim="800000"/>
         </a:ln>
         <a:effectLst/>
       </dsp:spPr>
@@ -1892,9 +1899,10 @@
           <a:avLst/>
         </a:prstGeom>
         <a:noFill/>
-        <a:ln w="25400" cap="flat" cmpd="sng" algn="ctr">
+        <a:ln w="19050" cap="flat" cmpd="sng" algn="ctr">
           <a:noFill/>
           <a:prstDash val="solid"/>
+          <a:miter lim="800000"/>
         </a:ln>
         <a:effectLst/>
         <a:sp3d/>
@@ -1914,12 +1922,12 @@
         </a:fontRef>
       </dsp:style>
       <dsp:txBody>
-        <a:bodyPr spcFirstLastPara="0" vert="horz" wrap="square" lIns="0" tIns="82296" rIns="0" bIns="0" numCol="1" spcCol="1270" anchor="t" anchorCtr="0">
+        <a:bodyPr spcFirstLastPara="0" vert="horz" wrap="square" lIns="0" tIns="78867" rIns="0" bIns="0" numCol="1" spcCol="1270" anchor="t" anchorCtr="0">
           <a:noAutofit/>
         </a:bodyPr>
         <a:lstStyle/>
         <a:p>
-          <a:pPr marL="0" lvl="0" indent="0" algn="l" defTabSz="1066800">
+          <a:pPr marL="0" lvl="0" indent="0" algn="l" defTabSz="1022350">
             <a:lnSpc>
               <a:spcPct val="90000"/>
             </a:lnSpc>
@@ -1932,12 +1940,12 @@
             <a:buNone/>
           </a:pPr>
           <a:r>
-            <a:rPr lang="en-US" sz="2400" kern="1200" dirty="0"/>
+            <a:rPr lang="en-US" sz="2300" kern="1200" dirty="0"/>
             <a:t>How will these movements be captured or described? </a:t>
           </a:r>
         </a:p>
         <a:p>
-          <a:pPr marL="0" lvl="0" indent="0" algn="l" defTabSz="1066800">
+          <a:pPr marL="0" lvl="0" indent="0" algn="l" defTabSz="1022350">
             <a:lnSpc>
               <a:spcPct val="90000"/>
             </a:lnSpc>
@@ -1950,10 +1958,10 @@
             <a:buNone/>
           </a:pPr>
           <a:r>
-            <a:rPr lang="en-US" sz="2400" kern="1200" dirty="0"/>
+            <a:rPr lang="en-US" sz="2300" kern="1200" dirty="0"/>
             <a:t>TRC, function…</a:t>
           </a:r>
-          <a:endParaRPr lang="en-GB" sz="2400" kern="1200" dirty="0"/>
+          <a:endParaRPr lang="en-GB" sz="2300" kern="1200" dirty="0"/>
         </a:p>
       </dsp:txBody>
       <dsp:txXfrm>
@@ -3430,7 +3438,7 @@
                   <a:srgbClr val="003E74"/>
                 </a:solidFill>
               </a:rPr>
-              <a:t>5 February, 2024</a:t>
+              <a:t>26 February, 2024</a:t>
             </a:fld>
             <a:endParaRPr lang="en-US" dirty="0">
               <a:solidFill>
@@ -3546,7 +3554,7 @@
             <a:fld id="{8D35C32B-10D1-1447-A35B-280119DE9D12}" type="datetime3">
               <a:rPr lang="en-GB" smtClean="0"/>
               <a:pPr/>
-              <a:t>5 February, 2024</a:t>
+              <a:t>26 February, 2024</a:t>
             </a:fld>
             <a:endParaRPr lang="en-US" dirty="0"/>
           </a:p>
@@ -3690,7 +3698,552 @@
 </file>
 
 <file path=ppt/slideLayouts/slideLayout1.xml><?xml version="1.0" encoding="utf-8"?>
-<p:sldLayout xmlns:a="http://schemas.openxmlformats.org/drawingml/2006/main" xmlns:r="http://schemas.openxmlformats.org/officeDocument/2006/relationships" xmlns:p="http://schemas.openxmlformats.org/presentationml/2006/main" preserve="1" userDrawn="1">
+<p:sldLayout xmlns:a="http://schemas.openxmlformats.org/drawingml/2006/main" xmlns:r="http://schemas.openxmlformats.org/officeDocument/2006/relationships" xmlns:p="http://schemas.openxmlformats.org/presentationml/2006/main" type="title" preserve="1">
+  <p:cSld name="Title Slide">
+    <p:spTree>
+      <p:nvGrpSpPr>
+        <p:cNvPr id="1" name=""/>
+        <p:cNvGrpSpPr/>
+        <p:nvPr/>
+      </p:nvGrpSpPr>
+      <p:grpSpPr>
+        <a:xfrm>
+          <a:off x="0" y="0"/>
+          <a:ext cx="0" cy="0"/>
+          <a:chOff x="0" y="0"/>
+          <a:chExt cx="0" cy="0"/>
+        </a:xfrm>
+      </p:grpSpPr>
+      <p:sp>
+        <p:nvSpPr>
+          <p:cNvPr id="2" name="Title 1"/>
+          <p:cNvSpPr>
+            <a:spLocks noGrp="1"/>
+          </p:cNvSpPr>
+          <p:nvPr>
+            <p:ph type="ctrTitle"/>
+          </p:nvPr>
+        </p:nvSpPr>
+        <p:spPr>
+          <a:xfrm>
+            <a:off x="1143000" y="841772"/>
+            <a:ext cx="6858000" cy="1790700"/>
+          </a:xfrm>
+        </p:spPr>
+        <p:txBody>
+          <a:bodyPr anchor="b"/>
+          <a:lstStyle>
+            <a:lvl1pPr algn="ctr">
+              <a:defRPr sz="4500"/>
+            </a:lvl1pPr>
+          </a:lstStyle>
+          <a:p>
+            <a:r>
+              <a:rPr lang="en-US"/>
+              <a:t>Click to edit Master title style</a:t>
+            </a:r>
+            <a:endParaRPr lang="en-US" dirty="0"/>
+          </a:p>
+        </p:txBody>
+      </p:sp>
+      <p:sp>
+        <p:nvSpPr>
+          <p:cNvPr id="3" name="Subtitle 2"/>
+          <p:cNvSpPr>
+            <a:spLocks noGrp="1"/>
+          </p:cNvSpPr>
+          <p:nvPr>
+            <p:ph type="subTitle" idx="1"/>
+          </p:nvPr>
+        </p:nvSpPr>
+        <p:spPr>
+          <a:xfrm>
+            <a:off x="1143000" y="2701528"/>
+            <a:ext cx="6858000" cy="1241822"/>
+          </a:xfrm>
+        </p:spPr>
+        <p:txBody>
+          <a:bodyPr/>
+          <a:lstStyle>
+            <a:lvl1pPr marL="0" indent="0" algn="ctr">
+              <a:buNone/>
+              <a:defRPr sz="1800"/>
+            </a:lvl1pPr>
+            <a:lvl2pPr marL="342900" indent="0" algn="ctr">
+              <a:buNone/>
+              <a:defRPr sz="1500"/>
+            </a:lvl2pPr>
+            <a:lvl3pPr marL="685800" indent="0" algn="ctr">
+              <a:buNone/>
+              <a:defRPr sz="1350"/>
+            </a:lvl3pPr>
+            <a:lvl4pPr marL="1028700" indent="0" algn="ctr">
+              <a:buNone/>
+              <a:defRPr sz="1200"/>
+            </a:lvl4pPr>
+            <a:lvl5pPr marL="1371600" indent="0" algn="ctr">
+              <a:buNone/>
+              <a:defRPr sz="1200"/>
+            </a:lvl5pPr>
+            <a:lvl6pPr marL="1714500" indent="0" algn="ctr">
+              <a:buNone/>
+              <a:defRPr sz="1200"/>
+            </a:lvl6pPr>
+            <a:lvl7pPr marL="2057400" indent="0" algn="ctr">
+              <a:buNone/>
+              <a:defRPr sz="1200"/>
+            </a:lvl7pPr>
+            <a:lvl8pPr marL="2400300" indent="0" algn="ctr">
+              <a:buNone/>
+              <a:defRPr sz="1200"/>
+            </a:lvl8pPr>
+            <a:lvl9pPr marL="2743200" indent="0" algn="ctr">
+              <a:buNone/>
+              <a:defRPr sz="1200"/>
+            </a:lvl9pPr>
+          </a:lstStyle>
+          <a:p>
+            <a:r>
+              <a:rPr lang="en-US"/>
+              <a:t>Click to edit Master subtitle style</a:t>
+            </a:r>
+            <a:endParaRPr lang="en-US" dirty="0"/>
+          </a:p>
+        </p:txBody>
+      </p:sp>
+      <p:sp>
+        <p:nvSpPr>
+          <p:cNvPr id="4" name="Date Placeholder 3"/>
+          <p:cNvSpPr>
+            <a:spLocks noGrp="1"/>
+          </p:cNvSpPr>
+          <p:nvPr>
+            <p:ph type="dt" sz="half" idx="10"/>
+          </p:nvPr>
+        </p:nvSpPr>
+        <p:spPr/>
+        <p:txBody>
+          <a:bodyPr/>
+          <a:lstStyle/>
+          <a:p>
+            <a:fld id="{C764DE79-268F-4C1A-8933-263129D2AF90}" type="datetimeFigureOut">
+              <a:rPr lang="en-US" smtClean="0"/>
+              <a:t>26-Feb-24</a:t>
+            </a:fld>
+            <a:endParaRPr lang="en-US" dirty="0"/>
+          </a:p>
+        </p:txBody>
+      </p:sp>
+      <p:sp>
+        <p:nvSpPr>
+          <p:cNvPr id="5" name="Footer Placeholder 4"/>
+          <p:cNvSpPr>
+            <a:spLocks noGrp="1"/>
+          </p:cNvSpPr>
+          <p:nvPr>
+            <p:ph type="ftr" sz="quarter" idx="11"/>
+          </p:nvPr>
+        </p:nvSpPr>
+        <p:spPr/>
+        <p:txBody>
+          <a:bodyPr/>
+          <a:lstStyle/>
+          <a:p>
+            <a:endParaRPr lang="en-US" dirty="0"/>
+          </a:p>
+        </p:txBody>
+      </p:sp>
+      <p:sp>
+        <p:nvSpPr>
+          <p:cNvPr id="6" name="Slide Number Placeholder 5"/>
+          <p:cNvSpPr>
+            <a:spLocks noGrp="1"/>
+          </p:cNvSpPr>
+          <p:nvPr>
+            <p:ph type="sldNum" sz="quarter" idx="12"/>
+          </p:nvPr>
+        </p:nvSpPr>
+        <p:spPr/>
+        <p:txBody>
+          <a:bodyPr/>
+          <a:lstStyle/>
+          <a:p>
+            <a:fld id="{48F63A3B-78C7-47BE-AE5E-E10140E04643}" type="slidenum">
+              <a:rPr lang="en-US" smtClean="0"/>
+              <a:t>‹#›</a:t>
+            </a:fld>
+            <a:endParaRPr lang="en-US" dirty="0"/>
+          </a:p>
+        </p:txBody>
+      </p:sp>
+    </p:spTree>
+    <p:extLst>
+      <p:ext uri="{BB962C8B-B14F-4D97-AF65-F5344CB8AC3E}">
+        <p14:creationId xmlns:p14="http://schemas.microsoft.com/office/powerpoint/2010/main" val="815049628"/>
+      </p:ext>
+    </p:extLst>
+  </p:cSld>
+  <p:clrMapOvr>
+    <a:masterClrMapping/>
+  </p:clrMapOvr>
+  <p:hf hdr="0"/>
+</p:sldLayout>
+</file>
+
+<file path=ppt/slideLayouts/slideLayout10.xml><?xml version="1.0" encoding="utf-8"?>
+<p:sldLayout xmlns:a="http://schemas.openxmlformats.org/drawingml/2006/main" xmlns:r="http://schemas.openxmlformats.org/officeDocument/2006/relationships" xmlns:p="http://schemas.openxmlformats.org/presentationml/2006/main" type="vertTx" preserve="1">
+  <p:cSld name="Title and Vertical Text">
+    <p:spTree>
+      <p:nvGrpSpPr>
+        <p:cNvPr id="1" name=""/>
+        <p:cNvGrpSpPr/>
+        <p:nvPr/>
+      </p:nvGrpSpPr>
+      <p:grpSpPr>
+        <a:xfrm>
+          <a:off x="0" y="0"/>
+          <a:ext cx="0" cy="0"/>
+          <a:chOff x="0" y="0"/>
+          <a:chExt cx="0" cy="0"/>
+        </a:xfrm>
+      </p:grpSpPr>
+      <p:sp>
+        <p:nvSpPr>
+          <p:cNvPr id="2" name="Title 1"/>
+          <p:cNvSpPr>
+            <a:spLocks noGrp="1"/>
+          </p:cNvSpPr>
+          <p:nvPr>
+            <p:ph type="title"/>
+          </p:nvPr>
+        </p:nvSpPr>
+        <p:spPr/>
+        <p:txBody>
+          <a:bodyPr/>
+          <a:lstStyle/>
+          <a:p>
+            <a:r>
+              <a:rPr lang="en-US"/>
+              <a:t>Click to edit Master title style</a:t>
+            </a:r>
+            <a:endParaRPr lang="en-US" dirty="0"/>
+          </a:p>
+        </p:txBody>
+      </p:sp>
+      <p:sp>
+        <p:nvSpPr>
+          <p:cNvPr id="3" name="Vertical Text Placeholder 2"/>
+          <p:cNvSpPr>
+            <a:spLocks noGrp="1"/>
+          </p:cNvSpPr>
+          <p:nvPr>
+            <p:ph type="body" orient="vert" idx="1"/>
+          </p:nvPr>
+        </p:nvSpPr>
+        <p:spPr/>
+        <p:txBody>
+          <a:bodyPr vert="eaVert"/>
+          <a:lstStyle/>
+          <a:p>
+            <a:pPr lvl="0"/>
+            <a:r>
+              <a:rPr lang="en-US"/>
+              <a:t>Click to edit Master text styles</a:t>
+            </a:r>
+          </a:p>
+          <a:p>
+            <a:pPr lvl="1"/>
+            <a:r>
+              <a:rPr lang="en-US"/>
+              <a:t>Second level</a:t>
+            </a:r>
+          </a:p>
+          <a:p>
+            <a:pPr lvl="2"/>
+            <a:r>
+              <a:rPr lang="en-US"/>
+              <a:t>Third level</a:t>
+            </a:r>
+          </a:p>
+          <a:p>
+            <a:pPr lvl="3"/>
+            <a:r>
+              <a:rPr lang="en-US"/>
+              <a:t>Fourth level</a:t>
+            </a:r>
+          </a:p>
+          <a:p>
+            <a:pPr lvl="4"/>
+            <a:r>
+              <a:rPr lang="en-US"/>
+              <a:t>Fifth level</a:t>
+            </a:r>
+            <a:endParaRPr lang="en-US" dirty="0"/>
+          </a:p>
+        </p:txBody>
+      </p:sp>
+      <p:sp>
+        <p:nvSpPr>
+          <p:cNvPr id="4" name="Date Placeholder 3"/>
+          <p:cNvSpPr>
+            <a:spLocks noGrp="1"/>
+          </p:cNvSpPr>
+          <p:nvPr>
+            <p:ph type="dt" sz="half" idx="10"/>
+          </p:nvPr>
+        </p:nvSpPr>
+        <p:spPr/>
+        <p:txBody>
+          <a:bodyPr/>
+          <a:lstStyle/>
+          <a:p>
+            <a:fld id="{C764DE79-268F-4C1A-8933-263129D2AF90}" type="datetimeFigureOut">
+              <a:rPr lang="en-US" smtClean="0"/>
+              <a:t>26-Feb-24</a:t>
+            </a:fld>
+            <a:endParaRPr lang="en-US" dirty="0"/>
+          </a:p>
+        </p:txBody>
+      </p:sp>
+      <p:sp>
+        <p:nvSpPr>
+          <p:cNvPr id="5" name="Footer Placeholder 4"/>
+          <p:cNvSpPr>
+            <a:spLocks noGrp="1"/>
+          </p:cNvSpPr>
+          <p:nvPr>
+            <p:ph type="ftr" sz="quarter" idx="11"/>
+          </p:nvPr>
+        </p:nvSpPr>
+        <p:spPr/>
+        <p:txBody>
+          <a:bodyPr/>
+          <a:lstStyle/>
+          <a:p>
+            <a:endParaRPr lang="en-US" dirty="0"/>
+          </a:p>
+        </p:txBody>
+      </p:sp>
+      <p:sp>
+        <p:nvSpPr>
+          <p:cNvPr id="6" name="Slide Number Placeholder 5"/>
+          <p:cNvSpPr>
+            <a:spLocks noGrp="1"/>
+          </p:cNvSpPr>
+          <p:nvPr>
+            <p:ph type="sldNum" sz="quarter" idx="12"/>
+          </p:nvPr>
+        </p:nvSpPr>
+        <p:spPr/>
+        <p:txBody>
+          <a:bodyPr/>
+          <a:lstStyle/>
+          <a:p>
+            <a:fld id="{48F63A3B-78C7-47BE-AE5E-E10140E04643}" type="slidenum">
+              <a:rPr lang="en-US" smtClean="0"/>
+              <a:t>‹#›</a:t>
+            </a:fld>
+            <a:endParaRPr lang="en-US" dirty="0"/>
+          </a:p>
+        </p:txBody>
+      </p:sp>
+    </p:spTree>
+    <p:extLst>
+      <p:ext uri="{BB962C8B-B14F-4D97-AF65-F5344CB8AC3E}">
+        <p14:creationId xmlns:p14="http://schemas.microsoft.com/office/powerpoint/2010/main" val="4211605356"/>
+      </p:ext>
+    </p:extLst>
+  </p:cSld>
+  <p:clrMapOvr>
+    <a:masterClrMapping/>
+  </p:clrMapOvr>
+  <p:hf hdr="0"/>
+</p:sldLayout>
+</file>
+
+<file path=ppt/slideLayouts/slideLayout11.xml><?xml version="1.0" encoding="utf-8"?>
+<p:sldLayout xmlns:a="http://schemas.openxmlformats.org/drawingml/2006/main" xmlns:r="http://schemas.openxmlformats.org/officeDocument/2006/relationships" xmlns:p="http://schemas.openxmlformats.org/presentationml/2006/main" type="vertTitleAndTx" preserve="1">
+  <p:cSld name="Vertical Title and Text">
+    <p:spTree>
+      <p:nvGrpSpPr>
+        <p:cNvPr id="1" name=""/>
+        <p:cNvGrpSpPr/>
+        <p:nvPr/>
+      </p:nvGrpSpPr>
+      <p:grpSpPr>
+        <a:xfrm>
+          <a:off x="0" y="0"/>
+          <a:ext cx="0" cy="0"/>
+          <a:chOff x="0" y="0"/>
+          <a:chExt cx="0" cy="0"/>
+        </a:xfrm>
+      </p:grpSpPr>
+      <p:sp>
+        <p:nvSpPr>
+          <p:cNvPr id="2" name="Vertical Title 1"/>
+          <p:cNvSpPr>
+            <a:spLocks noGrp="1"/>
+          </p:cNvSpPr>
+          <p:nvPr>
+            <p:ph type="title" orient="vert"/>
+          </p:nvPr>
+        </p:nvSpPr>
+        <p:spPr>
+          <a:xfrm>
+            <a:off x="6543675" y="273844"/>
+            <a:ext cx="1971675" cy="4358879"/>
+          </a:xfrm>
+        </p:spPr>
+        <p:txBody>
+          <a:bodyPr vert="eaVert"/>
+          <a:lstStyle/>
+          <a:p>
+            <a:r>
+              <a:rPr lang="en-US"/>
+              <a:t>Click to edit Master title style</a:t>
+            </a:r>
+            <a:endParaRPr lang="en-US" dirty="0"/>
+          </a:p>
+        </p:txBody>
+      </p:sp>
+      <p:sp>
+        <p:nvSpPr>
+          <p:cNvPr id="3" name="Vertical Text Placeholder 2"/>
+          <p:cNvSpPr>
+            <a:spLocks noGrp="1"/>
+          </p:cNvSpPr>
+          <p:nvPr>
+            <p:ph type="body" orient="vert" idx="1"/>
+          </p:nvPr>
+        </p:nvSpPr>
+        <p:spPr>
+          <a:xfrm>
+            <a:off x="628650" y="273844"/>
+            <a:ext cx="5800725" cy="4358879"/>
+          </a:xfrm>
+        </p:spPr>
+        <p:txBody>
+          <a:bodyPr vert="eaVert"/>
+          <a:lstStyle/>
+          <a:p>
+            <a:pPr lvl="0"/>
+            <a:r>
+              <a:rPr lang="en-US"/>
+              <a:t>Click to edit Master text styles</a:t>
+            </a:r>
+          </a:p>
+          <a:p>
+            <a:pPr lvl="1"/>
+            <a:r>
+              <a:rPr lang="en-US"/>
+              <a:t>Second level</a:t>
+            </a:r>
+          </a:p>
+          <a:p>
+            <a:pPr lvl="2"/>
+            <a:r>
+              <a:rPr lang="en-US"/>
+              <a:t>Third level</a:t>
+            </a:r>
+          </a:p>
+          <a:p>
+            <a:pPr lvl="3"/>
+            <a:r>
+              <a:rPr lang="en-US"/>
+              <a:t>Fourth level</a:t>
+            </a:r>
+          </a:p>
+          <a:p>
+            <a:pPr lvl="4"/>
+            <a:r>
+              <a:rPr lang="en-US"/>
+              <a:t>Fifth level</a:t>
+            </a:r>
+            <a:endParaRPr lang="en-US" dirty="0"/>
+          </a:p>
+        </p:txBody>
+      </p:sp>
+      <p:sp>
+        <p:nvSpPr>
+          <p:cNvPr id="4" name="Date Placeholder 3"/>
+          <p:cNvSpPr>
+            <a:spLocks noGrp="1"/>
+          </p:cNvSpPr>
+          <p:nvPr>
+            <p:ph type="dt" sz="half" idx="10"/>
+          </p:nvPr>
+        </p:nvSpPr>
+        <p:spPr/>
+        <p:txBody>
+          <a:bodyPr/>
+          <a:lstStyle/>
+          <a:p>
+            <a:fld id="{C764DE79-268F-4C1A-8933-263129D2AF90}" type="datetimeFigureOut">
+              <a:rPr lang="en-US" smtClean="0"/>
+              <a:t>26-Feb-24</a:t>
+            </a:fld>
+            <a:endParaRPr lang="en-US" dirty="0"/>
+          </a:p>
+        </p:txBody>
+      </p:sp>
+      <p:sp>
+        <p:nvSpPr>
+          <p:cNvPr id="5" name="Footer Placeholder 4"/>
+          <p:cNvSpPr>
+            <a:spLocks noGrp="1"/>
+          </p:cNvSpPr>
+          <p:nvPr>
+            <p:ph type="ftr" sz="quarter" idx="11"/>
+          </p:nvPr>
+        </p:nvSpPr>
+        <p:spPr/>
+        <p:txBody>
+          <a:bodyPr/>
+          <a:lstStyle/>
+          <a:p>
+            <a:endParaRPr lang="en-US" dirty="0"/>
+          </a:p>
+        </p:txBody>
+      </p:sp>
+      <p:sp>
+        <p:nvSpPr>
+          <p:cNvPr id="6" name="Slide Number Placeholder 5"/>
+          <p:cNvSpPr>
+            <a:spLocks noGrp="1"/>
+          </p:cNvSpPr>
+          <p:nvPr>
+            <p:ph type="sldNum" sz="quarter" idx="12"/>
+          </p:nvPr>
+        </p:nvSpPr>
+        <p:spPr/>
+        <p:txBody>
+          <a:bodyPr/>
+          <a:lstStyle/>
+          <a:p>
+            <a:fld id="{48F63A3B-78C7-47BE-AE5E-E10140E04643}" type="slidenum">
+              <a:rPr lang="en-US" smtClean="0"/>
+              <a:t>‹#›</a:t>
+            </a:fld>
+            <a:endParaRPr lang="en-US" dirty="0"/>
+          </a:p>
+        </p:txBody>
+      </p:sp>
+    </p:spTree>
+    <p:extLst>
+      <p:ext uri="{BB962C8B-B14F-4D97-AF65-F5344CB8AC3E}">
+        <p14:creationId xmlns:p14="http://schemas.microsoft.com/office/powerpoint/2010/main" val="2501504860"/>
+      </p:ext>
+    </p:extLst>
+  </p:cSld>
+  <p:clrMapOvr>
+    <a:masterClrMapping/>
+  </p:clrMapOvr>
+  <p:hf hdr="0"/>
+</p:sldLayout>
+</file>
+
+<file path=ppt/slideLayouts/slideLayout12.xml><?xml version="1.0" encoding="utf-8"?>
+<p:sldLayout xmlns:a="http://schemas.openxmlformats.org/drawingml/2006/main" xmlns:r="http://schemas.openxmlformats.org/officeDocument/2006/relationships" xmlns:p="http://schemas.openxmlformats.org/presentationml/2006/main" userDrawn="1">
   <p:cSld name="Title Slide (no image)">
     <p:spTree>
       <p:nvGrpSpPr>
@@ -4025,7 +4578,7 @@
     </p:spTree>
     <p:extLst>
       <p:ext uri="{BB962C8B-B14F-4D97-AF65-F5344CB8AC3E}">
-        <p14:creationId xmlns:p14="http://schemas.microsoft.com/office/powerpoint/2010/main" val="37180974"/>
+        <p14:creationId xmlns:p14="http://schemas.microsoft.com/office/powerpoint/2010/main" val="2349185514"/>
       </p:ext>
     </p:extLst>
   </p:cSld>
@@ -4035,8 +4588,8 @@
 </p:sldLayout>
 </file>
 
-<file path=ppt/slideLayouts/slideLayout2.xml><?xml version="1.0" encoding="utf-8"?>
-<p:sldLayout xmlns:a="http://schemas.openxmlformats.org/drawingml/2006/main" xmlns:r="http://schemas.openxmlformats.org/officeDocument/2006/relationships" xmlns:p="http://schemas.openxmlformats.org/presentationml/2006/main" preserve="1" userDrawn="1">
+<file path=ppt/slideLayouts/slideLayout13.xml><?xml version="1.0" encoding="utf-8"?>
+<p:sldLayout xmlns:a="http://schemas.openxmlformats.org/drawingml/2006/main" xmlns:r="http://schemas.openxmlformats.org/officeDocument/2006/relationships" xmlns:p="http://schemas.openxmlformats.org/presentationml/2006/main" userDrawn="1">
   <p:cSld name="Title Slide (with image)">
     <p:spTree>
       <p:nvGrpSpPr>
@@ -4402,7 +4955,7 @@
     </p:spTree>
     <p:extLst>
       <p:ext uri="{BB962C8B-B14F-4D97-AF65-F5344CB8AC3E}">
-        <p14:creationId xmlns:p14="http://schemas.microsoft.com/office/powerpoint/2010/main" val="1372030003"/>
+        <p14:creationId xmlns:p14="http://schemas.microsoft.com/office/powerpoint/2010/main" val="2282642924"/>
       </p:ext>
     </p:extLst>
   </p:cSld>
@@ -4412,8 +4965,8 @@
 </p:sldLayout>
 </file>
 
-<file path=ppt/slideLayouts/slideLayout3.xml><?xml version="1.0" encoding="utf-8"?>
-<p:sldLayout xmlns:a="http://schemas.openxmlformats.org/drawingml/2006/main" xmlns:r="http://schemas.openxmlformats.org/officeDocument/2006/relationships" xmlns:p="http://schemas.openxmlformats.org/presentationml/2006/main" preserve="1" userDrawn="1">
+<file path=ppt/slideLayouts/slideLayout14.xml><?xml version="1.0" encoding="utf-8"?>
+<p:sldLayout xmlns:a="http://schemas.openxmlformats.org/drawingml/2006/main" xmlns:r="http://schemas.openxmlformats.org/officeDocument/2006/relationships" xmlns:p="http://schemas.openxmlformats.org/presentationml/2006/main" userDrawn="1">
   <p:cSld name="Content (one column)">
     <p:spTree>
       <p:nvGrpSpPr>
@@ -4667,7 +5220,7 @@
     </p:spTree>
     <p:extLst>
       <p:ext uri="{BB962C8B-B14F-4D97-AF65-F5344CB8AC3E}">
-        <p14:creationId xmlns:p14="http://schemas.microsoft.com/office/powerpoint/2010/main" val="1569259951"/>
+        <p14:creationId xmlns:p14="http://schemas.microsoft.com/office/powerpoint/2010/main" val="1981249882"/>
       </p:ext>
     </p:extLst>
   </p:cSld>
@@ -4677,8 +5230,8 @@
 </p:sldLayout>
 </file>
 
-<file path=ppt/slideLayouts/slideLayout4.xml><?xml version="1.0" encoding="utf-8"?>
-<p:sldLayout xmlns:a="http://schemas.openxmlformats.org/drawingml/2006/main" xmlns:r="http://schemas.openxmlformats.org/officeDocument/2006/relationships" xmlns:p="http://schemas.openxmlformats.org/presentationml/2006/main" preserve="1" userDrawn="1">
+<file path=ppt/slideLayouts/slideLayout15.xml><?xml version="1.0" encoding="utf-8"?>
+<p:sldLayout xmlns:a="http://schemas.openxmlformats.org/drawingml/2006/main" xmlns:r="http://schemas.openxmlformats.org/officeDocument/2006/relationships" xmlns:p="http://schemas.openxmlformats.org/presentationml/2006/main" userDrawn="1">
   <p:cSld name="Content (two columns)">
     <p:spTree>
       <p:nvGrpSpPr>
@@ -5007,7 +5560,7 @@
     </p:spTree>
     <p:extLst>
       <p:ext uri="{BB962C8B-B14F-4D97-AF65-F5344CB8AC3E}">
-        <p14:creationId xmlns:p14="http://schemas.microsoft.com/office/powerpoint/2010/main" val="2622752901"/>
+        <p14:creationId xmlns:p14="http://schemas.microsoft.com/office/powerpoint/2010/main" val="1597395927"/>
       </p:ext>
     </p:extLst>
   </p:cSld>
@@ -5017,8 +5570,8 @@
 </p:sldLayout>
 </file>
 
-<file path=ppt/slideLayouts/slideLayout5.xml><?xml version="1.0" encoding="utf-8"?>
-<p:sldLayout xmlns:a="http://schemas.openxmlformats.org/drawingml/2006/main" xmlns:r="http://schemas.openxmlformats.org/officeDocument/2006/relationships" xmlns:p="http://schemas.openxmlformats.org/presentationml/2006/main" preserve="1" userDrawn="1">
+<file path=ppt/slideLayouts/slideLayout16.xml><?xml version="1.0" encoding="utf-8"?>
+<p:sldLayout xmlns:a="http://schemas.openxmlformats.org/drawingml/2006/main" xmlns:r="http://schemas.openxmlformats.org/officeDocument/2006/relationships" xmlns:p="http://schemas.openxmlformats.org/presentationml/2006/main" userDrawn="1">
   <p:cSld name="Content (with quote)">
     <p:spTree>
       <p:nvGrpSpPr>
@@ -5416,7 +5969,7 @@
     </p:spTree>
     <p:extLst>
       <p:ext uri="{BB962C8B-B14F-4D97-AF65-F5344CB8AC3E}">
-        <p14:creationId xmlns:p14="http://schemas.microsoft.com/office/powerpoint/2010/main" val="3128024284"/>
+        <p14:creationId xmlns:p14="http://schemas.microsoft.com/office/powerpoint/2010/main" val="3694364114"/>
       </p:ext>
     </p:extLst>
   </p:cSld>
@@ -5426,8 +5979,8 @@
 </p:sldLayout>
 </file>
 
-<file path=ppt/slideLayouts/slideLayout6.xml><?xml version="1.0" encoding="utf-8"?>
-<p:sldLayout xmlns:a="http://schemas.openxmlformats.org/drawingml/2006/main" xmlns:r="http://schemas.openxmlformats.org/officeDocument/2006/relationships" xmlns:p="http://schemas.openxmlformats.org/presentationml/2006/main" preserve="1" userDrawn="1">
+<file path=ppt/slideLayouts/slideLayout17.xml><?xml version="1.0" encoding="utf-8"?>
+<p:sldLayout xmlns:a="http://schemas.openxmlformats.org/drawingml/2006/main" xmlns:r="http://schemas.openxmlformats.org/officeDocument/2006/relationships" xmlns:p="http://schemas.openxmlformats.org/presentationml/2006/main" userDrawn="1">
   <p:cSld name="Content (two columns with image)">
     <p:spTree>
       <p:nvGrpSpPr>
@@ -5758,7 +6311,7 @@
     </p:spTree>
     <p:extLst>
       <p:ext uri="{BB962C8B-B14F-4D97-AF65-F5344CB8AC3E}">
-        <p14:creationId xmlns:p14="http://schemas.microsoft.com/office/powerpoint/2010/main" val="847259167"/>
+        <p14:creationId xmlns:p14="http://schemas.microsoft.com/office/powerpoint/2010/main" val="1894579645"/>
       </p:ext>
     </p:extLst>
   </p:cSld>
@@ -5768,8 +6321,8 @@
 </p:sldLayout>
 </file>
 
-<file path=ppt/slideLayouts/slideLayout7.xml><?xml version="1.0" encoding="utf-8"?>
-<p:sldLayout xmlns:a="http://schemas.openxmlformats.org/drawingml/2006/main" xmlns:r="http://schemas.openxmlformats.org/officeDocument/2006/relationships" xmlns:p="http://schemas.openxmlformats.org/presentationml/2006/main" preserve="1" userDrawn="1">
+<file path=ppt/slideLayouts/slideLayout18.xml><?xml version="1.0" encoding="utf-8"?>
+<p:sldLayout xmlns:a="http://schemas.openxmlformats.org/drawingml/2006/main" xmlns:r="http://schemas.openxmlformats.org/officeDocument/2006/relationships" xmlns:p="http://schemas.openxmlformats.org/presentationml/2006/main" userDrawn="1">
   <p:cSld name="Single image/media and caption">
     <p:spTree>
       <p:nvGrpSpPr>
@@ -5980,7 +6533,7 @@
     </p:spTree>
     <p:extLst>
       <p:ext uri="{BB962C8B-B14F-4D97-AF65-F5344CB8AC3E}">
-        <p14:creationId xmlns:p14="http://schemas.microsoft.com/office/powerpoint/2010/main" val="3929557088"/>
+        <p14:creationId xmlns:p14="http://schemas.microsoft.com/office/powerpoint/2010/main" val="907085556"/>
       </p:ext>
     </p:extLst>
   </p:cSld>
@@ -5990,8 +6543,8 @@
 </p:sldLayout>
 </file>
 
-<file path=ppt/slideLayouts/slideLayout8.xml><?xml version="1.0" encoding="utf-8"?>
-<p:sldLayout xmlns:a="http://schemas.openxmlformats.org/drawingml/2006/main" xmlns:r="http://schemas.openxmlformats.org/officeDocument/2006/relationships" xmlns:p="http://schemas.openxmlformats.org/presentationml/2006/main" preserve="1" userDrawn="1">
+<file path=ppt/slideLayouts/slideLayout19.xml><?xml version="1.0" encoding="utf-8"?>
+<p:sldLayout xmlns:a="http://schemas.openxmlformats.org/drawingml/2006/main" xmlns:r="http://schemas.openxmlformats.org/officeDocument/2006/relationships" xmlns:p="http://schemas.openxmlformats.org/presentationml/2006/main" userDrawn="1">
   <p:cSld name="Multiple images/media and caption">
     <p:spTree>
       <p:nvGrpSpPr>
@@ -6264,7 +6817,7 @@
     </p:spTree>
     <p:extLst>
       <p:ext uri="{BB962C8B-B14F-4D97-AF65-F5344CB8AC3E}">
-        <p14:creationId xmlns:p14="http://schemas.microsoft.com/office/powerpoint/2010/main" val="1250341895"/>
+        <p14:creationId xmlns:p14="http://schemas.microsoft.com/office/powerpoint/2010/main" val="2194825162"/>
       </p:ext>
     </p:extLst>
   </p:cSld>
@@ -6274,9 +6827,180 @@
 </p:sldLayout>
 </file>
 
-<file path=ppt/slideLayouts/slideLayout9.xml><?xml version="1.0" encoding="utf-8"?>
-<p:sldLayout xmlns:a="http://schemas.openxmlformats.org/drawingml/2006/main" xmlns:r="http://schemas.openxmlformats.org/officeDocument/2006/relationships" xmlns:p="http://schemas.openxmlformats.org/presentationml/2006/main" preserve="1" userDrawn="1">
-  <p:cSld name="Blank">
+<file path=ppt/slideLayouts/slideLayout2.xml><?xml version="1.0" encoding="utf-8"?>
+<p:sldLayout xmlns:a="http://schemas.openxmlformats.org/drawingml/2006/main" xmlns:r="http://schemas.openxmlformats.org/officeDocument/2006/relationships" xmlns:p="http://schemas.openxmlformats.org/presentationml/2006/main" type="obj" preserve="1">
+  <p:cSld name="Title and Content">
+    <p:spTree>
+      <p:nvGrpSpPr>
+        <p:cNvPr id="1" name=""/>
+        <p:cNvGrpSpPr/>
+        <p:nvPr/>
+      </p:nvGrpSpPr>
+      <p:grpSpPr>
+        <a:xfrm>
+          <a:off x="0" y="0"/>
+          <a:ext cx="0" cy="0"/>
+          <a:chOff x="0" y="0"/>
+          <a:chExt cx="0" cy="0"/>
+        </a:xfrm>
+      </p:grpSpPr>
+      <p:sp>
+        <p:nvSpPr>
+          <p:cNvPr id="2" name="Title 1"/>
+          <p:cNvSpPr>
+            <a:spLocks noGrp="1"/>
+          </p:cNvSpPr>
+          <p:nvPr>
+            <p:ph type="title"/>
+          </p:nvPr>
+        </p:nvSpPr>
+        <p:spPr/>
+        <p:txBody>
+          <a:bodyPr/>
+          <a:lstStyle/>
+          <a:p>
+            <a:r>
+              <a:rPr lang="en-US"/>
+              <a:t>Click to edit Master title style</a:t>
+            </a:r>
+            <a:endParaRPr lang="en-US" dirty="0"/>
+          </a:p>
+        </p:txBody>
+      </p:sp>
+      <p:sp>
+        <p:nvSpPr>
+          <p:cNvPr id="3" name="Content Placeholder 2"/>
+          <p:cNvSpPr>
+            <a:spLocks noGrp="1"/>
+          </p:cNvSpPr>
+          <p:nvPr>
+            <p:ph idx="1"/>
+          </p:nvPr>
+        </p:nvSpPr>
+        <p:spPr/>
+        <p:txBody>
+          <a:bodyPr/>
+          <a:lstStyle/>
+          <a:p>
+            <a:pPr lvl="0"/>
+            <a:r>
+              <a:rPr lang="en-US"/>
+              <a:t>Click to edit Master text styles</a:t>
+            </a:r>
+          </a:p>
+          <a:p>
+            <a:pPr lvl="1"/>
+            <a:r>
+              <a:rPr lang="en-US"/>
+              <a:t>Second level</a:t>
+            </a:r>
+          </a:p>
+          <a:p>
+            <a:pPr lvl="2"/>
+            <a:r>
+              <a:rPr lang="en-US"/>
+              <a:t>Third level</a:t>
+            </a:r>
+          </a:p>
+          <a:p>
+            <a:pPr lvl="3"/>
+            <a:r>
+              <a:rPr lang="en-US"/>
+              <a:t>Fourth level</a:t>
+            </a:r>
+          </a:p>
+          <a:p>
+            <a:pPr lvl="4"/>
+            <a:r>
+              <a:rPr lang="en-US"/>
+              <a:t>Fifth level</a:t>
+            </a:r>
+            <a:endParaRPr lang="en-US" dirty="0"/>
+          </a:p>
+        </p:txBody>
+      </p:sp>
+      <p:sp>
+        <p:nvSpPr>
+          <p:cNvPr id="4" name="Date Placeholder 3"/>
+          <p:cNvSpPr>
+            <a:spLocks noGrp="1"/>
+          </p:cNvSpPr>
+          <p:nvPr>
+            <p:ph type="dt" sz="half" idx="10"/>
+          </p:nvPr>
+        </p:nvSpPr>
+        <p:spPr/>
+        <p:txBody>
+          <a:bodyPr/>
+          <a:lstStyle/>
+          <a:p>
+            <a:fld id="{C764DE79-268F-4C1A-8933-263129D2AF90}" type="datetimeFigureOut">
+              <a:rPr lang="en-US" smtClean="0"/>
+              <a:t>26-Feb-24</a:t>
+            </a:fld>
+            <a:endParaRPr lang="en-US" dirty="0"/>
+          </a:p>
+        </p:txBody>
+      </p:sp>
+      <p:sp>
+        <p:nvSpPr>
+          <p:cNvPr id="5" name="Footer Placeholder 4"/>
+          <p:cNvSpPr>
+            <a:spLocks noGrp="1"/>
+          </p:cNvSpPr>
+          <p:nvPr>
+            <p:ph type="ftr" sz="quarter" idx="11"/>
+          </p:nvPr>
+        </p:nvSpPr>
+        <p:spPr/>
+        <p:txBody>
+          <a:bodyPr/>
+          <a:lstStyle/>
+          <a:p>
+            <a:endParaRPr lang="en-US" dirty="0"/>
+          </a:p>
+        </p:txBody>
+      </p:sp>
+      <p:sp>
+        <p:nvSpPr>
+          <p:cNvPr id="6" name="Slide Number Placeholder 5"/>
+          <p:cNvSpPr>
+            <a:spLocks noGrp="1"/>
+          </p:cNvSpPr>
+          <p:nvPr>
+            <p:ph type="sldNum" sz="quarter" idx="12"/>
+          </p:nvPr>
+        </p:nvSpPr>
+        <p:spPr/>
+        <p:txBody>
+          <a:bodyPr/>
+          <a:lstStyle/>
+          <a:p>
+            <a:fld id="{48F63A3B-78C7-47BE-AE5E-E10140E04643}" type="slidenum">
+              <a:rPr lang="en-US" smtClean="0"/>
+              <a:t>‹#›</a:t>
+            </a:fld>
+            <a:endParaRPr lang="en-US" dirty="0"/>
+          </a:p>
+        </p:txBody>
+      </p:sp>
+    </p:spTree>
+    <p:extLst>
+      <p:ext uri="{BB962C8B-B14F-4D97-AF65-F5344CB8AC3E}">
+        <p14:creationId xmlns:p14="http://schemas.microsoft.com/office/powerpoint/2010/main" val="709779278"/>
+      </p:ext>
+    </p:extLst>
+  </p:cSld>
+  <p:clrMapOvr>
+    <a:masterClrMapping/>
+  </p:clrMapOvr>
+  <p:hf hdr="0"/>
+</p:sldLayout>
+</file>
+
+<file path=ppt/slideLayouts/slideLayout20.xml><?xml version="1.0" encoding="utf-8"?>
+<p:sldLayout xmlns:a="http://schemas.openxmlformats.org/drawingml/2006/main" xmlns:r="http://schemas.openxmlformats.org/officeDocument/2006/relationships" xmlns:p="http://schemas.openxmlformats.org/presentationml/2006/main" userDrawn="1">
+  <p:cSld name="1_Blank">
     <p:spTree>
       <p:nvGrpSpPr>
         <p:cNvPr id="1" name=""/>
@@ -6401,7 +7125,7 @@
     </p:spTree>
     <p:extLst>
       <p:ext uri="{BB962C8B-B14F-4D97-AF65-F5344CB8AC3E}">
-        <p14:creationId xmlns:p14="http://schemas.microsoft.com/office/powerpoint/2010/main" val="406725857"/>
+        <p14:creationId xmlns:p14="http://schemas.microsoft.com/office/powerpoint/2010/main" val="3694840022"/>
       </p:ext>
     </p:extLst>
   </p:cSld>
@@ -6411,16 +7135,1612 @@
 </p:sldLayout>
 </file>
 
+<file path=ppt/slideLayouts/slideLayout3.xml><?xml version="1.0" encoding="utf-8"?>
+<p:sldLayout xmlns:a="http://schemas.openxmlformats.org/drawingml/2006/main" xmlns:r="http://schemas.openxmlformats.org/officeDocument/2006/relationships" xmlns:p="http://schemas.openxmlformats.org/presentationml/2006/main" type="secHead" preserve="1">
+  <p:cSld name="Section Header">
+    <p:spTree>
+      <p:nvGrpSpPr>
+        <p:cNvPr id="1" name=""/>
+        <p:cNvGrpSpPr/>
+        <p:nvPr/>
+      </p:nvGrpSpPr>
+      <p:grpSpPr>
+        <a:xfrm>
+          <a:off x="0" y="0"/>
+          <a:ext cx="0" cy="0"/>
+          <a:chOff x="0" y="0"/>
+          <a:chExt cx="0" cy="0"/>
+        </a:xfrm>
+      </p:grpSpPr>
+      <p:sp>
+        <p:nvSpPr>
+          <p:cNvPr id="2" name="Title 1"/>
+          <p:cNvSpPr>
+            <a:spLocks noGrp="1"/>
+          </p:cNvSpPr>
+          <p:nvPr>
+            <p:ph type="title"/>
+          </p:nvPr>
+        </p:nvSpPr>
+        <p:spPr>
+          <a:xfrm>
+            <a:off x="623888" y="1282304"/>
+            <a:ext cx="7886700" cy="2139553"/>
+          </a:xfrm>
+        </p:spPr>
+        <p:txBody>
+          <a:bodyPr anchor="b"/>
+          <a:lstStyle>
+            <a:lvl1pPr>
+              <a:defRPr sz="4500"/>
+            </a:lvl1pPr>
+          </a:lstStyle>
+          <a:p>
+            <a:r>
+              <a:rPr lang="en-US"/>
+              <a:t>Click to edit Master title style</a:t>
+            </a:r>
+            <a:endParaRPr lang="en-US" dirty="0"/>
+          </a:p>
+        </p:txBody>
+      </p:sp>
+      <p:sp>
+        <p:nvSpPr>
+          <p:cNvPr id="3" name="Text Placeholder 2"/>
+          <p:cNvSpPr>
+            <a:spLocks noGrp="1"/>
+          </p:cNvSpPr>
+          <p:nvPr>
+            <p:ph type="body" idx="1"/>
+          </p:nvPr>
+        </p:nvSpPr>
+        <p:spPr>
+          <a:xfrm>
+            <a:off x="623888" y="3442098"/>
+            <a:ext cx="7886700" cy="1125140"/>
+          </a:xfrm>
+        </p:spPr>
+        <p:txBody>
+          <a:bodyPr/>
+          <a:lstStyle>
+            <a:lvl1pPr marL="0" indent="0">
+              <a:buNone/>
+              <a:defRPr sz="1800">
+                <a:solidFill>
+                  <a:schemeClr val="tx1">
+                    <a:tint val="82000"/>
+                  </a:schemeClr>
+                </a:solidFill>
+              </a:defRPr>
+            </a:lvl1pPr>
+            <a:lvl2pPr marL="342900" indent="0">
+              <a:buNone/>
+              <a:defRPr sz="1500">
+                <a:solidFill>
+                  <a:schemeClr val="tx1">
+                    <a:tint val="82000"/>
+                  </a:schemeClr>
+                </a:solidFill>
+              </a:defRPr>
+            </a:lvl2pPr>
+            <a:lvl3pPr marL="685800" indent="0">
+              <a:buNone/>
+              <a:defRPr sz="1350">
+                <a:solidFill>
+                  <a:schemeClr val="tx1">
+                    <a:tint val="82000"/>
+                  </a:schemeClr>
+                </a:solidFill>
+              </a:defRPr>
+            </a:lvl3pPr>
+            <a:lvl4pPr marL="1028700" indent="0">
+              <a:buNone/>
+              <a:defRPr sz="1200">
+                <a:solidFill>
+                  <a:schemeClr val="tx1">
+                    <a:tint val="82000"/>
+                  </a:schemeClr>
+                </a:solidFill>
+              </a:defRPr>
+            </a:lvl4pPr>
+            <a:lvl5pPr marL="1371600" indent="0">
+              <a:buNone/>
+              <a:defRPr sz="1200">
+                <a:solidFill>
+                  <a:schemeClr val="tx1">
+                    <a:tint val="82000"/>
+                  </a:schemeClr>
+                </a:solidFill>
+              </a:defRPr>
+            </a:lvl5pPr>
+            <a:lvl6pPr marL="1714500" indent="0">
+              <a:buNone/>
+              <a:defRPr sz="1200">
+                <a:solidFill>
+                  <a:schemeClr val="tx1">
+                    <a:tint val="82000"/>
+                  </a:schemeClr>
+                </a:solidFill>
+              </a:defRPr>
+            </a:lvl6pPr>
+            <a:lvl7pPr marL="2057400" indent="0">
+              <a:buNone/>
+              <a:defRPr sz="1200">
+                <a:solidFill>
+                  <a:schemeClr val="tx1">
+                    <a:tint val="82000"/>
+                  </a:schemeClr>
+                </a:solidFill>
+              </a:defRPr>
+            </a:lvl7pPr>
+            <a:lvl8pPr marL="2400300" indent="0">
+              <a:buNone/>
+              <a:defRPr sz="1200">
+                <a:solidFill>
+                  <a:schemeClr val="tx1">
+                    <a:tint val="82000"/>
+                  </a:schemeClr>
+                </a:solidFill>
+              </a:defRPr>
+            </a:lvl8pPr>
+            <a:lvl9pPr marL="2743200" indent="0">
+              <a:buNone/>
+              <a:defRPr sz="1200">
+                <a:solidFill>
+                  <a:schemeClr val="tx1">
+                    <a:tint val="82000"/>
+                  </a:schemeClr>
+                </a:solidFill>
+              </a:defRPr>
+            </a:lvl9pPr>
+          </a:lstStyle>
+          <a:p>
+            <a:pPr lvl="0"/>
+            <a:r>
+              <a:rPr lang="en-US"/>
+              <a:t>Click to edit Master text styles</a:t>
+            </a:r>
+          </a:p>
+        </p:txBody>
+      </p:sp>
+      <p:sp>
+        <p:nvSpPr>
+          <p:cNvPr id="4" name="Date Placeholder 3"/>
+          <p:cNvSpPr>
+            <a:spLocks noGrp="1"/>
+          </p:cNvSpPr>
+          <p:nvPr>
+            <p:ph type="dt" sz="half" idx="10"/>
+          </p:nvPr>
+        </p:nvSpPr>
+        <p:spPr/>
+        <p:txBody>
+          <a:bodyPr/>
+          <a:lstStyle/>
+          <a:p>
+            <a:fld id="{C764DE79-268F-4C1A-8933-263129D2AF90}" type="datetimeFigureOut">
+              <a:rPr lang="en-US" smtClean="0"/>
+              <a:t>26-Feb-24</a:t>
+            </a:fld>
+            <a:endParaRPr lang="en-US" dirty="0"/>
+          </a:p>
+        </p:txBody>
+      </p:sp>
+      <p:sp>
+        <p:nvSpPr>
+          <p:cNvPr id="5" name="Footer Placeholder 4"/>
+          <p:cNvSpPr>
+            <a:spLocks noGrp="1"/>
+          </p:cNvSpPr>
+          <p:nvPr>
+            <p:ph type="ftr" sz="quarter" idx="11"/>
+          </p:nvPr>
+        </p:nvSpPr>
+        <p:spPr/>
+        <p:txBody>
+          <a:bodyPr/>
+          <a:lstStyle/>
+          <a:p>
+            <a:endParaRPr lang="en-US" dirty="0"/>
+          </a:p>
+        </p:txBody>
+      </p:sp>
+      <p:sp>
+        <p:nvSpPr>
+          <p:cNvPr id="6" name="Slide Number Placeholder 5"/>
+          <p:cNvSpPr>
+            <a:spLocks noGrp="1"/>
+          </p:cNvSpPr>
+          <p:nvPr>
+            <p:ph type="sldNum" sz="quarter" idx="12"/>
+          </p:nvPr>
+        </p:nvSpPr>
+        <p:spPr/>
+        <p:txBody>
+          <a:bodyPr/>
+          <a:lstStyle/>
+          <a:p>
+            <a:fld id="{48F63A3B-78C7-47BE-AE5E-E10140E04643}" type="slidenum">
+              <a:rPr lang="en-US" smtClean="0"/>
+              <a:t>‹#›</a:t>
+            </a:fld>
+            <a:endParaRPr lang="en-US" dirty="0"/>
+          </a:p>
+        </p:txBody>
+      </p:sp>
+    </p:spTree>
+    <p:extLst>
+      <p:ext uri="{BB962C8B-B14F-4D97-AF65-F5344CB8AC3E}">
+        <p14:creationId xmlns:p14="http://schemas.microsoft.com/office/powerpoint/2010/main" val="2343867763"/>
+      </p:ext>
+    </p:extLst>
+  </p:cSld>
+  <p:clrMapOvr>
+    <a:masterClrMapping/>
+  </p:clrMapOvr>
+  <p:hf hdr="0"/>
+</p:sldLayout>
+</file>
+
+<file path=ppt/slideLayouts/slideLayout4.xml><?xml version="1.0" encoding="utf-8"?>
+<p:sldLayout xmlns:a="http://schemas.openxmlformats.org/drawingml/2006/main" xmlns:r="http://schemas.openxmlformats.org/officeDocument/2006/relationships" xmlns:p="http://schemas.openxmlformats.org/presentationml/2006/main" type="twoObj" preserve="1">
+  <p:cSld name="Two Content">
+    <p:spTree>
+      <p:nvGrpSpPr>
+        <p:cNvPr id="1" name=""/>
+        <p:cNvGrpSpPr/>
+        <p:nvPr/>
+      </p:nvGrpSpPr>
+      <p:grpSpPr>
+        <a:xfrm>
+          <a:off x="0" y="0"/>
+          <a:ext cx="0" cy="0"/>
+          <a:chOff x="0" y="0"/>
+          <a:chExt cx="0" cy="0"/>
+        </a:xfrm>
+      </p:grpSpPr>
+      <p:sp>
+        <p:nvSpPr>
+          <p:cNvPr id="2" name="Title 1"/>
+          <p:cNvSpPr>
+            <a:spLocks noGrp="1"/>
+          </p:cNvSpPr>
+          <p:nvPr>
+            <p:ph type="title"/>
+          </p:nvPr>
+        </p:nvSpPr>
+        <p:spPr/>
+        <p:txBody>
+          <a:bodyPr/>
+          <a:lstStyle/>
+          <a:p>
+            <a:r>
+              <a:rPr lang="en-US"/>
+              <a:t>Click to edit Master title style</a:t>
+            </a:r>
+            <a:endParaRPr lang="en-US" dirty="0"/>
+          </a:p>
+        </p:txBody>
+      </p:sp>
+      <p:sp>
+        <p:nvSpPr>
+          <p:cNvPr id="3" name="Content Placeholder 2"/>
+          <p:cNvSpPr>
+            <a:spLocks noGrp="1"/>
+          </p:cNvSpPr>
+          <p:nvPr>
+            <p:ph sz="half" idx="1"/>
+          </p:nvPr>
+        </p:nvSpPr>
+        <p:spPr>
+          <a:xfrm>
+            <a:off x="628650" y="1369219"/>
+            <a:ext cx="3886200" cy="3263504"/>
+          </a:xfrm>
+        </p:spPr>
+        <p:txBody>
+          <a:bodyPr/>
+          <a:lstStyle/>
+          <a:p>
+            <a:pPr lvl="0"/>
+            <a:r>
+              <a:rPr lang="en-US"/>
+              <a:t>Click to edit Master text styles</a:t>
+            </a:r>
+          </a:p>
+          <a:p>
+            <a:pPr lvl="1"/>
+            <a:r>
+              <a:rPr lang="en-US"/>
+              <a:t>Second level</a:t>
+            </a:r>
+          </a:p>
+          <a:p>
+            <a:pPr lvl="2"/>
+            <a:r>
+              <a:rPr lang="en-US"/>
+              <a:t>Third level</a:t>
+            </a:r>
+          </a:p>
+          <a:p>
+            <a:pPr lvl="3"/>
+            <a:r>
+              <a:rPr lang="en-US"/>
+              <a:t>Fourth level</a:t>
+            </a:r>
+          </a:p>
+          <a:p>
+            <a:pPr lvl="4"/>
+            <a:r>
+              <a:rPr lang="en-US"/>
+              <a:t>Fifth level</a:t>
+            </a:r>
+            <a:endParaRPr lang="en-US" dirty="0"/>
+          </a:p>
+        </p:txBody>
+      </p:sp>
+      <p:sp>
+        <p:nvSpPr>
+          <p:cNvPr id="4" name="Content Placeholder 3"/>
+          <p:cNvSpPr>
+            <a:spLocks noGrp="1"/>
+          </p:cNvSpPr>
+          <p:nvPr>
+            <p:ph sz="half" idx="2"/>
+          </p:nvPr>
+        </p:nvSpPr>
+        <p:spPr>
+          <a:xfrm>
+            <a:off x="4629150" y="1369219"/>
+            <a:ext cx="3886200" cy="3263504"/>
+          </a:xfrm>
+        </p:spPr>
+        <p:txBody>
+          <a:bodyPr/>
+          <a:lstStyle/>
+          <a:p>
+            <a:pPr lvl="0"/>
+            <a:r>
+              <a:rPr lang="en-US"/>
+              <a:t>Click to edit Master text styles</a:t>
+            </a:r>
+          </a:p>
+          <a:p>
+            <a:pPr lvl="1"/>
+            <a:r>
+              <a:rPr lang="en-US"/>
+              <a:t>Second level</a:t>
+            </a:r>
+          </a:p>
+          <a:p>
+            <a:pPr lvl="2"/>
+            <a:r>
+              <a:rPr lang="en-US"/>
+              <a:t>Third level</a:t>
+            </a:r>
+          </a:p>
+          <a:p>
+            <a:pPr lvl="3"/>
+            <a:r>
+              <a:rPr lang="en-US"/>
+              <a:t>Fourth level</a:t>
+            </a:r>
+          </a:p>
+          <a:p>
+            <a:pPr lvl="4"/>
+            <a:r>
+              <a:rPr lang="en-US"/>
+              <a:t>Fifth level</a:t>
+            </a:r>
+            <a:endParaRPr lang="en-US" dirty="0"/>
+          </a:p>
+        </p:txBody>
+      </p:sp>
+      <p:sp>
+        <p:nvSpPr>
+          <p:cNvPr id="5" name="Date Placeholder 4"/>
+          <p:cNvSpPr>
+            <a:spLocks noGrp="1"/>
+          </p:cNvSpPr>
+          <p:nvPr>
+            <p:ph type="dt" sz="half" idx="10"/>
+          </p:nvPr>
+        </p:nvSpPr>
+        <p:spPr/>
+        <p:txBody>
+          <a:bodyPr/>
+          <a:lstStyle/>
+          <a:p>
+            <a:fld id="{C764DE79-268F-4C1A-8933-263129D2AF90}" type="datetimeFigureOut">
+              <a:rPr lang="en-US" smtClean="0"/>
+              <a:t>26-Feb-24</a:t>
+            </a:fld>
+            <a:endParaRPr lang="en-US" dirty="0"/>
+          </a:p>
+        </p:txBody>
+      </p:sp>
+      <p:sp>
+        <p:nvSpPr>
+          <p:cNvPr id="6" name="Footer Placeholder 5"/>
+          <p:cNvSpPr>
+            <a:spLocks noGrp="1"/>
+          </p:cNvSpPr>
+          <p:nvPr>
+            <p:ph type="ftr" sz="quarter" idx="11"/>
+          </p:nvPr>
+        </p:nvSpPr>
+        <p:spPr/>
+        <p:txBody>
+          <a:bodyPr/>
+          <a:lstStyle/>
+          <a:p>
+            <a:endParaRPr lang="en-US" dirty="0"/>
+          </a:p>
+        </p:txBody>
+      </p:sp>
+      <p:sp>
+        <p:nvSpPr>
+          <p:cNvPr id="7" name="Slide Number Placeholder 6"/>
+          <p:cNvSpPr>
+            <a:spLocks noGrp="1"/>
+          </p:cNvSpPr>
+          <p:nvPr>
+            <p:ph type="sldNum" sz="quarter" idx="12"/>
+          </p:nvPr>
+        </p:nvSpPr>
+        <p:spPr/>
+        <p:txBody>
+          <a:bodyPr/>
+          <a:lstStyle/>
+          <a:p>
+            <a:fld id="{48F63A3B-78C7-47BE-AE5E-E10140E04643}" type="slidenum">
+              <a:rPr lang="en-US" smtClean="0"/>
+              <a:t>‹#›</a:t>
+            </a:fld>
+            <a:endParaRPr lang="en-US" dirty="0"/>
+          </a:p>
+        </p:txBody>
+      </p:sp>
+    </p:spTree>
+    <p:extLst>
+      <p:ext uri="{BB962C8B-B14F-4D97-AF65-F5344CB8AC3E}">
+        <p14:creationId xmlns:p14="http://schemas.microsoft.com/office/powerpoint/2010/main" val="3458574093"/>
+      </p:ext>
+    </p:extLst>
+  </p:cSld>
+  <p:clrMapOvr>
+    <a:masterClrMapping/>
+  </p:clrMapOvr>
+  <p:hf hdr="0"/>
+</p:sldLayout>
+</file>
+
+<file path=ppt/slideLayouts/slideLayout5.xml><?xml version="1.0" encoding="utf-8"?>
+<p:sldLayout xmlns:a="http://schemas.openxmlformats.org/drawingml/2006/main" xmlns:r="http://schemas.openxmlformats.org/officeDocument/2006/relationships" xmlns:p="http://schemas.openxmlformats.org/presentationml/2006/main" type="twoTxTwoObj" preserve="1">
+  <p:cSld name="Comparison">
+    <p:spTree>
+      <p:nvGrpSpPr>
+        <p:cNvPr id="1" name=""/>
+        <p:cNvGrpSpPr/>
+        <p:nvPr/>
+      </p:nvGrpSpPr>
+      <p:grpSpPr>
+        <a:xfrm>
+          <a:off x="0" y="0"/>
+          <a:ext cx="0" cy="0"/>
+          <a:chOff x="0" y="0"/>
+          <a:chExt cx="0" cy="0"/>
+        </a:xfrm>
+      </p:grpSpPr>
+      <p:sp>
+        <p:nvSpPr>
+          <p:cNvPr id="2" name="Title 1"/>
+          <p:cNvSpPr>
+            <a:spLocks noGrp="1"/>
+          </p:cNvSpPr>
+          <p:nvPr>
+            <p:ph type="title"/>
+          </p:nvPr>
+        </p:nvSpPr>
+        <p:spPr>
+          <a:xfrm>
+            <a:off x="629841" y="273844"/>
+            <a:ext cx="7886700" cy="994172"/>
+          </a:xfrm>
+        </p:spPr>
+        <p:txBody>
+          <a:bodyPr/>
+          <a:lstStyle/>
+          <a:p>
+            <a:r>
+              <a:rPr lang="en-US"/>
+              <a:t>Click to edit Master title style</a:t>
+            </a:r>
+            <a:endParaRPr lang="en-US" dirty="0"/>
+          </a:p>
+        </p:txBody>
+      </p:sp>
+      <p:sp>
+        <p:nvSpPr>
+          <p:cNvPr id="3" name="Text Placeholder 2"/>
+          <p:cNvSpPr>
+            <a:spLocks noGrp="1"/>
+          </p:cNvSpPr>
+          <p:nvPr>
+            <p:ph type="body" idx="1"/>
+          </p:nvPr>
+        </p:nvSpPr>
+        <p:spPr>
+          <a:xfrm>
+            <a:off x="629842" y="1260872"/>
+            <a:ext cx="3868340" cy="617934"/>
+          </a:xfrm>
+        </p:spPr>
+        <p:txBody>
+          <a:bodyPr anchor="b"/>
+          <a:lstStyle>
+            <a:lvl1pPr marL="0" indent="0">
+              <a:buNone/>
+              <a:defRPr sz="1800" b="1"/>
+            </a:lvl1pPr>
+            <a:lvl2pPr marL="342900" indent="0">
+              <a:buNone/>
+              <a:defRPr sz="1500" b="1"/>
+            </a:lvl2pPr>
+            <a:lvl3pPr marL="685800" indent="0">
+              <a:buNone/>
+              <a:defRPr sz="1350" b="1"/>
+            </a:lvl3pPr>
+            <a:lvl4pPr marL="1028700" indent="0">
+              <a:buNone/>
+              <a:defRPr sz="1200" b="1"/>
+            </a:lvl4pPr>
+            <a:lvl5pPr marL="1371600" indent="0">
+              <a:buNone/>
+              <a:defRPr sz="1200" b="1"/>
+            </a:lvl5pPr>
+            <a:lvl6pPr marL="1714500" indent="0">
+              <a:buNone/>
+              <a:defRPr sz="1200" b="1"/>
+            </a:lvl6pPr>
+            <a:lvl7pPr marL="2057400" indent="0">
+              <a:buNone/>
+              <a:defRPr sz="1200" b="1"/>
+            </a:lvl7pPr>
+            <a:lvl8pPr marL="2400300" indent="0">
+              <a:buNone/>
+              <a:defRPr sz="1200" b="1"/>
+            </a:lvl8pPr>
+            <a:lvl9pPr marL="2743200" indent="0">
+              <a:buNone/>
+              <a:defRPr sz="1200" b="1"/>
+            </a:lvl9pPr>
+          </a:lstStyle>
+          <a:p>
+            <a:pPr lvl="0"/>
+            <a:r>
+              <a:rPr lang="en-US"/>
+              <a:t>Click to edit Master text styles</a:t>
+            </a:r>
+          </a:p>
+        </p:txBody>
+      </p:sp>
+      <p:sp>
+        <p:nvSpPr>
+          <p:cNvPr id="4" name="Content Placeholder 3"/>
+          <p:cNvSpPr>
+            <a:spLocks noGrp="1"/>
+          </p:cNvSpPr>
+          <p:nvPr>
+            <p:ph sz="half" idx="2"/>
+          </p:nvPr>
+        </p:nvSpPr>
+        <p:spPr>
+          <a:xfrm>
+            <a:off x="629842" y="1878806"/>
+            <a:ext cx="3868340" cy="2763441"/>
+          </a:xfrm>
+        </p:spPr>
+        <p:txBody>
+          <a:bodyPr/>
+          <a:lstStyle/>
+          <a:p>
+            <a:pPr lvl="0"/>
+            <a:r>
+              <a:rPr lang="en-US"/>
+              <a:t>Click to edit Master text styles</a:t>
+            </a:r>
+          </a:p>
+          <a:p>
+            <a:pPr lvl="1"/>
+            <a:r>
+              <a:rPr lang="en-US"/>
+              <a:t>Second level</a:t>
+            </a:r>
+          </a:p>
+          <a:p>
+            <a:pPr lvl="2"/>
+            <a:r>
+              <a:rPr lang="en-US"/>
+              <a:t>Third level</a:t>
+            </a:r>
+          </a:p>
+          <a:p>
+            <a:pPr lvl="3"/>
+            <a:r>
+              <a:rPr lang="en-US"/>
+              <a:t>Fourth level</a:t>
+            </a:r>
+          </a:p>
+          <a:p>
+            <a:pPr lvl="4"/>
+            <a:r>
+              <a:rPr lang="en-US"/>
+              <a:t>Fifth level</a:t>
+            </a:r>
+            <a:endParaRPr lang="en-US" dirty="0"/>
+          </a:p>
+        </p:txBody>
+      </p:sp>
+      <p:sp>
+        <p:nvSpPr>
+          <p:cNvPr id="5" name="Text Placeholder 4"/>
+          <p:cNvSpPr>
+            <a:spLocks noGrp="1"/>
+          </p:cNvSpPr>
+          <p:nvPr>
+            <p:ph type="body" sz="quarter" idx="3"/>
+          </p:nvPr>
+        </p:nvSpPr>
+        <p:spPr>
+          <a:xfrm>
+            <a:off x="4629150" y="1260872"/>
+            <a:ext cx="3887391" cy="617934"/>
+          </a:xfrm>
+        </p:spPr>
+        <p:txBody>
+          <a:bodyPr anchor="b"/>
+          <a:lstStyle>
+            <a:lvl1pPr marL="0" indent="0">
+              <a:buNone/>
+              <a:defRPr sz="1800" b="1"/>
+            </a:lvl1pPr>
+            <a:lvl2pPr marL="342900" indent="0">
+              <a:buNone/>
+              <a:defRPr sz="1500" b="1"/>
+            </a:lvl2pPr>
+            <a:lvl3pPr marL="685800" indent="0">
+              <a:buNone/>
+              <a:defRPr sz="1350" b="1"/>
+            </a:lvl3pPr>
+            <a:lvl4pPr marL="1028700" indent="0">
+              <a:buNone/>
+              <a:defRPr sz="1200" b="1"/>
+            </a:lvl4pPr>
+            <a:lvl5pPr marL="1371600" indent="0">
+              <a:buNone/>
+              <a:defRPr sz="1200" b="1"/>
+            </a:lvl5pPr>
+            <a:lvl6pPr marL="1714500" indent="0">
+              <a:buNone/>
+              <a:defRPr sz="1200" b="1"/>
+            </a:lvl6pPr>
+            <a:lvl7pPr marL="2057400" indent="0">
+              <a:buNone/>
+              <a:defRPr sz="1200" b="1"/>
+            </a:lvl7pPr>
+            <a:lvl8pPr marL="2400300" indent="0">
+              <a:buNone/>
+              <a:defRPr sz="1200" b="1"/>
+            </a:lvl8pPr>
+            <a:lvl9pPr marL="2743200" indent="0">
+              <a:buNone/>
+              <a:defRPr sz="1200" b="1"/>
+            </a:lvl9pPr>
+          </a:lstStyle>
+          <a:p>
+            <a:pPr lvl="0"/>
+            <a:r>
+              <a:rPr lang="en-US"/>
+              <a:t>Click to edit Master text styles</a:t>
+            </a:r>
+          </a:p>
+        </p:txBody>
+      </p:sp>
+      <p:sp>
+        <p:nvSpPr>
+          <p:cNvPr id="6" name="Content Placeholder 5"/>
+          <p:cNvSpPr>
+            <a:spLocks noGrp="1"/>
+          </p:cNvSpPr>
+          <p:nvPr>
+            <p:ph sz="quarter" idx="4"/>
+          </p:nvPr>
+        </p:nvSpPr>
+        <p:spPr>
+          <a:xfrm>
+            <a:off x="4629150" y="1878806"/>
+            <a:ext cx="3887391" cy="2763441"/>
+          </a:xfrm>
+        </p:spPr>
+        <p:txBody>
+          <a:bodyPr/>
+          <a:lstStyle/>
+          <a:p>
+            <a:pPr lvl="0"/>
+            <a:r>
+              <a:rPr lang="en-US"/>
+              <a:t>Click to edit Master text styles</a:t>
+            </a:r>
+          </a:p>
+          <a:p>
+            <a:pPr lvl="1"/>
+            <a:r>
+              <a:rPr lang="en-US"/>
+              <a:t>Second level</a:t>
+            </a:r>
+          </a:p>
+          <a:p>
+            <a:pPr lvl="2"/>
+            <a:r>
+              <a:rPr lang="en-US"/>
+              <a:t>Third level</a:t>
+            </a:r>
+          </a:p>
+          <a:p>
+            <a:pPr lvl="3"/>
+            <a:r>
+              <a:rPr lang="en-US"/>
+              <a:t>Fourth level</a:t>
+            </a:r>
+          </a:p>
+          <a:p>
+            <a:pPr lvl="4"/>
+            <a:r>
+              <a:rPr lang="en-US"/>
+              <a:t>Fifth level</a:t>
+            </a:r>
+            <a:endParaRPr lang="en-US" dirty="0"/>
+          </a:p>
+        </p:txBody>
+      </p:sp>
+      <p:sp>
+        <p:nvSpPr>
+          <p:cNvPr id="7" name="Date Placeholder 6"/>
+          <p:cNvSpPr>
+            <a:spLocks noGrp="1"/>
+          </p:cNvSpPr>
+          <p:nvPr>
+            <p:ph type="dt" sz="half" idx="10"/>
+          </p:nvPr>
+        </p:nvSpPr>
+        <p:spPr/>
+        <p:txBody>
+          <a:bodyPr/>
+          <a:lstStyle/>
+          <a:p>
+            <a:fld id="{C764DE79-268F-4C1A-8933-263129D2AF90}" type="datetimeFigureOut">
+              <a:rPr lang="en-US" smtClean="0"/>
+              <a:t>26-Feb-24</a:t>
+            </a:fld>
+            <a:endParaRPr lang="en-US" dirty="0"/>
+          </a:p>
+        </p:txBody>
+      </p:sp>
+      <p:sp>
+        <p:nvSpPr>
+          <p:cNvPr id="8" name="Footer Placeholder 7"/>
+          <p:cNvSpPr>
+            <a:spLocks noGrp="1"/>
+          </p:cNvSpPr>
+          <p:nvPr>
+            <p:ph type="ftr" sz="quarter" idx="11"/>
+          </p:nvPr>
+        </p:nvSpPr>
+        <p:spPr/>
+        <p:txBody>
+          <a:bodyPr/>
+          <a:lstStyle/>
+          <a:p>
+            <a:endParaRPr lang="en-US" dirty="0"/>
+          </a:p>
+        </p:txBody>
+      </p:sp>
+      <p:sp>
+        <p:nvSpPr>
+          <p:cNvPr id="9" name="Slide Number Placeholder 8"/>
+          <p:cNvSpPr>
+            <a:spLocks noGrp="1"/>
+          </p:cNvSpPr>
+          <p:nvPr>
+            <p:ph type="sldNum" sz="quarter" idx="12"/>
+          </p:nvPr>
+        </p:nvSpPr>
+        <p:spPr/>
+        <p:txBody>
+          <a:bodyPr/>
+          <a:lstStyle/>
+          <a:p>
+            <a:fld id="{48F63A3B-78C7-47BE-AE5E-E10140E04643}" type="slidenum">
+              <a:rPr lang="en-US" smtClean="0"/>
+              <a:t>‹#›</a:t>
+            </a:fld>
+            <a:endParaRPr lang="en-US" dirty="0"/>
+          </a:p>
+        </p:txBody>
+      </p:sp>
+    </p:spTree>
+    <p:extLst>
+      <p:ext uri="{BB962C8B-B14F-4D97-AF65-F5344CB8AC3E}">
+        <p14:creationId xmlns:p14="http://schemas.microsoft.com/office/powerpoint/2010/main" val="2378607885"/>
+      </p:ext>
+    </p:extLst>
+  </p:cSld>
+  <p:clrMapOvr>
+    <a:masterClrMapping/>
+  </p:clrMapOvr>
+  <p:hf hdr="0"/>
+</p:sldLayout>
+</file>
+
+<file path=ppt/slideLayouts/slideLayout6.xml><?xml version="1.0" encoding="utf-8"?>
+<p:sldLayout xmlns:a="http://schemas.openxmlformats.org/drawingml/2006/main" xmlns:r="http://schemas.openxmlformats.org/officeDocument/2006/relationships" xmlns:p="http://schemas.openxmlformats.org/presentationml/2006/main" type="titleOnly" preserve="1">
+  <p:cSld name="Title Only">
+    <p:spTree>
+      <p:nvGrpSpPr>
+        <p:cNvPr id="1" name=""/>
+        <p:cNvGrpSpPr/>
+        <p:nvPr/>
+      </p:nvGrpSpPr>
+      <p:grpSpPr>
+        <a:xfrm>
+          <a:off x="0" y="0"/>
+          <a:ext cx="0" cy="0"/>
+          <a:chOff x="0" y="0"/>
+          <a:chExt cx="0" cy="0"/>
+        </a:xfrm>
+      </p:grpSpPr>
+      <p:sp>
+        <p:nvSpPr>
+          <p:cNvPr id="2" name="Title 1"/>
+          <p:cNvSpPr>
+            <a:spLocks noGrp="1"/>
+          </p:cNvSpPr>
+          <p:nvPr>
+            <p:ph type="title"/>
+          </p:nvPr>
+        </p:nvSpPr>
+        <p:spPr/>
+        <p:txBody>
+          <a:bodyPr/>
+          <a:lstStyle/>
+          <a:p>
+            <a:r>
+              <a:rPr lang="en-US"/>
+              <a:t>Click to edit Master title style</a:t>
+            </a:r>
+            <a:endParaRPr lang="en-US" dirty="0"/>
+          </a:p>
+        </p:txBody>
+      </p:sp>
+      <p:sp>
+        <p:nvSpPr>
+          <p:cNvPr id="3" name="Date Placeholder 2"/>
+          <p:cNvSpPr>
+            <a:spLocks noGrp="1"/>
+          </p:cNvSpPr>
+          <p:nvPr>
+            <p:ph type="dt" sz="half" idx="10"/>
+          </p:nvPr>
+        </p:nvSpPr>
+        <p:spPr/>
+        <p:txBody>
+          <a:bodyPr/>
+          <a:lstStyle/>
+          <a:p>
+            <a:fld id="{C764DE79-268F-4C1A-8933-263129D2AF90}" type="datetimeFigureOut">
+              <a:rPr lang="en-US" smtClean="0"/>
+              <a:t>26-Feb-24</a:t>
+            </a:fld>
+            <a:endParaRPr lang="en-US" dirty="0"/>
+          </a:p>
+        </p:txBody>
+      </p:sp>
+      <p:sp>
+        <p:nvSpPr>
+          <p:cNvPr id="4" name="Footer Placeholder 3"/>
+          <p:cNvSpPr>
+            <a:spLocks noGrp="1"/>
+          </p:cNvSpPr>
+          <p:nvPr>
+            <p:ph type="ftr" sz="quarter" idx="11"/>
+          </p:nvPr>
+        </p:nvSpPr>
+        <p:spPr/>
+        <p:txBody>
+          <a:bodyPr/>
+          <a:lstStyle/>
+          <a:p>
+            <a:endParaRPr lang="en-US" dirty="0"/>
+          </a:p>
+        </p:txBody>
+      </p:sp>
+      <p:sp>
+        <p:nvSpPr>
+          <p:cNvPr id="5" name="Slide Number Placeholder 4"/>
+          <p:cNvSpPr>
+            <a:spLocks noGrp="1"/>
+          </p:cNvSpPr>
+          <p:nvPr>
+            <p:ph type="sldNum" sz="quarter" idx="12"/>
+          </p:nvPr>
+        </p:nvSpPr>
+        <p:spPr/>
+        <p:txBody>
+          <a:bodyPr/>
+          <a:lstStyle/>
+          <a:p>
+            <a:fld id="{48F63A3B-78C7-47BE-AE5E-E10140E04643}" type="slidenum">
+              <a:rPr lang="en-US" smtClean="0"/>
+              <a:t>‹#›</a:t>
+            </a:fld>
+            <a:endParaRPr lang="en-US" dirty="0"/>
+          </a:p>
+        </p:txBody>
+      </p:sp>
+    </p:spTree>
+    <p:extLst>
+      <p:ext uri="{BB962C8B-B14F-4D97-AF65-F5344CB8AC3E}">
+        <p14:creationId xmlns:p14="http://schemas.microsoft.com/office/powerpoint/2010/main" val="1226610217"/>
+      </p:ext>
+    </p:extLst>
+  </p:cSld>
+  <p:clrMapOvr>
+    <a:masterClrMapping/>
+  </p:clrMapOvr>
+  <p:hf hdr="0"/>
+</p:sldLayout>
+</file>
+
+<file path=ppt/slideLayouts/slideLayout7.xml><?xml version="1.0" encoding="utf-8"?>
+<p:sldLayout xmlns:a="http://schemas.openxmlformats.org/drawingml/2006/main" xmlns:r="http://schemas.openxmlformats.org/officeDocument/2006/relationships" xmlns:p="http://schemas.openxmlformats.org/presentationml/2006/main" type="blank" preserve="1">
+  <p:cSld name="Blank">
+    <p:spTree>
+      <p:nvGrpSpPr>
+        <p:cNvPr id="1" name=""/>
+        <p:cNvGrpSpPr/>
+        <p:nvPr/>
+      </p:nvGrpSpPr>
+      <p:grpSpPr>
+        <a:xfrm>
+          <a:off x="0" y="0"/>
+          <a:ext cx="0" cy="0"/>
+          <a:chOff x="0" y="0"/>
+          <a:chExt cx="0" cy="0"/>
+        </a:xfrm>
+      </p:grpSpPr>
+      <p:sp>
+        <p:nvSpPr>
+          <p:cNvPr id="2" name="Date Placeholder 1"/>
+          <p:cNvSpPr>
+            <a:spLocks noGrp="1"/>
+          </p:cNvSpPr>
+          <p:nvPr>
+            <p:ph type="dt" sz="half" idx="10"/>
+          </p:nvPr>
+        </p:nvSpPr>
+        <p:spPr/>
+        <p:txBody>
+          <a:bodyPr/>
+          <a:lstStyle/>
+          <a:p>
+            <a:fld id="{C764DE79-268F-4C1A-8933-263129D2AF90}" type="datetimeFigureOut">
+              <a:rPr lang="en-US" smtClean="0"/>
+              <a:t>26-Feb-24</a:t>
+            </a:fld>
+            <a:endParaRPr lang="en-US" dirty="0"/>
+          </a:p>
+        </p:txBody>
+      </p:sp>
+      <p:sp>
+        <p:nvSpPr>
+          <p:cNvPr id="3" name="Footer Placeholder 2"/>
+          <p:cNvSpPr>
+            <a:spLocks noGrp="1"/>
+          </p:cNvSpPr>
+          <p:nvPr>
+            <p:ph type="ftr" sz="quarter" idx="11"/>
+          </p:nvPr>
+        </p:nvSpPr>
+        <p:spPr/>
+        <p:txBody>
+          <a:bodyPr/>
+          <a:lstStyle/>
+          <a:p>
+            <a:endParaRPr lang="en-US" dirty="0"/>
+          </a:p>
+        </p:txBody>
+      </p:sp>
+      <p:sp>
+        <p:nvSpPr>
+          <p:cNvPr id="4" name="Slide Number Placeholder 3"/>
+          <p:cNvSpPr>
+            <a:spLocks noGrp="1"/>
+          </p:cNvSpPr>
+          <p:nvPr>
+            <p:ph type="sldNum" sz="quarter" idx="12"/>
+          </p:nvPr>
+        </p:nvSpPr>
+        <p:spPr/>
+        <p:txBody>
+          <a:bodyPr/>
+          <a:lstStyle/>
+          <a:p>
+            <a:fld id="{48F63A3B-78C7-47BE-AE5E-E10140E04643}" type="slidenum">
+              <a:rPr lang="en-US" smtClean="0"/>
+              <a:t>‹#›</a:t>
+            </a:fld>
+            <a:endParaRPr lang="en-US" dirty="0"/>
+          </a:p>
+        </p:txBody>
+      </p:sp>
+    </p:spTree>
+    <p:extLst>
+      <p:ext uri="{BB962C8B-B14F-4D97-AF65-F5344CB8AC3E}">
+        <p14:creationId xmlns:p14="http://schemas.microsoft.com/office/powerpoint/2010/main" val="3538122975"/>
+      </p:ext>
+    </p:extLst>
+  </p:cSld>
+  <p:clrMapOvr>
+    <a:masterClrMapping/>
+  </p:clrMapOvr>
+  <p:hf hdr="0"/>
+</p:sldLayout>
+</file>
+
+<file path=ppt/slideLayouts/slideLayout8.xml><?xml version="1.0" encoding="utf-8"?>
+<p:sldLayout xmlns:a="http://schemas.openxmlformats.org/drawingml/2006/main" xmlns:r="http://schemas.openxmlformats.org/officeDocument/2006/relationships" xmlns:p="http://schemas.openxmlformats.org/presentationml/2006/main" type="objTx" preserve="1">
+  <p:cSld name="Content with Caption">
+    <p:spTree>
+      <p:nvGrpSpPr>
+        <p:cNvPr id="1" name=""/>
+        <p:cNvGrpSpPr/>
+        <p:nvPr/>
+      </p:nvGrpSpPr>
+      <p:grpSpPr>
+        <a:xfrm>
+          <a:off x="0" y="0"/>
+          <a:ext cx="0" cy="0"/>
+          <a:chOff x="0" y="0"/>
+          <a:chExt cx="0" cy="0"/>
+        </a:xfrm>
+      </p:grpSpPr>
+      <p:sp>
+        <p:nvSpPr>
+          <p:cNvPr id="2" name="Title 1"/>
+          <p:cNvSpPr>
+            <a:spLocks noGrp="1"/>
+          </p:cNvSpPr>
+          <p:nvPr>
+            <p:ph type="title"/>
+          </p:nvPr>
+        </p:nvSpPr>
+        <p:spPr>
+          <a:xfrm>
+            <a:off x="629841" y="342900"/>
+            <a:ext cx="2949178" cy="1200150"/>
+          </a:xfrm>
+        </p:spPr>
+        <p:txBody>
+          <a:bodyPr anchor="b"/>
+          <a:lstStyle>
+            <a:lvl1pPr>
+              <a:defRPr sz="2400"/>
+            </a:lvl1pPr>
+          </a:lstStyle>
+          <a:p>
+            <a:r>
+              <a:rPr lang="en-US"/>
+              <a:t>Click to edit Master title style</a:t>
+            </a:r>
+            <a:endParaRPr lang="en-US" dirty="0"/>
+          </a:p>
+        </p:txBody>
+      </p:sp>
+      <p:sp>
+        <p:nvSpPr>
+          <p:cNvPr id="3" name="Content Placeholder 2"/>
+          <p:cNvSpPr>
+            <a:spLocks noGrp="1"/>
+          </p:cNvSpPr>
+          <p:nvPr>
+            <p:ph idx="1"/>
+          </p:nvPr>
+        </p:nvSpPr>
+        <p:spPr>
+          <a:xfrm>
+            <a:off x="3887391" y="740569"/>
+            <a:ext cx="4629150" cy="3655219"/>
+          </a:xfrm>
+        </p:spPr>
+        <p:txBody>
+          <a:bodyPr/>
+          <a:lstStyle>
+            <a:lvl1pPr>
+              <a:defRPr sz="2400"/>
+            </a:lvl1pPr>
+            <a:lvl2pPr>
+              <a:defRPr sz="2100"/>
+            </a:lvl2pPr>
+            <a:lvl3pPr>
+              <a:defRPr sz="1800"/>
+            </a:lvl3pPr>
+            <a:lvl4pPr>
+              <a:defRPr sz="1500"/>
+            </a:lvl4pPr>
+            <a:lvl5pPr>
+              <a:defRPr sz="1500"/>
+            </a:lvl5pPr>
+            <a:lvl6pPr>
+              <a:defRPr sz="1500"/>
+            </a:lvl6pPr>
+            <a:lvl7pPr>
+              <a:defRPr sz="1500"/>
+            </a:lvl7pPr>
+            <a:lvl8pPr>
+              <a:defRPr sz="1500"/>
+            </a:lvl8pPr>
+            <a:lvl9pPr>
+              <a:defRPr sz="1500"/>
+            </a:lvl9pPr>
+          </a:lstStyle>
+          <a:p>
+            <a:pPr lvl="0"/>
+            <a:r>
+              <a:rPr lang="en-US"/>
+              <a:t>Click to edit Master text styles</a:t>
+            </a:r>
+          </a:p>
+          <a:p>
+            <a:pPr lvl="1"/>
+            <a:r>
+              <a:rPr lang="en-US"/>
+              <a:t>Second level</a:t>
+            </a:r>
+          </a:p>
+          <a:p>
+            <a:pPr lvl="2"/>
+            <a:r>
+              <a:rPr lang="en-US"/>
+              <a:t>Third level</a:t>
+            </a:r>
+          </a:p>
+          <a:p>
+            <a:pPr lvl="3"/>
+            <a:r>
+              <a:rPr lang="en-US"/>
+              <a:t>Fourth level</a:t>
+            </a:r>
+          </a:p>
+          <a:p>
+            <a:pPr lvl="4"/>
+            <a:r>
+              <a:rPr lang="en-US"/>
+              <a:t>Fifth level</a:t>
+            </a:r>
+            <a:endParaRPr lang="en-US" dirty="0"/>
+          </a:p>
+        </p:txBody>
+      </p:sp>
+      <p:sp>
+        <p:nvSpPr>
+          <p:cNvPr id="4" name="Text Placeholder 3"/>
+          <p:cNvSpPr>
+            <a:spLocks noGrp="1"/>
+          </p:cNvSpPr>
+          <p:nvPr>
+            <p:ph type="body" sz="half" idx="2"/>
+          </p:nvPr>
+        </p:nvSpPr>
+        <p:spPr>
+          <a:xfrm>
+            <a:off x="629841" y="1543050"/>
+            <a:ext cx="2949178" cy="2858691"/>
+          </a:xfrm>
+        </p:spPr>
+        <p:txBody>
+          <a:bodyPr/>
+          <a:lstStyle>
+            <a:lvl1pPr marL="0" indent="0">
+              <a:buNone/>
+              <a:defRPr sz="1200"/>
+            </a:lvl1pPr>
+            <a:lvl2pPr marL="342900" indent="0">
+              <a:buNone/>
+              <a:defRPr sz="1050"/>
+            </a:lvl2pPr>
+            <a:lvl3pPr marL="685800" indent="0">
+              <a:buNone/>
+              <a:defRPr sz="900"/>
+            </a:lvl3pPr>
+            <a:lvl4pPr marL="1028700" indent="0">
+              <a:buNone/>
+              <a:defRPr sz="750"/>
+            </a:lvl4pPr>
+            <a:lvl5pPr marL="1371600" indent="0">
+              <a:buNone/>
+              <a:defRPr sz="750"/>
+            </a:lvl5pPr>
+            <a:lvl6pPr marL="1714500" indent="0">
+              <a:buNone/>
+              <a:defRPr sz="750"/>
+            </a:lvl6pPr>
+            <a:lvl7pPr marL="2057400" indent="0">
+              <a:buNone/>
+              <a:defRPr sz="750"/>
+            </a:lvl7pPr>
+            <a:lvl8pPr marL="2400300" indent="0">
+              <a:buNone/>
+              <a:defRPr sz="750"/>
+            </a:lvl8pPr>
+            <a:lvl9pPr marL="2743200" indent="0">
+              <a:buNone/>
+              <a:defRPr sz="750"/>
+            </a:lvl9pPr>
+          </a:lstStyle>
+          <a:p>
+            <a:pPr lvl="0"/>
+            <a:r>
+              <a:rPr lang="en-US"/>
+              <a:t>Click to edit Master text styles</a:t>
+            </a:r>
+          </a:p>
+        </p:txBody>
+      </p:sp>
+      <p:sp>
+        <p:nvSpPr>
+          <p:cNvPr id="5" name="Date Placeholder 4"/>
+          <p:cNvSpPr>
+            <a:spLocks noGrp="1"/>
+          </p:cNvSpPr>
+          <p:nvPr>
+            <p:ph type="dt" sz="half" idx="10"/>
+          </p:nvPr>
+        </p:nvSpPr>
+        <p:spPr/>
+        <p:txBody>
+          <a:bodyPr/>
+          <a:lstStyle/>
+          <a:p>
+            <a:fld id="{C764DE79-268F-4C1A-8933-263129D2AF90}" type="datetimeFigureOut">
+              <a:rPr lang="en-US" smtClean="0"/>
+              <a:t>26-Feb-24</a:t>
+            </a:fld>
+            <a:endParaRPr lang="en-US" dirty="0"/>
+          </a:p>
+        </p:txBody>
+      </p:sp>
+      <p:sp>
+        <p:nvSpPr>
+          <p:cNvPr id="6" name="Footer Placeholder 5"/>
+          <p:cNvSpPr>
+            <a:spLocks noGrp="1"/>
+          </p:cNvSpPr>
+          <p:nvPr>
+            <p:ph type="ftr" sz="quarter" idx="11"/>
+          </p:nvPr>
+        </p:nvSpPr>
+        <p:spPr/>
+        <p:txBody>
+          <a:bodyPr/>
+          <a:lstStyle/>
+          <a:p>
+            <a:endParaRPr lang="en-US" dirty="0"/>
+          </a:p>
+        </p:txBody>
+      </p:sp>
+      <p:sp>
+        <p:nvSpPr>
+          <p:cNvPr id="7" name="Slide Number Placeholder 6"/>
+          <p:cNvSpPr>
+            <a:spLocks noGrp="1"/>
+          </p:cNvSpPr>
+          <p:nvPr>
+            <p:ph type="sldNum" sz="quarter" idx="12"/>
+          </p:nvPr>
+        </p:nvSpPr>
+        <p:spPr/>
+        <p:txBody>
+          <a:bodyPr/>
+          <a:lstStyle/>
+          <a:p>
+            <a:fld id="{48F63A3B-78C7-47BE-AE5E-E10140E04643}" type="slidenum">
+              <a:rPr lang="en-US" smtClean="0"/>
+              <a:t>‹#›</a:t>
+            </a:fld>
+            <a:endParaRPr lang="en-US" dirty="0"/>
+          </a:p>
+        </p:txBody>
+      </p:sp>
+    </p:spTree>
+    <p:extLst>
+      <p:ext uri="{BB962C8B-B14F-4D97-AF65-F5344CB8AC3E}">
+        <p14:creationId xmlns:p14="http://schemas.microsoft.com/office/powerpoint/2010/main" val="3166174434"/>
+      </p:ext>
+    </p:extLst>
+  </p:cSld>
+  <p:clrMapOvr>
+    <a:masterClrMapping/>
+  </p:clrMapOvr>
+  <p:hf hdr="0"/>
+</p:sldLayout>
+</file>
+
+<file path=ppt/slideLayouts/slideLayout9.xml><?xml version="1.0" encoding="utf-8"?>
+<p:sldLayout xmlns:a="http://schemas.openxmlformats.org/drawingml/2006/main" xmlns:r="http://schemas.openxmlformats.org/officeDocument/2006/relationships" xmlns:p="http://schemas.openxmlformats.org/presentationml/2006/main" type="picTx" preserve="1">
+  <p:cSld name="Picture with Caption">
+    <p:spTree>
+      <p:nvGrpSpPr>
+        <p:cNvPr id="1" name=""/>
+        <p:cNvGrpSpPr/>
+        <p:nvPr/>
+      </p:nvGrpSpPr>
+      <p:grpSpPr>
+        <a:xfrm>
+          <a:off x="0" y="0"/>
+          <a:ext cx="0" cy="0"/>
+          <a:chOff x="0" y="0"/>
+          <a:chExt cx="0" cy="0"/>
+        </a:xfrm>
+      </p:grpSpPr>
+      <p:sp>
+        <p:nvSpPr>
+          <p:cNvPr id="2" name="Title 1"/>
+          <p:cNvSpPr>
+            <a:spLocks noGrp="1"/>
+          </p:cNvSpPr>
+          <p:nvPr>
+            <p:ph type="title"/>
+          </p:nvPr>
+        </p:nvSpPr>
+        <p:spPr>
+          <a:xfrm>
+            <a:off x="629841" y="342900"/>
+            <a:ext cx="2949178" cy="1200150"/>
+          </a:xfrm>
+        </p:spPr>
+        <p:txBody>
+          <a:bodyPr anchor="b"/>
+          <a:lstStyle>
+            <a:lvl1pPr>
+              <a:defRPr sz="2400"/>
+            </a:lvl1pPr>
+          </a:lstStyle>
+          <a:p>
+            <a:r>
+              <a:rPr lang="en-US"/>
+              <a:t>Click to edit Master title style</a:t>
+            </a:r>
+            <a:endParaRPr lang="en-US" dirty="0"/>
+          </a:p>
+        </p:txBody>
+      </p:sp>
+      <p:sp>
+        <p:nvSpPr>
+          <p:cNvPr id="3" name="Picture Placeholder 2"/>
+          <p:cNvSpPr>
+            <a:spLocks noGrp="1" noChangeAspect="1"/>
+          </p:cNvSpPr>
+          <p:nvPr>
+            <p:ph type="pic" idx="1"/>
+          </p:nvPr>
+        </p:nvSpPr>
+        <p:spPr>
+          <a:xfrm>
+            <a:off x="3887391" y="740569"/>
+            <a:ext cx="4629150" cy="3655219"/>
+          </a:xfrm>
+        </p:spPr>
+        <p:txBody>
+          <a:bodyPr anchor="t"/>
+          <a:lstStyle>
+            <a:lvl1pPr marL="0" indent="0">
+              <a:buNone/>
+              <a:defRPr sz="2400"/>
+            </a:lvl1pPr>
+            <a:lvl2pPr marL="342900" indent="0">
+              <a:buNone/>
+              <a:defRPr sz="2100"/>
+            </a:lvl2pPr>
+            <a:lvl3pPr marL="685800" indent="0">
+              <a:buNone/>
+              <a:defRPr sz="1800"/>
+            </a:lvl3pPr>
+            <a:lvl4pPr marL="1028700" indent="0">
+              <a:buNone/>
+              <a:defRPr sz="1500"/>
+            </a:lvl4pPr>
+            <a:lvl5pPr marL="1371600" indent="0">
+              <a:buNone/>
+              <a:defRPr sz="1500"/>
+            </a:lvl5pPr>
+            <a:lvl6pPr marL="1714500" indent="0">
+              <a:buNone/>
+              <a:defRPr sz="1500"/>
+            </a:lvl6pPr>
+            <a:lvl7pPr marL="2057400" indent="0">
+              <a:buNone/>
+              <a:defRPr sz="1500"/>
+            </a:lvl7pPr>
+            <a:lvl8pPr marL="2400300" indent="0">
+              <a:buNone/>
+              <a:defRPr sz="1500"/>
+            </a:lvl8pPr>
+            <a:lvl9pPr marL="2743200" indent="0">
+              <a:buNone/>
+              <a:defRPr sz="1500"/>
+            </a:lvl9pPr>
+          </a:lstStyle>
+          <a:p>
+            <a:r>
+              <a:rPr lang="en-US"/>
+              <a:t>Click icon to add picture</a:t>
+            </a:r>
+            <a:endParaRPr lang="en-US" dirty="0"/>
+          </a:p>
+        </p:txBody>
+      </p:sp>
+      <p:sp>
+        <p:nvSpPr>
+          <p:cNvPr id="4" name="Text Placeholder 3"/>
+          <p:cNvSpPr>
+            <a:spLocks noGrp="1"/>
+          </p:cNvSpPr>
+          <p:nvPr>
+            <p:ph type="body" sz="half" idx="2"/>
+          </p:nvPr>
+        </p:nvSpPr>
+        <p:spPr>
+          <a:xfrm>
+            <a:off x="629841" y="1543050"/>
+            <a:ext cx="2949178" cy="2858691"/>
+          </a:xfrm>
+        </p:spPr>
+        <p:txBody>
+          <a:bodyPr/>
+          <a:lstStyle>
+            <a:lvl1pPr marL="0" indent="0">
+              <a:buNone/>
+              <a:defRPr sz="1200"/>
+            </a:lvl1pPr>
+            <a:lvl2pPr marL="342900" indent="0">
+              <a:buNone/>
+              <a:defRPr sz="1050"/>
+            </a:lvl2pPr>
+            <a:lvl3pPr marL="685800" indent="0">
+              <a:buNone/>
+              <a:defRPr sz="900"/>
+            </a:lvl3pPr>
+            <a:lvl4pPr marL="1028700" indent="0">
+              <a:buNone/>
+              <a:defRPr sz="750"/>
+            </a:lvl4pPr>
+            <a:lvl5pPr marL="1371600" indent="0">
+              <a:buNone/>
+              <a:defRPr sz="750"/>
+            </a:lvl5pPr>
+            <a:lvl6pPr marL="1714500" indent="0">
+              <a:buNone/>
+              <a:defRPr sz="750"/>
+            </a:lvl6pPr>
+            <a:lvl7pPr marL="2057400" indent="0">
+              <a:buNone/>
+              <a:defRPr sz="750"/>
+            </a:lvl7pPr>
+            <a:lvl8pPr marL="2400300" indent="0">
+              <a:buNone/>
+              <a:defRPr sz="750"/>
+            </a:lvl8pPr>
+            <a:lvl9pPr marL="2743200" indent="0">
+              <a:buNone/>
+              <a:defRPr sz="750"/>
+            </a:lvl9pPr>
+          </a:lstStyle>
+          <a:p>
+            <a:pPr lvl="0"/>
+            <a:r>
+              <a:rPr lang="en-US"/>
+              <a:t>Click to edit Master text styles</a:t>
+            </a:r>
+          </a:p>
+        </p:txBody>
+      </p:sp>
+      <p:sp>
+        <p:nvSpPr>
+          <p:cNvPr id="5" name="Date Placeholder 4"/>
+          <p:cNvSpPr>
+            <a:spLocks noGrp="1"/>
+          </p:cNvSpPr>
+          <p:nvPr>
+            <p:ph type="dt" sz="half" idx="10"/>
+          </p:nvPr>
+        </p:nvSpPr>
+        <p:spPr/>
+        <p:txBody>
+          <a:bodyPr/>
+          <a:lstStyle/>
+          <a:p>
+            <a:fld id="{C764DE79-268F-4C1A-8933-263129D2AF90}" type="datetimeFigureOut">
+              <a:rPr lang="en-US" smtClean="0"/>
+              <a:t>26-Feb-24</a:t>
+            </a:fld>
+            <a:endParaRPr lang="en-US" dirty="0"/>
+          </a:p>
+        </p:txBody>
+      </p:sp>
+      <p:sp>
+        <p:nvSpPr>
+          <p:cNvPr id="6" name="Footer Placeholder 5"/>
+          <p:cNvSpPr>
+            <a:spLocks noGrp="1"/>
+          </p:cNvSpPr>
+          <p:nvPr>
+            <p:ph type="ftr" sz="quarter" idx="11"/>
+          </p:nvPr>
+        </p:nvSpPr>
+        <p:spPr/>
+        <p:txBody>
+          <a:bodyPr/>
+          <a:lstStyle/>
+          <a:p>
+            <a:endParaRPr lang="en-US" dirty="0"/>
+          </a:p>
+        </p:txBody>
+      </p:sp>
+      <p:sp>
+        <p:nvSpPr>
+          <p:cNvPr id="7" name="Slide Number Placeholder 6"/>
+          <p:cNvSpPr>
+            <a:spLocks noGrp="1"/>
+          </p:cNvSpPr>
+          <p:nvPr>
+            <p:ph type="sldNum" sz="quarter" idx="12"/>
+          </p:nvPr>
+        </p:nvSpPr>
+        <p:spPr/>
+        <p:txBody>
+          <a:bodyPr/>
+          <a:lstStyle/>
+          <a:p>
+            <a:fld id="{48F63A3B-78C7-47BE-AE5E-E10140E04643}" type="slidenum">
+              <a:rPr lang="en-US" smtClean="0"/>
+              <a:t>‹#›</a:t>
+            </a:fld>
+            <a:endParaRPr lang="en-US" dirty="0"/>
+          </a:p>
+        </p:txBody>
+      </p:sp>
+    </p:spTree>
+    <p:extLst>
+      <p:ext uri="{BB962C8B-B14F-4D97-AF65-F5344CB8AC3E}">
+        <p14:creationId xmlns:p14="http://schemas.microsoft.com/office/powerpoint/2010/main" val="1437770025"/>
+      </p:ext>
+    </p:extLst>
+  </p:cSld>
+  <p:clrMapOvr>
+    <a:masterClrMapping/>
+  </p:clrMapOvr>
+  <p:hf hdr="0"/>
+</p:sldLayout>
+</file>
+
 <file path=ppt/slideMasters/slideMaster1.xml><?xml version="1.0" encoding="utf-8"?>
 <p:sldMaster xmlns:a="http://schemas.openxmlformats.org/drawingml/2006/main" xmlns:r="http://schemas.openxmlformats.org/officeDocument/2006/relationships" xmlns:p="http://schemas.openxmlformats.org/presentationml/2006/main">
   <p:cSld>
     <p:bg>
-      <p:bgPr>
-        <a:solidFill>
-          <a:srgbClr val="EBEEEE"/>
-        </a:solidFill>
-        <a:effectLst/>
-      </p:bgPr>
+      <p:bgRef idx="1002">
+        <a:schemeClr val="bg1"/>
+      </p:bgRef>
     </p:bg>
     <p:spTree>
       <p:nvGrpSpPr>
@@ -6436,16 +8756,236 @@
           <a:chExt cx="0" cy="0"/>
         </a:xfrm>
       </p:grpSpPr>
+      <p:sp>
+        <p:nvSpPr>
+          <p:cNvPr id="2" name="Title Placeholder 1"/>
+          <p:cNvSpPr>
+            <a:spLocks noGrp="1"/>
+          </p:cNvSpPr>
+          <p:nvPr>
+            <p:ph type="title"/>
+          </p:nvPr>
+        </p:nvSpPr>
+        <p:spPr>
+          <a:xfrm>
+            <a:off x="628650" y="273844"/>
+            <a:ext cx="7886700" cy="994172"/>
+          </a:xfrm>
+          <a:prstGeom prst="rect">
+            <a:avLst/>
+          </a:prstGeom>
+        </p:spPr>
+        <p:txBody>
+          <a:bodyPr vert="horz" lIns="91440" tIns="45720" rIns="91440" bIns="45720" rtlCol="0" anchor="ctr">
+            <a:normAutofit/>
+          </a:bodyPr>
+          <a:lstStyle/>
+          <a:p>
+            <a:r>
+              <a:rPr lang="en-US"/>
+              <a:t>Click to edit Master title style</a:t>
+            </a:r>
+            <a:endParaRPr lang="en-US" dirty="0"/>
+          </a:p>
+        </p:txBody>
+      </p:sp>
+      <p:sp>
+        <p:nvSpPr>
+          <p:cNvPr id="3" name="Text Placeholder 2"/>
+          <p:cNvSpPr>
+            <a:spLocks noGrp="1"/>
+          </p:cNvSpPr>
+          <p:nvPr>
+            <p:ph type="body" idx="1"/>
+          </p:nvPr>
+        </p:nvSpPr>
+        <p:spPr>
+          <a:xfrm>
+            <a:off x="628650" y="1369219"/>
+            <a:ext cx="7886700" cy="3263504"/>
+          </a:xfrm>
+          <a:prstGeom prst="rect">
+            <a:avLst/>
+          </a:prstGeom>
+        </p:spPr>
+        <p:txBody>
+          <a:bodyPr vert="horz" lIns="91440" tIns="45720" rIns="91440" bIns="45720" rtlCol="0">
+            <a:normAutofit/>
+          </a:bodyPr>
+          <a:lstStyle/>
+          <a:p>
+            <a:pPr lvl="0"/>
+            <a:r>
+              <a:rPr lang="en-US"/>
+              <a:t>Click to edit Master text styles</a:t>
+            </a:r>
+          </a:p>
+          <a:p>
+            <a:pPr lvl="1"/>
+            <a:r>
+              <a:rPr lang="en-US"/>
+              <a:t>Second level</a:t>
+            </a:r>
+          </a:p>
+          <a:p>
+            <a:pPr lvl="2"/>
+            <a:r>
+              <a:rPr lang="en-US"/>
+              <a:t>Third level</a:t>
+            </a:r>
+          </a:p>
+          <a:p>
+            <a:pPr lvl="3"/>
+            <a:r>
+              <a:rPr lang="en-US"/>
+              <a:t>Fourth level</a:t>
+            </a:r>
+          </a:p>
+          <a:p>
+            <a:pPr lvl="4"/>
+            <a:r>
+              <a:rPr lang="en-US"/>
+              <a:t>Fifth level</a:t>
+            </a:r>
+            <a:endParaRPr lang="en-US" dirty="0"/>
+          </a:p>
+        </p:txBody>
+      </p:sp>
+      <p:sp>
+        <p:nvSpPr>
+          <p:cNvPr id="4" name="Date Placeholder 3"/>
+          <p:cNvSpPr>
+            <a:spLocks noGrp="1"/>
+          </p:cNvSpPr>
+          <p:nvPr>
+            <p:ph type="dt" sz="half" idx="2"/>
+          </p:nvPr>
+        </p:nvSpPr>
+        <p:spPr>
+          <a:xfrm>
+            <a:off x="628650" y="4767263"/>
+            <a:ext cx="2057400" cy="273844"/>
+          </a:xfrm>
+          <a:prstGeom prst="rect">
+            <a:avLst/>
+          </a:prstGeom>
+        </p:spPr>
+        <p:txBody>
+          <a:bodyPr vert="horz" lIns="91440" tIns="45720" rIns="91440" bIns="45720" rtlCol="0" anchor="ctr"/>
+          <a:lstStyle>
+            <a:lvl1pPr algn="l">
+              <a:defRPr sz="900">
+                <a:solidFill>
+                  <a:schemeClr val="tx1">
+                    <a:tint val="82000"/>
+                  </a:schemeClr>
+                </a:solidFill>
+              </a:defRPr>
+            </a:lvl1pPr>
+          </a:lstStyle>
+          <a:p>
+            <a:fld id="{C764DE79-268F-4C1A-8933-263129D2AF90}" type="datetimeFigureOut">
+              <a:rPr lang="en-US" smtClean="0"/>
+              <a:t>26-Feb-24</a:t>
+            </a:fld>
+            <a:endParaRPr lang="en-US" dirty="0"/>
+          </a:p>
+        </p:txBody>
+      </p:sp>
+      <p:sp>
+        <p:nvSpPr>
+          <p:cNvPr id="5" name="Footer Placeholder 4"/>
+          <p:cNvSpPr>
+            <a:spLocks noGrp="1"/>
+          </p:cNvSpPr>
+          <p:nvPr>
+            <p:ph type="ftr" sz="quarter" idx="3"/>
+          </p:nvPr>
+        </p:nvSpPr>
+        <p:spPr>
+          <a:xfrm>
+            <a:off x="3028950" y="4767263"/>
+            <a:ext cx="3086100" cy="273844"/>
+          </a:xfrm>
+          <a:prstGeom prst="rect">
+            <a:avLst/>
+          </a:prstGeom>
+        </p:spPr>
+        <p:txBody>
+          <a:bodyPr vert="horz" lIns="91440" tIns="45720" rIns="91440" bIns="45720" rtlCol="0" anchor="ctr"/>
+          <a:lstStyle>
+            <a:lvl1pPr algn="ctr">
+              <a:defRPr sz="900">
+                <a:solidFill>
+                  <a:schemeClr val="tx1">
+                    <a:tint val="82000"/>
+                  </a:schemeClr>
+                </a:solidFill>
+              </a:defRPr>
+            </a:lvl1pPr>
+          </a:lstStyle>
+          <a:p>
+            <a:endParaRPr lang="en-US" dirty="0"/>
+          </a:p>
+        </p:txBody>
+      </p:sp>
+      <p:sp>
+        <p:nvSpPr>
+          <p:cNvPr id="6" name="Slide Number Placeholder 5"/>
+          <p:cNvSpPr>
+            <a:spLocks noGrp="1"/>
+          </p:cNvSpPr>
+          <p:nvPr>
+            <p:ph type="sldNum" sz="quarter" idx="4"/>
+          </p:nvPr>
+        </p:nvSpPr>
+        <p:spPr>
+          <a:xfrm>
+            <a:off x="6457950" y="4767263"/>
+            <a:ext cx="2057400" cy="273844"/>
+          </a:xfrm>
+          <a:prstGeom prst="rect">
+            <a:avLst/>
+          </a:prstGeom>
+        </p:spPr>
+        <p:txBody>
+          <a:bodyPr vert="horz" lIns="91440" tIns="45720" rIns="91440" bIns="45720" rtlCol="0" anchor="ctr"/>
+          <a:lstStyle>
+            <a:lvl1pPr algn="r">
+              <a:defRPr sz="900">
+                <a:solidFill>
+                  <a:schemeClr val="tx1">
+                    <a:tint val="82000"/>
+                  </a:schemeClr>
+                </a:solidFill>
+              </a:defRPr>
+            </a:lvl1pPr>
+          </a:lstStyle>
+          <a:p>
+            <a:fld id="{48F63A3B-78C7-47BE-AE5E-E10140E04643}" type="slidenum">
+              <a:rPr lang="en-US" smtClean="0"/>
+              <a:t>‹#›</a:t>
+            </a:fld>
+            <a:endParaRPr lang="en-US" dirty="0"/>
+          </a:p>
+        </p:txBody>
+      </p:sp>
       <p:pic>
         <p:nvPicPr>
-          <p:cNvPr id="4" name="Picture 3" descr="College_Powerpoint_Background_16-9.png"/>
+          <p:cNvPr id="7" name="Picture 6" descr="College_Powerpoint_Background_16-9.png">
+            <a:extLst>
+              <a:ext uri="{FF2B5EF4-FFF2-40B4-BE49-F238E27FC236}">
+                <a16:creationId xmlns:a16="http://schemas.microsoft.com/office/drawing/2014/main" id="{128908B9-48E3-4616-F6C3-DC8F6C16BB2A}"/>
+              </a:ext>
+            </a:extLst>
+          </p:cNvPr>
           <p:cNvPicPr>
             <a:picLocks noChangeAspect="1"/>
           </p:cNvPicPr>
           <p:nvPr userDrawn="1"/>
         </p:nvPicPr>
         <p:blipFill>
-          <a:blip r:embed="rId11">
+          <a:blip r:embed="rId22">
             <a:extLst>
               <a:ext uri="{28A0092B-C50C-407E-A947-70E740481C1C}">
                 <a14:useLocalDpi xmlns:a14="http://schemas.microsoft.com/office/drawing/2010/main" val="0"/>
@@ -6466,236 +9006,158 @@
           </a:prstGeom>
         </p:spPr>
       </p:pic>
-      <p:sp>
-        <p:nvSpPr>
-          <p:cNvPr id="3" name="Text Placeholder 2"/>
-          <p:cNvSpPr>
-            <a:spLocks noGrp="1"/>
-          </p:cNvSpPr>
-          <p:nvPr>
-            <p:ph type="body" idx="1"/>
-          </p:nvPr>
-        </p:nvSpPr>
-        <p:spPr>
-          <a:xfrm>
-            <a:off x="457200" y="1759936"/>
-            <a:ext cx="8229600" cy="2613435"/>
-          </a:xfrm>
-          <a:prstGeom prst="rect">
-            <a:avLst/>
-          </a:prstGeom>
-        </p:spPr>
-        <p:txBody>
-          <a:bodyPr vert="horz" lIns="0" tIns="0" rIns="0" bIns="0" rtlCol="0">
-            <a:noAutofit/>
-          </a:bodyPr>
-          <a:lstStyle/>
-          <a:p>
-            <a:pPr lvl="0"/>
-            <a:r>
-              <a:rPr lang="en-GB" dirty="0"/>
-              <a:t>Click to edit Master text styles</a:t>
-            </a:r>
-          </a:p>
-          <a:p>
-            <a:pPr lvl="1"/>
-            <a:r>
-              <a:rPr lang="en-GB" dirty="0"/>
-              <a:t>Second level</a:t>
-            </a:r>
-          </a:p>
-          <a:p>
-            <a:pPr lvl="2"/>
-            <a:r>
-              <a:rPr lang="en-GB" dirty="0"/>
-              <a:t>Third level</a:t>
-            </a:r>
-          </a:p>
-          <a:p>
-            <a:pPr lvl="3"/>
-            <a:r>
-              <a:rPr lang="en-GB" dirty="0"/>
-              <a:t>Fourth level</a:t>
-            </a:r>
-          </a:p>
-          <a:p>
-            <a:pPr lvl="4"/>
-            <a:r>
-              <a:rPr lang="en-GB" dirty="0"/>
-              <a:t>Fifth level</a:t>
-            </a:r>
-            <a:endParaRPr lang="en-US" dirty="0"/>
-          </a:p>
-        </p:txBody>
-      </p:sp>
-      <p:sp>
-        <p:nvSpPr>
-          <p:cNvPr id="2" name="Title Placeholder 1"/>
-          <p:cNvSpPr>
-            <a:spLocks noGrp="1"/>
-          </p:cNvSpPr>
-          <p:nvPr>
-            <p:ph type="title"/>
-          </p:nvPr>
-        </p:nvSpPr>
-        <p:spPr>
-          <a:xfrm>
-            <a:off x="457200" y="1115931"/>
-            <a:ext cx="8229600" cy="380667"/>
-          </a:xfrm>
-          <a:prstGeom prst="rect">
-            <a:avLst/>
-          </a:prstGeom>
-        </p:spPr>
-        <p:txBody>
-          <a:bodyPr vert="horz" lIns="0" tIns="45720" rIns="0" bIns="0" rtlCol="0" anchor="ctr">
-            <a:noAutofit/>
-          </a:bodyPr>
-          <a:lstStyle/>
-          <a:p>
-            <a:r>
-              <a:rPr lang="en-GB" dirty="0"/>
-              <a:t>Click to edit Master title style</a:t>
-            </a:r>
-            <a:endParaRPr lang="en-US" dirty="0"/>
-          </a:p>
-        </p:txBody>
-      </p:sp>
     </p:spTree>
     <p:extLst>
       <p:ext uri="{BB962C8B-B14F-4D97-AF65-F5344CB8AC3E}">
-        <p14:creationId xmlns:p14="http://schemas.microsoft.com/office/powerpoint/2010/main" val="2585372813"/>
+        <p14:creationId xmlns:p14="http://schemas.microsoft.com/office/powerpoint/2010/main" val="2486507335"/>
       </p:ext>
     </p:extLst>
   </p:cSld>
   <p:clrMap bg1="lt1" tx1="dk1" bg2="lt2" tx2="dk2" accent1="accent1" accent2="accent2" accent3="accent3" accent4="accent4" accent5="accent5" accent6="accent6" hlink="hlink" folHlink="folHlink"/>
   <p:sldLayoutIdLst>
-    <p:sldLayoutId id="2147483649" r:id="rId1"/>
-    <p:sldLayoutId id="2147483656" r:id="rId2"/>
-    <p:sldLayoutId id="2147483650" r:id="rId3"/>
-    <p:sldLayoutId id="2147483652" r:id="rId4"/>
-    <p:sldLayoutId id="2147483660" r:id="rId5"/>
-    <p:sldLayoutId id="2147483657" r:id="rId6"/>
-    <p:sldLayoutId id="2147483658" r:id="rId7"/>
-    <p:sldLayoutId id="2147483659" r:id="rId8"/>
-    <p:sldLayoutId id="2147483655" r:id="rId9"/>
+    <p:sldLayoutId id="2147483788" r:id="rId1"/>
+    <p:sldLayoutId id="2147483789" r:id="rId2"/>
+    <p:sldLayoutId id="2147483790" r:id="rId3"/>
+    <p:sldLayoutId id="2147483791" r:id="rId4"/>
+    <p:sldLayoutId id="2147483792" r:id="rId5"/>
+    <p:sldLayoutId id="2147483793" r:id="rId6"/>
+    <p:sldLayoutId id="2147483794" r:id="rId7"/>
+    <p:sldLayoutId id="2147483795" r:id="rId8"/>
+    <p:sldLayoutId id="2147483796" r:id="rId9"/>
+    <p:sldLayoutId id="2147483797" r:id="rId10"/>
+    <p:sldLayoutId id="2147483798" r:id="rId11"/>
+    <p:sldLayoutId id="2147483799" r:id="rId12"/>
+    <p:sldLayoutId id="2147483800" r:id="rId13"/>
+    <p:sldLayoutId id="2147483801" r:id="rId14"/>
+    <p:sldLayoutId id="2147483802" r:id="rId15"/>
+    <p:sldLayoutId id="2147483803" r:id="rId16"/>
+    <p:sldLayoutId id="2147483804" r:id="rId17"/>
+    <p:sldLayoutId id="2147483805" r:id="rId18"/>
+    <p:sldLayoutId id="2147483806" r:id="rId19"/>
+    <p:sldLayoutId id="2147483807" r:id="rId20"/>
   </p:sldLayoutIdLst>
   <p:hf hdr="0"/>
   <p:txStyles>
     <p:titleStyle>
-      <a:lvl1pPr algn="l" defTabSz="457200" rtl="0" eaLnBrk="1" latinLnBrk="0" hangingPunct="1">
+      <a:lvl1pPr algn="l" defTabSz="685800" rtl="0" eaLnBrk="1" latinLnBrk="0" hangingPunct="1">
+        <a:lnSpc>
+          <a:spcPct val="90000"/>
+        </a:lnSpc>
         <a:spcBef>
           <a:spcPct val="0"/>
         </a:spcBef>
         <a:buNone/>
-        <a:defRPr sz="2400" b="1" kern="1200">
+        <a:defRPr sz="3300" kern="1200">
           <a:solidFill>
-            <a:srgbClr val="003E74"/>
+            <a:schemeClr val="tx1"/>
           </a:solidFill>
-          <a:latin typeface="Arial"/>
+          <a:latin typeface="+mj-lt"/>
           <a:ea typeface="+mj-ea"/>
-          <a:cs typeface="Arial"/>
+          <a:cs typeface="+mj-cs"/>
         </a:defRPr>
       </a:lvl1pPr>
     </p:titleStyle>
     <p:bodyStyle>
-      <a:lvl1pPr marL="342900" indent="-342900" algn="l" defTabSz="457200" rtl="0" eaLnBrk="1" latinLnBrk="0" hangingPunct="1">
+      <a:lvl1pPr marL="171450" indent="-171450" algn="l" defTabSz="685800" rtl="0" eaLnBrk="1" latinLnBrk="0" hangingPunct="1">
+        <a:lnSpc>
+          <a:spcPct val="90000"/>
+        </a:lnSpc>
         <a:spcBef>
-          <a:spcPct val="20000"/>
+          <a:spcPts val="750"/>
         </a:spcBef>
-        <a:buClr>
-          <a:srgbClr val="002548"/>
-        </a:buClr>
-        <a:buFont typeface="Arial"/>
+        <a:buFont typeface="Arial" panose="020B0604020202020204" pitchFamily="34" charset="0"/>
+        <a:buChar char="•"/>
+        <a:defRPr sz="2100" kern="1200">
+          <a:solidFill>
+            <a:schemeClr val="tx1"/>
+          </a:solidFill>
+          <a:latin typeface="+mn-lt"/>
+          <a:ea typeface="+mn-ea"/>
+          <a:cs typeface="+mn-cs"/>
+        </a:defRPr>
+      </a:lvl1pPr>
+      <a:lvl2pPr marL="514350" indent="-171450" algn="l" defTabSz="685800" rtl="0" eaLnBrk="1" latinLnBrk="0" hangingPunct="1">
+        <a:lnSpc>
+          <a:spcPct val="90000"/>
+        </a:lnSpc>
+        <a:spcBef>
+          <a:spcPts val="375"/>
+        </a:spcBef>
+        <a:buFont typeface="Arial" panose="020B0604020202020204" pitchFamily="34" charset="0"/>
         <a:buChar char="•"/>
         <a:defRPr sz="1800" kern="1200">
           <a:solidFill>
             <a:schemeClr val="tx1"/>
           </a:solidFill>
-          <a:latin typeface="Arial"/>
+          <a:latin typeface="+mn-lt"/>
           <a:ea typeface="+mn-ea"/>
-          <a:cs typeface="Arial"/>
+          <a:cs typeface="+mn-cs"/>
         </a:defRPr>
-      </a:lvl1pPr>
-      <a:lvl2pPr marL="742950" indent="-285750" algn="l" defTabSz="457200" rtl="0" eaLnBrk="1" latinLnBrk="0" hangingPunct="1">
+      </a:lvl2pPr>
+      <a:lvl3pPr marL="857250" indent="-171450" algn="l" defTabSz="685800" rtl="0" eaLnBrk="1" latinLnBrk="0" hangingPunct="1">
+        <a:lnSpc>
+          <a:spcPct val="90000"/>
+        </a:lnSpc>
         <a:spcBef>
-          <a:spcPct val="20000"/>
+          <a:spcPts val="375"/>
         </a:spcBef>
-        <a:buClr>
-          <a:srgbClr val="002548"/>
-        </a:buClr>
-        <a:buFont typeface="Arial"/>
-        <a:buChar char="–"/>
-        <a:defRPr sz="1800" kern="1200">
+        <a:buFont typeface="Arial" panose="020B0604020202020204" pitchFamily="34" charset="0"/>
+        <a:buChar char="•"/>
+        <a:defRPr sz="1500" kern="1200">
           <a:solidFill>
             <a:schemeClr val="tx1"/>
           </a:solidFill>
-          <a:latin typeface="Arial"/>
+          <a:latin typeface="+mn-lt"/>
           <a:ea typeface="+mn-ea"/>
-          <a:cs typeface="Arial"/>
+          <a:cs typeface="+mn-cs"/>
         </a:defRPr>
-      </a:lvl2pPr>
-      <a:lvl3pPr marL="1143000" indent="-228600" algn="l" defTabSz="457200" rtl="0" eaLnBrk="1" latinLnBrk="0" hangingPunct="1">
+      </a:lvl3pPr>
+      <a:lvl4pPr marL="1200150" indent="-171450" algn="l" defTabSz="685800" rtl="0" eaLnBrk="1" latinLnBrk="0" hangingPunct="1">
+        <a:lnSpc>
+          <a:spcPct val="90000"/>
+        </a:lnSpc>
         <a:spcBef>
-          <a:spcPct val="20000"/>
+          <a:spcPts val="375"/>
         </a:spcBef>
-        <a:buClr>
-          <a:srgbClr val="002548"/>
-        </a:buClr>
-        <a:buFont typeface="Arial"/>
+        <a:buFont typeface="Arial" panose="020B0604020202020204" pitchFamily="34" charset="0"/>
         <a:buChar char="•"/>
-        <a:defRPr sz="1200" kern="1200">
+        <a:defRPr sz="1350" kern="1200">
           <a:solidFill>
             <a:schemeClr val="tx1"/>
           </a:solidFill>
-          <a:latin typeface="Arial"/>
+          <a:latin typeface="+mn-lt"/>
           <a:ea typeface="+mn-ea"/>
-          <a:cs typeface="Arial"/>
+          <a:cs typeface="+mn-cs"/>
         </a:defRPr>
-      </a:lvl3pPr>
-      <a:lvl4pPr marL="1600200" indent="-228600" algn="l" defTabSz="457200" rtl="0" eaLnBrk="1" latinLnBrk="0" hangingPunct="1">
+      </a:lvl4pPr>
+      <a:lvl5pPr marL="1543050" indent="-171450" algn="l" defTabSz="685800" rtl="0" eaLnBrk="1" latinLnBrk="0" hangingPunct="1">
+        <a:lnSpc>
+          <a:spcPct val="90000"/>
+        </a:lnSpc>
         <a:spcBef>
-          <a:spcPct val="20000"/>
+          <a:spcPts val="375"/>
         </a:spcBef>
-        <a:buClr>
-          <a:srgbClr val="002548"/>
-        </a:buClr>
-        <a:buFont typeface="Arial"/>
-        <a:buChar char="–"/>
-        <a:defRPr sz="1200" kern="1200">
+        <a:buFont typeface="Arial" panose="020B0604020202020204" pitchFamily="34" charset="0"/>
+        <a:buChar char="•"/>
+        <a:defRPr sz="1350" kern="1200">
           <a:solidFill>
             <a:schemeClr val="tx1"/>
           </a:solidFill>
-          <a:latin typeface="Arial"/>
+          <a:latin typeface="+mn-lt"/>
           <a:ea typeface="+mn-ea"/>
-          <a:cs typeface="Arial"/>
-        </a:defRPr>
-      </a:lvl4pPr>
-      <a:lvl5pPr marL="2057400" indent="-228600" algn="l" defTabSz="457200" rtl="0" eaLnBrk="1" latinLnBrk="0" hangingPunct="1">
-        <a:spcBef>
-          <a:spcPct val="20000"/>
-        </a:spcBef>
-        <a:buClr>
-          <a:srgbClr val="002548"/>
-        </a:buClr>
-        <a:buFont typeface="Arial"/>
-        <a:buChar char="»"/>
-        <a:defRPr sz="1200" kern="1200">
-          <a:solidFill>
-            <a:schemeClr val="tx1"/>
-          </a:solidFill>
-          <a:latin typeface="Arial"/>
-          <a:ea typeface="+mn-ea"/>
-          <a:cs typeface="Arial"/>
+          <a:cs typeface="+mn-cs"/>
         </a:defRPr>
       </a:lvl5pPr>
-      <a:lvl6pPr marL="2514600" indent="-228600" algn="l" defTabSz="457200" rtl="0" eaLnBrk="1" latinLnBrk="0" hangingPunct="1">
+      <a:lvl6pPr marL="1885950" indent="-171450" algn="l" defTabSz="685800" rtl="0" eaLnBrk="1" latinLnBrk="0" hangingPunct="1">
+        <a:lnSpc>
+          <a:spcPct val="90000"/>
+        </a:lnSpc>
         <a:spcBef>
-          <a:spcPct val="20000"/>
+          <a:spcPts val="375"/>
         </a:spcBef>
-        <a:buFont typeface="Arial"/>
+        <a:buFont typeface="Arial" panose="020B0604020202020204" pitchFamily="34" charset="0"/>
         <a:buChar char="•"/>
-        <a:defRPr sz="2000" kern="1200">
+        <a:defRPr sz="1350" kern="1200">
           <a:solidFill>
             <a:schemeClr val="tx1"/>
           </a:solidFill>
@@ -6704,13 +9166,16 @@
           <a:cs typeface="+mn-cs"/>
         </a:defRPr>
       </a:lvl6pPr>
-      <a:lvl7pPr marL="2971800" indent="-228600" algn="l" defTabSz="457200" rtl="0" eaLnBrk="1" latinLnBrk="0" hangingPunct="1">
+      <a:lvl7pPr marL="2228850" indent="-171450" algn="l" defTabSz="685800" rtl="0" eaLnBrk="1" latinLnBrk="0" hangingPunct="1">
+        <a:lnSpc>
+          <a:spcPct val="90000"/>
+        </a:lnSpc>
         <a:spcBef>
-          <a:spcPct val="20000"/>
+          <a:spcPts val="375"/>
         </a:spcBef>
-        <a:buFont typeface="Arial"/>
+        <a:buFont typeface="Arial" panose="020B0604020202020204" pitchFamily="34" charset="0"/>
         <a:buChar char="•"/>
-        <a:defRPr sz="2000" kern="1200">
+        <a:defRPr sz="1350" kern="1200">
           <a:solidFill>
             <a:schemeClr val="tx1"/>
           </a:solidFill>
@@ -6719,13 +9184,16 @@
           <a:cs typeface="+mn-cs"/>
         </a:defRPr>
       </a:lvl7pPr>
-      <a:lvl8pPr marL="3429000" indent="-228600" algn="l" defTabSz="457200" rtl="0" eaLnBrk="1" latinLnBrk="0" hangingPunct="1">
+      <a:lvl8pPr marL="2571750" indent="-171450" algn="l" defTabSz="685800" rtl="0" eaLnBrk="1" latinLnBrk="0" hangingPunct="1">
+        <a:lnSpc>
+          <a:spcPct val="90000"/>
+        </a:lnSpc>
         <a:spcBef>
-          <a:spcPct val="20000"/>
+          <a:spcPts val="375"/>
         </a:spcBef>
-        <a:buFont typeface="Arial"/>
+        <a:buFont typeface="Arial" panose="020B0604020202020204" pitchFamily="34" charset="0"/>
         <a:buChar char="•"/>
-        <a:defRPr sz="2000" kern="1200">
+        <a:defRPr sz="1350" kern="1200">
           <a:solidFill>
             <a:schemeClr val="tx1"/>
           </a:solidFill>
@@ -6734,13 +9202,16 @@
           <a:cs typeface="+mn-cs"/>
         </a:defRPr>
       </a:lvl8pPr>
-      <a:lvl9pPr marL="3886200" indent="-228600" algn="l" defTabSz="457200" rtl="0" eaLnBrk="1" latinLnBrk="0" hangingPunct="1">
+      <a:lvl9pPr marL="2914650" indent="-171450" algn="l" defTabSz="685800" rtl="0" eaLnBrk="1" latinLnBrk="0" hangingPunct="1">
+        <a:lnSpc>
+          <a:spcPct val="90000"/>
+        </a:lnSpc>
         <a:spcBef>
-          <a:spcPct val="20000"/>
+          <a:spcPts val="375"/>
         </a:spcBef>
-        <a:buFont typeface="Arial"/>
+        <a:buFont typeface="Arial" panose="020B0604020202020204" pitchFamily="34" charset="0"/>
         <a:buChar char="•"/>
-        <a:defRPr sz="2000" kern="1200">
+        <a:defRPr sz="1350" kern="1200">
           <a:solidFill>
             <a:schemeClr val="tx1"/>
           </a:solidFill>
@@ -6754,8 +9225,8 @@
       <a:defPPr>
         <a:defRPr lang="en-US"/>
       </a:defPPr>
-      <a:lvl1pPr marL="0" algn="l" defTabSz="457200" rtl="0" eaLnBrk="1" latinLnBrk="0" hangingPunct="1">
-        <a:defRPr sz="1800" kern="1200">
+      <a:lvl1pPr marL="0" algn="l" defTabSz="685800" rtl="0" eaLnBrk="1" latinLnBrk="0" hangingPunct="1">
+        <a:defRPr sz="1350" kern="1200">
           <a:solidFill>
             <a:schemeClr val="tx1"/>
           </a:solidFill>
@@ -6764,8 +9235,8 @@
           <a:cs typeface="+mn-cs"/>
         </a:defRPr>
       </a:lvl1pPr>
-      <a:lvl2pPr marL="457200" algn="l" defTabSz="457200" rtl="0" eaLnBrk="1" latinLnBrk="0" hangingPunct="1">
-        <a:defRPr sz="1800" kern="1200">
+      <a:lvl2pPr marL="342900" algn="l" defTabSz="685800" rtl="0" eaLnBrk="1" latinLnBrk="0" hangingPunct="1">
+        <a:defRPr sz="1350" kern="1200">
           <a:solidFill>
             <a:schemeClr val="tx1"/>
           </a:solidFill>
@@ -6774,8 +9245,8 @@
           <a:cs typeface="+mn-cs"/>
         </a:defRPr>
       </a:lvl2pPr>
-      <a:lvl3pPr marL="914400" algn="l" defTabSz="457200" rtl="0" eaLnBrk="1" latinLnBrk="0" hangingPunct="1">
-        <a:defRPr sz="1800" kern="1200">
+      <a:lvl3pPr marL="685800" algn="l" defTabSz="685800" rtl="0" eaLnBrk="1" latinLnBrk="0" hangingPunct="1">
+        <a:defRPr sz="1350" kern="1200">
           <a:solidFill>
             <a:schemeClr val="tx1"/>
           </a:solidFill>
@@ -6784,8 +9255,8 @@
           <a:cs typeface="+mn-cs"/>
         </a:defRPr>
       </a:lvl3pPr>
-      <a:lvl4pPr marL="1371600" algn="l" defTabSz="457200" rtl="0" eaLnBrk="1" latinLnBrk="0" hangingPunct="1">
-        <a:defRPr sz="1800" kern="1200">
+      <a:lvl4pPr marL="1028700" algn="l" defTabSz="685800" rtl="0" eaLnBrk="1" latinLnBrk="0" hangingPunct="1">
+        <a:defRPr sz="1350" kern="1200">
           <a:solidFill>
             <a:schemeClr val="tx1"/>
           </a:solidFill>
@@ -6794,8 +9265,8 @@
           <a:cs typeface="+mn-cs"/>
         </a:defRPr>
       </a:lvl4pPr>
-      <a:lvl5pPr marL="1828800" algn="l" defTabSz="457200" rtl="0" eaLnBrk="1" latinLnBrk="0" hangingPunct="1">
-        <a:defRPr sz="1800" kern="1200">
+      <a:lvl5pPr marL="1371600" algn="l" defTabSz="685800" rtl="0" eaLnBrk="1" latinLnBrk="0" hangingPunct="1">
+        <a:defRPr sz="1350" kern="1200">
           <a:solidFill>
             <a:schemeClr val="tx1"/>
           </a:solidFill>
@@ -6804,8 +9275,8 @@
           <a:cs typeface="+mn-cs"/>
         </a:defRPr>
       </a:lvl5pPr>
-      <a:lvl6pPr marL="2286000" algn="l" defTabSz="457200" rtl="0" eaLnBrk="1" latinLnBrk="0" hangingPunct="1">
-        <a:defRPr sz="1800" kern="1200">
+      <a:lvl6pPr marL="1714500" algn="l" defTabSz="685800" rtl="0" eaLnBrk="1" latinLnBrk="0" hangingPunct="1">
+        <a:defRPr sz="1350" kern="1200">
           <a:solidFill>
             <a:schemeClr val="tx1"/>
           </a:solidFill>
@@ -6814,8 +9285,8 @@
           <a:cs typeface="+mn-cs"/>
         </a:defRPr>
       </a:lvl6pPr>
-      <a:lvl7pPr marL="2743200" algn="l" defTabSz="457200" rtl="0" eaLnBrk="1" latinLnBrk="0" hangingPunct="1">
-        <a:defRPr sz="1800" kern="1200">
+      <a:lvl7pPr marL="2057400" algn="l" defTabSz="685800" rtl="0" eaLnBrk="1" latinLnBrk="0" hangingPunct="1">
+        <a:defRPr sz="1350" kern="1200">
           <a:solidFill>
             <a:schemeClr val="tx1"/>
           </a:solidFill>
@@ -6824,8 +9295,8 @@
           <a:cs typeface="+mn-cs"/>
         </a:defRPr>
       </a:lvl7pPr>
-      <a:lvl8pPr marL="3200400" algn="l" defTabSz="457200" rtl="0" eaLnBrk="1" latinLnBrk="0" hangingPunct="1">
-        <a:defRPr sz="1800" kern="1200">
+      <a:lvl8pPr marL="2400300" algn="l" defTabSz="685800" rtl="0" eaLnBrk="1" latinLnBrk="0" hangingPunct="1">
+        <a:defRPr sz="1350" kern="1200">
           <a:solidFill>
             <a:schemeClr val="tx1"/>
           </a:solidFill>
@@ -6834,8 +9305,8 @@
           <a:cs typeface="+mn-cs"/>
         </a:defRPr>
       </a:lvl8pPr>
-      <a:lvl9pPr marL="3657600" algn="l" defTabSz="457200" rtl="0" eaLnBrk="1" latinLnBrk="0" hangingPunct="1">
-        <a:defRPr sz="1800" kern="1200">
+      <a:lvl9pPr marL="2743200" algn="l" defTabSz="685800" rtl="0" eaLnBrk="1" latinLnBrk="0" hangingPunct="1">
+        <a:defRPr sz="1350" kern="1200">
           <a:solidFill>
             <a:schemeClr val="tx1"/>
           </a:solidFill>
@@ -6927,7 +9398,9 @@
         </p:nvSpPr>
         <p:spPr/>
         <p:txBody>
-          <a:bodyPr/>
+          <a:bodyPr>
+            <a:normAutofit lnSpcReduction="10000"/>
+          </a:bodyPr>
           <a:lstStyle/>
           <a:p>
             <a:r>
@@ -6968,7 +9441,9 @@
         </p:nvSpPr>
         <p:spPr/>
         <p:txBody>
-          <a:bodyPr/>
+          <a:bodyPr>
+            <a:normAutofit fontScale="77500" lnSpcReduction="20000"/>
+          </a:bodyPr>
           <a:lstStyle/>
           <a:p>
             <a:endParaRPr lang="en-US" dirty="0"/>
@@ -7031,14 +9506,7 @@
           <a:bodyPr/>
           <a:lstStyle/>
           <a:p>
-            <a:pPr marL="0" indent="0">
-              <a:buNone/>
-            </a:pPr>
-            <a:r>
-              <a:rPr lang="en-US" dirty="0"/>
-              <a:t>Two situations</a:t>
-            </a:r>
-            <a:endParaRPr lang="en-GB" dirty="0"/>
+            <a:endParaRPr lang="en-GB"/>
           </a:p>
         </p:txBody>
       </p:sp>
@@ -7085,7 +9553,9 @@
         </p:nvSpPr>
         <p:spPr/>
         <p:txBody>
-          <a:bodyPr/>
+          <a:bodyPr>
+            <a:normAutofit fontScale="77500" lnSpcReduction="20000"/>
+          </a:bodyPr>
           <a:lstStyle/>
           <a:p>
             <a:endParaRPr lang="en-GB"/>
@@ -8060,14 +10530,7 @@
           <a:bodyPr/>
           <a:lstStyle/>
           <a:p>
-            <a:pPr marL="0" indent="0">
-              <a:buNone/>
-            </a:pPr>
-            <a:r>
-              <a:rPr lang="en-US" dirty="0"/>
-              <a:t>Mathematical model of the knee</a:t>
-            </a:r>
-            <a:endParaRPr lang="en-GB" dirty="0"/>
+            <a:endParaRPr lang="en-GB"/>
           </a:p>
         </p:txBody>
       </p:sp>
@@ -8114,7 +10577,9 @@
         </p:nvSpPr>
         <p:spPr/>
         <p:txBody>
-          <a:bodyPr/>
+          <a:bodyPr>
+            <a:normAutofit fontScale="77500" lnSpcReduction="20000"/>
+          </a:bodyPr>
           <a:lstStyle/>
           <a:p>
             <a:endParaRPr lang="en-GB"/>
@@ -8196,256 +10661,7 @@
           <a:bodyPr/>
           <a:lstStyle/>
           <a:p>
-            <a:pPr marL="0" indent="0">
-              <a:buNone/>
-            </a:pPr>
-            <a:r>
-              <a:rPr lang="en-US" sz="1100" b="1" i="0" dirty="0">
-                <a:solidFill>
-                  <a:srgbClr val="333333"/>
-                </a:solidFill>
-                <a:effectLst/>
-                <a:latin typeface="Open Sans" panose="020B0606030504020204" pitchFamily="34" charset="0"/>
-              </a:rPr>
-              <a:t>The attachment sites of knee ligament bundles. The abbreviation of ligament bundles are: </a:t>
-            </a:r>
-          </a:p>
-          <a:p>
-            <a:pPr marL="0" indent="0">
-              <a:buNone/>
-            </a:pPr>
-            <a:r>
-              <a:rPr lang="en-US" sz="1100" b="1" i="0" dirty="0" err="1">
-                <a:solidFill>
-                  <a:srgbClr val="333333"/>
-                </a:solidFill>
-                <a:effectLst/>
-                <a:latin typeface="Open Sans" panose="020B0606030504020204" pitchFamily="34" charset="0"/>
-              </a:rPr>
-              <a:t>aACL</a:t>
-            </a:r>
-            <a:r>
-              <a:rPr lang="en-US" sz="1100" b="1" i="0" dirty="0">
-                <a:solidFill>
-                  <a:srgbClr val="333333"/>
-                </a:solidFill>
-                <a:effectLst/>
-                <a:latin typeface="Open Sans" panose="020B0606030504020204" pitchFamily="34" charset="0"/>
-              </a:rPr>
-              <a:t>, anterior bundle of the ACL; </a:t>
-            </a:r>
-            <a:r>
-              <a:rPr lang="en-US" sz="1100" b="1" i="0" dirty="0" err="1">
-                <a:solidFill>
-                  <a:srgbClr val="333333"/>
-                </a:solidFill>
-                <a:effectLst/>
-                <a:latin typeface="Open Sans" panose="020B0606030504020204" pitchFamily="34" charset="0"/>
-              </a:rPr>
-              <a:t>pACL</a:t>
-            </a:r>
-            <a:r>
-              <a:rPr lang="en-US" sz="1100" b="1" i="0" dirty="0">
-                <a:solidFill>
-                  <a:srgbClr val="333333"/>
-                </a:solidFill>
-                <a:effectLst/>
-                <a:latin typeface="Open Sans" panose="020B0606030504020204" pitchFamily="34" charset="0"/>
-              </a:rPr>
-              <a:t>, posterior bundle of the ACL; </a:t>
-            </a:r>
-          </a:p>
-          <a:p>
-            <a:pPr marL="0" indent="0">
-              <a:buNone/>
-            </a:pPr>
-            <a:r>
-              <a:rPr lang="en-US" sz="1100" b="1" i="0" dirty="0" err="1">
-                <a:solidFill>
-                  <a:srgbClr val="333333"/>
-                </a:solidFill>
-                <a:effectLst/>
-                <a:latin typeface="Open Sans" panose="020B0606030504020204" pitchFamily="34" charset="0"/>
-              </a:rPr>
-              <a:t>aPCL</a:t>
-            </a:r>
-            <a:r>
-              <a:rPr lang="en-US" sz="1100" b="1" i="0" dirty="0">
-                <a:solidFill>
-                  <a:srgbClr val="333333"/>
-                </a:solidFill>
-                <a:effectLst/>
-                <a:latin typeface="Open Sans" panose="020B0606030504020204" pitchFamily="34" charset="0"/>
-              </a:rPr>
-              <a:t>, anterior bundle of the PCL; </a:t>
-            </a:r>
-            <a:r>
-              <a:rPr lang="en-US" sz="1100" b="1" i="0" dirty="0" err="1">
-                <a:solidFill>
-                  <a:srgbClr val="333333"/>
-                </a:solidFill>
-                <a:effectLst/>
-                <a:latin typeface="Open Sans" panose="020B0606030504020204" pitchFamily="34" charset="0"/>
-              </a:rPr>
-              <a:t>pPCL</a:t>
-            </a:r>
-            <a:r>
-              <a:rPr lang="en-US" sz="1100" b="1" i="0" dirty="0">
-                <a:solidFill>
-                  <a:srgbClr val="333333"/>
-                </a:solidFill>
-                <a:effectLst/>
-                <a:latin typeface="Open Sans" panose="020B0606030504020204" pitchFamily="34" charset="0"/>
-              </a:rPr>
-              <a:t>, posterior bundle of the PCL; </a:t>
-            </a:r>
-          </a:p>
-          <a:p>
-            <a:pPr marL="0" indent="0">
-              <a:buNone/>
-            </a:pPr>
-            <a:r>
-              <a:rPr lang="en-US" sz="1100" b="1" i="0" dirty="0" err="1">
-                <a:solidFill>
-                  <a:srgbClr val="333333"/>
-                </a:solidFill>
-                <a:effectLst/>
-                <a:latin typeface="Open Sans" panose="020B0606030504020204" pitchFamily="34" charset="0"/>
-              </a:rPr>
-              <a:t>aMCL</a:t>
-            </a:r>
-            <a:r>
-              <a:rPr lang="en-US" sz="1100" b="1" i="0" dirty="0">
-                <a:solidFill>
-                  <a:srgbClr val="333333"/>
-                </a:solidFill>
-                <a:effectLst/>
-                <a:latin typeface="Open Sans" panose="020B0606030504020204" pitchFamily="34" charset="0"/>
-              </a:rPr>
-              <a:t>, anterior bundle of the superficial layer of the MCL; </a:t>
-            </a:r>
-            <a:r>
-              <a:rPr lang="en-US" sz="1100" b="1" i="0" dirty="0" err="1">
-                <a:solidFill>
-                  <a:srgbClr val="333333"/>
-                </a:solidFill>
-                <a:effectLst/>
-                <a:latin typeface="Open Sans" panose="020B0606030504020204" pitchFamily="34" charset="0"/>
-              </a:rPr>
-              <a:t>iMCL</a:t>
-            </a:r>
-            <a:r>
-              <a:rPr lang="en-US" sz="1100" b="1" i="0" dirty="0">
-                <a:solidFill>
-                  <a:srgbClr val="333333"/>
-                </a:solidFill>
-                <a:effectLst/>
-                <a:latin typeface="Open Sans" panose="020B0606030504020204" pitchFamily="34" charset="0"/>
-              </a:rPr>
-              <a:t>, inferior bundle of the superficial layer of the MCL; </a:t>
-            </a:r>
-            <a:r>
-              <a:rPr lang="en-US" sz="1100" b="1" i="0" dirty="0" err="1">
-                <a:solidFill>
-                  <a:srgbClr val="333333"/>
-                </a:solidFill>
-                <a:effectLst/>
-                <a:latin typeface="Open Sans" panose="020B0606030504020204" pitchFamily="34" charset="0"/>
-              </a:rPr>
-              <a:t>pMCL</a:t>
-            </a:r>
-            <a:r>
-              <a:rPr lang="en-US" sz="1100" b="1" i="0" dirty="0">
-                <a:solidFill>
-                  <a:srgbClr val="333333"/>
-                </a:solidFill>
-                <a:effectLst/>
-                <a:latin typeface="Open Sans" panose="020B0606030504020204" pitchFamily="34" charset="0"/>
-              </a:rPr>
-              <a:t>, posterior bundle of the superficial layer of the MCL;</a:t>
-            </a:r>
-          </a:p>
-          <a:p>
-            <a:pPr marL="0" indent="0">
-              <a:buNone/>
-            </a:pPr>
-            <a:endParaRPr lang="en-US" sz="1100" b="1" dirty="0">
-              <a:solidFill>
-                <a:srgbClr val="333333"/>
-              </a:solidFill>
-              <a:latin typeface="Open Sans" panose="020B0606030504020204" pitchFamily="34" charset="0"/>
-            </a:endParaRPr>
-          </a:p>
-          <a:p>
-            <a:pPr marL="0" indent="0">
-              <a:buNone/>
-            </a:pPr>
-            <a:r>
-              <a:rPr lang="en-US" sz="1100" b="1" i="0" dirty="0" err="1">
-                <a:solidFill>
-                  <a:srgbClr val="333333"/>
-                </a:solidFill>
-                <a:effectLst/>
-                <a:latin typeface="Open Sans" panose="020B0606030504020204" pitchFamily="34" charset="0"/>
-              </a:rPr>
-              <a:t>aDMCL</a:t>
-            </a:r>
-            <a:r>
-              <a:rPr lang="en-US" sz="1100" b="1" i="0" dirty="0">
-                <a:solidFill>
-                  <a:srgbClr val="333333"/>
-                </a:solidFill>
-                <a:effectLst/>
-                <a:latin typeface="Open Sans" panose="020B0606030504020204" pitchFamily="34" charset="0"/>
-              </a:rPr>
-              <a:t>, anterior bundle of the deep layer of the MCL; </a:t>
-            </a:r>
-            <a:r>
-              <a:rPr lang="en-US" sz="1100" b="1" i="0" dirty="0" err="1">
-                <a:solidFill>
-                  <a:srgbClr val="333333"/>
-                </a:solidFill>
-                <a:effectLst/>
-                <a:latin typeface="Open Sans" panose="020B0606030504020204" pitchFamily="34" charset="0"/>
-              </a:rPr>
-              <a:t>pDMCL</a:t>
-            </a:r>
-            <a:r>
-              <a:rPr lang="en-US" sz="1100" b="1" i="0" dirty="0">
-                <a:solidFill>
-                  <a:srgbClr val="333333"/>
-                </a:solidFill>
-                <a:effectLst/>
-                <a:latin typeface="Open Sans" panose="020B0606030504020204" pitchFamily="34" charset="0"/>
-              </a:rPr>
-              <a:t>, posterior bundle of the deep layer of the MCL.</a:t>
-            </a:r>
-          </a:p>
-          <a:p>
-            <a:pPr marL="0" indent="0">
-              <a:buNone/>
-            </a:pPr>
-            <a:endParaRPr lang="en-US" sz="1100" b="1" dirty="0">
-              <a:solidFill>
-                <a:srgbClr val="333333"/>
-              </a:solidFill>
-              <a:latin typeface="Open Sans" panose="020B0606030504020204" pitchFamily="34" charset="0"/>
-            </a:endParaRPr>
-          </a:p>
-          <a:p>
-            <a:pPr marL="0" indent="0">
-              <a:buNone/>
-            </a:pPr>
-            <a:r>
-              <a:rPr lang="en-US" sz="1100" b="1" dirty="0">
-                <a:solidFill>
-                  <a:srgbClr val="333333"/>
-                </a:solidFill>
-                <a:latin typeface="Open Sans" panose="020B0606030504020204" pitchFamily="34" charset="0"/>
-              </a:rPr>
-              <a:t>LCL, lateral collateral ligament</a:t>
-            </a:r>
-            <a:endParaRPr lang="en-GB" sz="1100" dirty="0"/>
+            <a:endParaRPr lang="en-GB"/>
           </a:p>
         </p:txBody>
       </p:sp>
@@ -8537,7 +10753,9 @@
         </p:nvSpPr>
         <p:spPr/>
         <p:txBody>
-          <a:bodyPr/>
+          <a:bodyPr>
+            <a:normAutofit fontScale="77500" lnSpcReduction="20000"/>
+          </a:bodyPr>
           <a:lstStyle/>
           <a:p>
             <a:endParaRPr lang="en-US"/>
@@ -8635,7 +10853,9 @@
         </p:nvSpPr>
         <p:spPr/>
         <p:txBody>
-          <a:bodyPr/>
+          <a:bodyPr>
+            <a:normAutofit fontScale="77500" lnSpcReduction="20000"/>
+          </a:bodyPr>
           <a:lstStyle/>
           <a:p>
             <a:endParaRPr lang="en-US"/>
@@ -8791,7 +11011,9 @@
         </p:nvSpPr>
         <p:spPr/>
         <p:txBody>
-          <a:bodyPr/>
+          <a:bodyPr>
+            <a:normAutofit fontScale="77500" lnSpcReduction="20000"/>
+          </a:bodyPr>
           <a:lstStyle/>
           <a:p>
             <a:endParaRPr lang="en-GB"/>
@@ -8833,8 +11055,8 @@
           </a:p>
         </p:txBody>
       </p:sp>
-      <mc:AlternateContent xmlns:mc="http://schemas.openxmlformats.org/markup-compatibility/2006">
-        <mc:Choice xmlns:a14="http://schemas.microsoft.com/office/drawing/2010/main" Requires="a14">
+      <mc:AlternateContent xmlns:mc="http://schemas.openxmlformats.org/markup-compatibility/2006" xmlns:a14="http://schemas.microsoft.com/office/drawing/2010/main">
+        <mc:Choice Requires="a14">
           <p:sp>
             <p:nvSpPr>
               <p:cNvPr id="5" name="TextBox 4">
@@ -9027,7 +11249,7 @@
             </p:txBody>
           </p:sp>
         </mc:Choice>
-        <mc:Fallback>
+        <mc:Fallback xmlns="">
           <p:sp>
             <p:nvSpPr>
               <p:cNvPr id="5" name="TextBox 4">
@@ -9145,7 +11367,9 @@
         </p:nvSpPr>
         <p:spPr/>
         <p:txBody>
-          <a:bodyPr/>
+          <a:bodyPr>
+            <a:normAutofit fontScale="77500" lnSpcReduction="20000"/>
+          </a:bodyPr>
           <a:lstStyle/>
           <a:p>
             <a:endParaRPr lang="en-GB"/>
@@ -9388,7 +11612,9 @@
         </p:nvSpPr>
         <p:spPr/>
         <p:txBody>
-          <a:bodyPr/>
+          <a:bodyPr>
+            <a:normAutofit fontScale="77500" lnSpcReduction="20000"/>
+          </a:bodyPr>
           <a:lstStyle/>
           <a:p>
             <a:endParaRPr lang="en-GB"/>
@@ -11615,7 +13841,9 @@
         </p:nvSpPr>
         <p:spPr/>
         <p:txBody>
-          <a:bodyPr/>
+          <a:bodyPr>
+            <a:normAutofit fontScale="77500" lnSpcReduction="20000"/>
+          </a:bodyPr>
           <a:lstStyle/>
           <a:p>
             <a:endParaRPr lang="en-GB"/>
@@ -14265,7 +16493,9 @@
         </p:nvSpPr>
         <p:spPr/>
         <p:txBody>
-          <a:bodyPr/>
+          <a:bodyPr>
+            <a:normAutofit fontScale="77500" lnSpcReduction="20000"/>
+          </a:bodyPr>
           <a:lstStyle/>
           <a:p>
             <a:endParaRPr lang="en-GB"/>
@@ -14287,9 +16517,9 @@
         <p:grpSpPr>
           <a:xfrm>
             <a:off x="624187" y="1916755"/>
-            <a:ext cx="2576001" cy="2028823"/>
+            <a:ext cx="2576001" cy="1671802"/>
             <a:chOff x="1527905" y="1694333"/>
-            <a:chExt cx="2576001" cy="2028823"/>
+            <a:chExt cx="2576001" cy="1671802"/>
           </a:xfrm>
         </p:grpSpPr>
         <p:grpSp>
@@ -14307,9 +16537,9 @@
           <p:grpSpPr>
             <a:xfrm>
               <a:off x="1527905" y="1694333"/>
-              <a:ext cx="2576001" cy="2028823"/>
+              <a:ext cx="2576001" cy="1385501"/>
               <a:chOff x="5730482" y="1661125"/>
-              <a:chExt cx="2576001" cy="2028823"/>
+              <a:chExt cx="2576001" cy="1385501"/>
             </a:xfrm>
           </p:grpSpPr>
           <p:grpSp>
@@ -14327,9 +16557,9 @@
             <p:grpSpPr>
               <a:xfrm>
                 <a:off x="6368017" y="1661125"/>
-                <a:ext cx="1938466" cy="2028823"/>
+                <a:ext cx="1938466" cy="1385501"/>
                 <a:chOff x="2869857" y="1519881"/>
-                <a:chExt cx="1938466" cy="2028823"/>
+                <a:chExt cx="1938466" cy="1385501"/>
               </a:xfrm>
             </p:grpSpPr>
             <p:grpSp>
@@ -14511,102 +16741,6 @@
                     </a:prstGeom>
                     <a:blipFill>
                       <a:blip r:embed="rId3"/>
-                      <a:stretch>
-                        <a:fillRect/>
-                      </a:stretch>
-                    </a:blipFill>
-                  </p:spPr>
-                  <p:txBody>
-                    <a:bodyPr/>
-                    <a:lstStyle/>
-                    <a:p>
-                      <a:r>
-                        <a:rPr lang="en-GB">
-                          <a:noFill/>
-                        </a:rPr>
-                        <a:t> </a:t>
-                      </a:r>
-                    </a:p>
-                  </p:txBody>
-                </p:sp>
-              </mc:Fallback>
-            </mc:AlternateContent>
-            <mc:AlternateContent xmlns:mc="http://schemas.openxmlformats.org/markup-compatibility/2006" xmlns:a14="http://schemas.microsoft.com/office/drawing/2010/main">
-              <mc:Choice Requires="a14">
-                <p:sp>
-                  <p:nvSpPr>
-                    <p:cNvPr id="12" name="TextBox 11">
-                      <a:extLst>
-                        <a:ext uri="{FF2B5EF4-FFF2-40B4-BE49-F238E27FC236}">
-                          <a16:creationId xmlns:a16="http://schemas.microsoft.com/office/drawing/2014/main" id="{128ADA32-FCB1-917F-4BF1-125291302566}"/>
-                        </a:ext>
-                      </a:extLst>
-                    </p:cNvPr>
-                    <p:cNvSpPr txBox="1"/>
-                    <p:nvPr/>
-                  </p:nvSpPr>
-                  <p:spPr>
-                    <a:xfrm>
-                      <a:off x="3681735" y="3179372"/>
-                      <a:ext cx="389238" cy="369332"/>
-                    </a:xfrm>
-                    <a:prstGeom prst="rect">
-                      <a:avLst/>
-                    </a:prstGeom>
-                    <a:noFill/>
-                  </p:spPr>
-                  <p:txBody>
-                    <a:bodyPr wrap="square" rtlCol="0">
-                      <a:spAutoFit/>
-                    </a:bodyPr>
-                    <a:lstStyle/>
-                    <a:p>
-                      <a:pPr/>
-                      <a14:m>
-                        <m:oMathPara xmlns:m="http://schemas.openxmlformats.org/officeDocument/2006/math">
-                          <m:oMathParaPr>
-                            <m:jc m:val="centerGroup"/>
-                          </m:oMathParaPr>
-                          <m:oMath xmlns:m="http://schemas.openxmlformats.org/officeDocument/2006/math">
-                            <m:r>
-                              <a:rPr lang="en-US" b="0" i="1" smtClean="0">
-                                <a:latin typeface="Cambria Math" panose="02040503050406030204" pitchFamily="18" charset="0"/>
-                              </a:rPr>
-                              <m:t>𝑥</m:t>
-                            </m:r>
-                          </m:oMath>
-                        </m:oMathPara>
-                      </a14:m>
-                      <a:endParaRPr lang="en-GB" dirty="0"/>
-                    </a:p>
-                  </p:txBody>
-                </p:sp>
-              </mc:Choice>
-              <mc:Fallback xmlns="">
-                <p:sp>
-                  <p:nvSpPr>
-                    <p:cNvPr id="12" name="TextBox 11">
-                      <a:extLst>
-                        <a:ext uri="{FF2B5EF4-FFF2-40B4-BE49-F238E27FC236}">
-                          <a16:creationId xmlns:a16="http://schemas.microsoft.com/office/drawing/2014/main" id="{128ADA32-FCB1-917F-4BF1-125291302566}"/>
-                        </a:ext>
-                      </a:extLst>
-                    </p:cNvPr>
-                    <p:cNvSpPr txBox="1">
-                      <a:spLocks noRot="1" noChangeAspect="1" noMove="1" noResize="1" noEditPoints="1" noAdjustHandles="1" noChangeArrowheads="1" noChangeShapeType="1" noTextEdit="1"/>
-                    </p:cNvSpPr>
-                    <p:nvPr/>
-                  </p:nvSpPr>
-                  <p:spPr>
-                    <a:xfrm>
-                      <a:off x="3681735" y="3179372"/>
-                      <a:ext cx="389238" cy="369332"/>
-                    </a:xfrm>
-                    <a:prstGeom prst="rect">
-                      <a:avLst/>
-                    </a:prstGeom>
-                    <a:blipFill>
-                      <a:blip r:embed="rId4"/>
                       <a:stretch>
                         <a:fillRect/>
                       </a:stretch>
@@ -15362,8 +17496,8 @@
               </a:fontRef>
             </p:style>
           </p:cxnSp>
-          <mc:AlternateContent xmlns:mc="http://schemas.openxmlformats.org/markup-compatibility/2006" xmlns:a14="http://schemas.microsoft.com/office/drawing/2010/main">
-            <mc:Choice Requires="a14">
+          <mc:AlternateContent xmlns:mc="http://schemas.openxmlformats.org/markup-compatibility/2006">
+            <mc:Choice xmlns:a14="http://schemas.microsoft.com/office/drawing/2010/main" Requires="a14">
               <p:sp>
                 <p:nvSpPr>
                   <p:cNvPr id="8" name="TextBox 7">
@@ -15420,7 +17554,7 @@
                                 <a:rPr lang="en-US" sz="1200" b="1" i="1" smtClean="0">
                                   <a:latin typeface="Cambria Math" panose="02040503050406030204" pitchFamily="18" charset="0"/>
                                 </a:rPr>
-                                <m:t>𝒊𝒏𝒊𝒕𝒊𝒂𝒍</m:t>
+                                <m:t>𝟎</m:t>
                               </m:r>
                             </m:sub>
                           </m:sSub>
@@ -15432,7 +17566,7 @@
                 </p:txBody>
               </p:sp>
             </mc:Choice>
-            <mc:Fallback xmlns="">
+            <mc:Fallback>
               <p:sp>
                 <p:nvSpPr>
                   <p:cNvPr id="8" name="TextBox 7">
@@ -15851,14 +17985,13 @@
             </p:cNvPr>
             <p:cNvCxnSpPr>
               <a:cxnSpLocks/>
-              <a:endCxn id="13" idx="38"/>
             </p:cNvCxnSpPr>
             <p:nvPr/>
           </p:nvCxnSpPr>
           <p:spPr>
             <a:xfrm>
-              <a:off x="2520697" y="1984997"/>
-              <a:ext cx="1328351" cy="18255"/>
+              <a:off x="2520696" y="1986617"/>
+              <a:ext cx="1331359" cy="10024"/>
             </a:xfrm>
             <a:prstGeom prst="line">
               <a:avLst/>
@@ -16104,9 +18237,9 @@
         <p:grpSpPr>
           <a:xfrm>
             <a:off x="4776187" y="1910687"/>
-            <a:ext cx="2626604" cy="2028823"/>
+            <a:ext cx="2626604" cy="1665444"/>
             <a:chOff x="1477302" y="1694333"/>
-            <a:chExt cx="2626604" cy="2028823"/>
+            <a:chExt cx="2626604" cy="1665444"/>
           </a:xfrm>
         </p:grpSpPr>
         <p:grpSp>
@@ -16124,9 +18257,9 @@
           <p:grpSpPr>
             <a:xfrm>
               <a:off x="1477302" y="1694333"/>
-              <a:ext cx="2626604" cy="2028823"/>
+              <a:ext cx="2626604" cy="1392450"/>
               <a:chOff x="5679879" y="1661125"/>
-              <a:chExt cx="2626604" cy="2028823"/>
+              <a:chExt cx="2626604" cy="1392450"/>
             </a:xfrm>
           </p:grpSpPr>
           <p:grpSp>
@@ -16144,9 +18277,9 @@
             <p:grpSpPr>
               <a:xfrm>
                 <a:off x="6368017" y="1661125"/>
-                <a:ext cx="1938466" cy="2028823"/>
+                <a:ext cx="1938466" cy="1385501"/>
                 <a:chOff x="2869857" y="1519881"/>
-                <a:chExt cx="1938466" cy="2028823"/>
+                <a:chExt cx="1938466" cy="1385501"/>
               </a:xfrm>
             </p:grpSpPr>
             <p:grpSp>
@@ -16328,102 +18461,6 @@
                     </a:prstGeom>
                     <a:blipFill>
                       <a:blip r:embed="rId10"/>
-                      <a:stretch>
-                        <a:fillRect/>
-                      </a:stretch>
-                    </a:blipFill>
-                  </p:spPr>
-                  <p:txBody>
-                    <a:bodyPr/>
-                    <a:lstStyle/>
-                    <a:p>
-                      <a:r>
-                        <a:rPr lang="en-GB">
-                          <a:noFill/>
-                        </a:rPr>
-                        <a:t> </a:t>
-                      </a:r>
-                    </a:p>
-                  </p:txBody>
-                </p:sp>
-              </mc:Fallback>
-            </mc:AlternateContent>
-            <mc:AlternateContent xmlns:mc="http://schemas.openxmlformats.org/markup-compatibility/2006" xmlns:a14="http://schemas.microsoft.com/office/drawing/2010/main">
-              <mc:Choice Requires="a14">
-                <p:sp>
-                  <p:nvSpPr>
-                    <p:cNvPr id="59" name="TextBox 58">
-                      <a:extLst>
-                        <a:ext uri="{FF2B5EF4-FFF2-40B4-BE49-F238E27FC236}">
-                          <a16:creationId xmlns:a16="http://schemas.microsoft.com/office/drawing/2014/main" id="{0E5A56CB-922E-9F71-A992-82337B4ECC04}"/>
-                        </a:ext>
-                      </a:extLst>
-                    </p:cNvPr>
-                    <p:cNvSpPr txBox="1"/>
-                    <p:nvPr/>
-                  </p:nvSpPr>
-                  <p:spPr>
-                    <a:xfrm>
-                      <a:off x="3681735" y="3179372"/>
-                      <a:ext cx="389238" cy="369332"/>
-                    </a:xfrm>
-                    <a:prstGeom prst="rect">
-                      <a:avLst/>
-                    </a:prstGeom>
-                    <a:noFill/>
-                  </p:spPr>
-                  <p:txBody>
-                    <a:bodyPr wrap="square" rtlCol="0">
-                      <a:spAutoFit/>
-                    </a:bodyPr>
-                    <a:lstStyle/>
-                    <a:p>
-                      <a:pPr/>
-                      <a14:m>
-                        <m:oMathPara xmlns:m="http://schemas.openxmlformats.org/officeDocument/2006/math">
-                          <m:oMathParaPr>
-                            <m:jc m:val="centerGroup"/>
-                          </m:oMathParaPr>
-                          <m:oMath xmlns:m="http://schemas.openxmlformats.org/officeDocument/2006/math">
-                            <m:r>
-                              <a:rPr lang="en-US" b="0" i="1" smtClean="0">
-                                <a:latin typeface="Cambria Math" panose="02040503050406030204" pitchFamily="18" charset="0"/>
-                              </a:rPr>
-                              <m:t>𝑥</m:t>
-                            </m:r>
-                          </m:oMath>
-                        </m:oMathPara>
-                      </a14:m>
-                      <a:endParaRPr lang="en-GB" dirty="0"/>
-                    </a:p>
-                  </p:txBody>
-                </p:sp>
-              </mc:Choice>
-              <mc:Fallback xmlns="">
-                <p:sp>
-                  <p:nvSpPr>
-                    <p:cNvPr id="59" name="TextBox 58">
-                      <a:extLst>
-                        <a:ext uri="{FF2B5EF4-FFF2-40B4-BE49-F238E27FC236}">
-                          <a16:creationId xmlns:a16="http://schemas.microsoft.com/office/drawing/2014/main" id="{0E5A56CB-922E-9F71-A992-82337B4ECC04}"/>
-                        </a:ext>
-                      </a:extLst>
-                    </p:cNvPr>
-                    <p:cNvSpPr txBox="1">
-                      <a:spLocks noRot="1" noChangeAspect="1" noMove="1" noResize="1" noEditPoints="1" noAdjustHandles="1" noChangeArrowheads="1" noChangeShapeType="1" noTextEdit="1"/>
-                    </p:cNvSpPr>
-                    <p:nvPr/>
-                  </p:nvSpPr>
-                  <p:spPr>
-                    <a:xfrm>
-                      <a:off x="3681735" y="3179372"/>
-                      <a:ext cx="389238" cy="369332"/>
-                    </a:xfrm>
-                    <a:prstGeom prst="rect">
-                      <a:avLst/>
-                    </a:prstGeom>
-                    <a:blipFill>
-                      <a:blip r:embed="rId11"/>
                       <a:stretch>
                         <a:fillRect/>
                       </a:stretch>
@@ -17181,8 +19218,8 @@
               </a:fontRef>
             </p:style>
           </p:cxnSp>
-          <mc:AlternateContent xmlns:mc="http://schemas.openxmlformats.org/markup-compatibility/2006" xmlns:a14="http://schemas.microsoft.com/office/drawing/2010/main">
-            <mc:Choice Requires="a14">
+          <mc:AlternateContent xmlns:mc="http://schemas.openxmlformats.org/markup-compatibility/2006">
+            <mc:Choice xmlns:a14="http://schemas.microsoft.com/office/drawing/2010/main" Requires="a14">
               <p:sp>
                 <p:nvSpPr>
                   <p:cNvPr id="55" name="TextBox 54">
@@ -17239,7 +19276,7 @@
                                 <a:rPr lang="en-US" sz="1200" b="1" i="1" smtClean="0">
                                   <a:latin typeface="Cambria Math" panose="02040503050406030204" pitchFamily="18" charset="0"/>
                                 </a:rPr>
-                                <m:t>𝒊𝒏𝒊𝒕𝒊𝒂𝒍</m:t>
+                                <m:t>𝟎</m:t>
                               </m:r>
                             </m:sub>
                           </m:sSub>
@@ -17251,7 +19288,7 @@
                 </p:txBody>
               </p:sp>
             </mc:Choice>
-            <mc:Fallback xmlns="">
+            <mc:Fallback>
               <p:sp>
                 <p:nvSpPr>
                   <p:cNvPr id="55" name="TextBox 54">
@@ -17277,7 +19314,7 @@
                   <a:blipFill>
                     <a:blip r:embed="rId13"/>
                     <a:stretch>
-                      <a:fillRect r="-9091"/>
+                      <a:fillRect/>
                     </a:stretch>
                   </a:blipFill>
                 </p:spPr>
@@ -17671,14 +19708,13 @@
             </p:cNvPr>
             <p:cNvCxnSpPr>
               <a:cxnSpLocks/>
-              <a:endCxn id="60" idx="24"/>
             </p:cNvCxnSpPr>
             <p:nvPr/>
           </p:nvCxnSpPr>
           <p:spPr>
             <a:xfrm>
-              <a:off x="2521857" y="2599303"/>
-              <a:ext cx="869991" cy="3252"/>
+              <a:off x="2527883" y="2533933"/>
+              <a:ext cx="955850" cy="0"/>
             </a:xfrm>
             <a:prstGeom prst="line">
               <a:avLst/>
@@ -17716,14 +19752,13 @@
             </p:cNvPr>
             <p:cNvCxnSpPr>
               <a:cxnSpLocks/>
-              <a:endCxn id="60" idx="24"/>
             </p:cNvCxnSpPr>
             <p:nvPr/>
           </p:nvCxnSpPr>
           <p:spPr>
             <a:xfrm flipV="1">
-              <a:off x="3388938" y="2602555"/>
-              <a:ext cx="2910" cy="459962"/>
+              <a:off x="3468067" y="2533933"/>
+              <a:ext cx="0" cy="513800"/>
             </a:xfrm>
             <a:prstGeom prst="line">
               <a:avLst/>
@@ -17750,8 +19785,8 @@
             </a:fontRef>
           </p:style>
         </p:cxnSp>
-        <mc:AlternateContent xmlns:mc="http://schemas.openxmlformats.org/markup-compatibility/2006" xmlns:a14="http://schemas.microsoft.com/office/drawing/2010/main">
-          <mc:Choice Requires="a14">
+        <mc:AlternateContent xmlns:mc="http://schemas.openxmlformats.org/markup-compatibility/2006">
+          <mc:Choice xmlns:a14="http://schemas.microsoft.com/office/drawing/2010/main" Requires="a14">
             <p:sp>
               <p:nvSpPr>
                 <p:cNvPr id="50" name="TextBox 49">
@@ -17766,7 +19801,7 @@
               </p:nvSpPr>
               <p:spPr>
                 <a:xfrm>
-                  <a:off x="3206360" y="3111306"/>
+                  <a:off x="3263081" y="3101245"/>
                   <a:ext cx="257533" cy="258532"/>
                 </a:xfrm>
                 <a:prstGeom prst="rect">
@@ -17820,7 +19855,7 @@
               </p:txBody>
             </p:sp>
           </mc:Choice>
-          <mc:Fallback xmlns="">
+          <mc:Fallback>
             <p:sp>
               <p:nvSpPr>
                 <p:cNvPr id="50" name="TextBox 49">
@@ -17837,7 +19872,7 @@
               </p:nvSpPr>
               <p:spPr>
                 <a:xfrm>
-                  <a:off x="3206360" y="3111306"/>
+                  <a:off x="3263081" y="3101245"/>
                   <a:ext cx="257533" cy="258532"/>
                 </a:xfrm>
                 <a:prstGeom prst="rect">
@@ -17846,7 +19881,7 @@
                 <a:blipFill>
                   <a:blip r:embed="rId16"/>
                   <a:stretch>
-                    <a:fillRect r="-66667"/>
+                    <a:fillRect r="-62791"/>
                   </a:stretch>
                 </a:blipFill>
               </p:spPr>
@@ -17881,7 +19916,7 @@
           </p:nvCxnSpPr>
           <p:spPr>
             <a:xfrm flipV="1">
-              <a:off x="3392855" y="3067801"/>
+              <a:off x="3467689" y="3074119"/>
               <a:ext cx="0" cy="112755"/>
             </a:xfrm>
             <a:prstGeom prst="line">
@@ -18221,6 +20256,312 @@
           </p:sp>
         </mc:Fallback>
       </mc:AlternateContent>
+      <p:cxnSp>
+        <p:nvCxnSpPr>
+          <p:cNvPr id="73" name="Straight Arrow Connector 72">
+            <a:extLst>
+              <a:ext uri="{FF2B5EF4-FFF2-40B4-BE49-F238E27FC236}">
+                <a16:creationId xmlns:a16="http://schemas.microsoft.com/office/drawing/2014/main" id="{3FBB1E03-B359-6FA8-B23C-820584AB9920}"/>
+              </a:ext>
+            </a:extLst>
+          </p:cNvPr>
+          <p:cNvCxnSpPr>
+            <a:cxnSpLocks/>
+          </p:cNvCxnSpPr>
+          <p:nvPr/>
+        </p:nvCxnSpPr>
+        <p:spPr>
+          <a:xfrm>
+            <a:off x="2488130" y="3384474"/>
+            <a:ext cx="452708" cy="0"/>
+          </a:xfrm>
+          <a:prstGeom prst="straightConnector1">
+            <a:avLst/>
+          </a:prstGeom>
+          <a:ln>
+            <a:solidFill>
+              <a:schemeClr val="tx1">
+                <a:lumMod val="85000"/>
+                <a:lumOff val="15000"/>
+              </a:schemeClr>
+            </a:solidFill>
+            <a:headEnd type="triangle"/>
+            <a:tailEnd type="triangle"/>
+          </a:ln>
+        </p:spPr>
+        <p:style>
+          <a:lnRef idx="2">
+            <a:schemeClr val="accent1"/>
+          </a:lnRef>
+          <a:fillRef idx="0">
+            <a:schemeClr val="accent1"/>
+          </a:fillRef>
+          <a:effectRef idx="1">
+            <a:schemeClr val="accent1"/>
+          </a:effectRef>
+          <a:fontRef idx="minor">
+            <a:schemeClr val="tx1"/>
+          </a:fontRef>
+        </p:style>
+      </p:cxnSp>
+      <mc:AlternateContent xmlns:mc="http://schemas.openxmlformats.org/markup-compatibility/2006">
+        <mc:Choice xmlns:a14="http://schemas.microsoft.com/office/drawing/2010/main" Requires="a14">
+          <p:sp>
+            <p:nvSpPr>
+              <p:cNvPr id="75" name="TextBox 74">
+                <a:extLst>
+                  <a:ext uri="{FF2B5EF4-FFF2-40B4-BE49-F238E27FC236}">
+                    <a16:creationId xmlns:a16="http://schemas.microsoft.com/office/drawing/2014/main" id="{9A37BEFF-E0AE-63E4-D2F1-28C7682A3B56}"/>
+                  </a:ext>
+                </a:extLst>
+              </p:cNvPr>
+              <p:cNvSpPr txBox="1"/>
+              <p:nvPr/>
+            </p:nvSpPr>
+            <p:spPr>
+              <a:xfrm>
+                <a:off x="2539613" y="3387049"/>
+                <a:ext cx="367529" cy="276999"/>
+              </a:xfrm>
+              <a:prstGeom prst="rect">
+                <a:avLst/>
+              </a:prstGeom>
+              <a:noFill/>
+            </p:spPr>
+            <p:txBody>
+              <a:bodyPr wrap="square" rtlCol="0">
+                <a:spAutoFit/>
+              </a:bodyPr>
+              <a:lstStyle/>
+              <a:p>
+                <a:pPr/>
+                <a14:m>
+                  <m:oMathPara xmlns:m="http://schemas.openxmlformats.org/officeDocument/2006/math">
+                    <m:oMathParaPr>
+                      <m:jc m:val="centerGroup"/>
+                    </m:oMathParaPr>
+                    <m:oMath xmlns:m="http://schemas.openxmlformats.org/officeDocument/2006/math">
+                      <m:r>
+                        <m:rPr>
+                          <m:sty m:val="p"/>
+                        </m:rPr>
+                        <a:rPr lang="en-US" sz="1200" b="0" i="0" smtClean="0">
+                          <a:latin typeface="Cambria Math" panose="02040503050406030204" pitchFamily="18" charset="0"/>
+                        </a:rPr>
+                        <m:t>Δ</m:t>
+                      </m:r>
+                      <m:r>
+                        <a:rPr lang="en-US" sz="1200" b="0" i="1" smtClean="0">
+                          <a:latin typeface="Cambria Math" panose="02040503050406030204" pitchFamily="18" charset="0"/>
+                        </a:rPr>
+                        <m:t>𝑥</m:t>
+                      </m:r>
+                    </m:oMath>
+                  </m:oMathPara>
+                </a14:m>
+                <a:endParaRPr lang="en-GB" sz="1200" dirty="0"/>
+              </a:p>
+            </p:txBody>
+          </p:sp>
+        </mc:Choice>
+        <mc:Fallback>
+          <p:sp>
+            <p:nvSpPr>
+              <p:cNvPr id="75" name="TextBox 74">
+                <a:extLst>
+                  <a:ext uri="{FF2B5EF4-FFF2-40B4-BE49-F238E27FC236}">
+                    <a16:creationId xmlns:a16="http://schemas.microsoft.com/office/drawing/2014/main" id="{9A37BEFF-E0AE-63E4-D2F1-28C7682A3B56}"/>
+                  </a:ext>
+                </a:extLst>
+              </p:cNvPr>
+              <p:cNvSpPr txBox="1">
+                <a:spLocks noRot="1" noChangeAspect="1" noMove="1" noResize="1" noEditPoints="1" noAdjustHandles="1" noChangeArrowheads="1" noChangeShapeType="1" noTextEdit="1"/>
+              </p:cNvSpPr>
+              <p:nvPr/>
+            </p:nvSpPr>
+            <p:spPr>
+              <a:xfrm>
+                <a:off x="2539613" y="3387049"/>
+                <a:ext cx="367529" cy="276999"/>
+              </a:xfrm>
+              <a:prstGeom prst="rect">
+                <a:avLst/>
+              </a:prstGeom>
+              <a:blipFill>
+                <a:blip r:embed="rId19"/>
+                <a:stretch>
+                  <a:fillRect/>
+                </a:stretch>
+              </a:blipFill>
+            </p:spPr>
+            <p:txBody>
+              <a:bodyPr/>
+              <a:lstStyle/>
+              <a:p>
+                <a:r>
+                  <a:rPr lang="en-GB">
+                    <a:noFill/>
+                  </a:rPr>
+                  <a:t> </a:t>
+                </a:r>
+              </a:p>
+            </p:txBody>
+          </p:sp>
+        </mc:Fallback>
+      </mc:AlternateContent>
+      <mc:AlternateContent xmlns:mc="http://schemas.openxmlformats.org/markup-compatibility/2006">
+        <mc:Choice xmlns:a14="http://schemas.microsoft.com/office/drawing/2010/main" Requires="a14">
+          <p:sp>
+            <p:nvSpPr>
+              <p:cNvPr id="76" name="TextBox 75">
+                <a:extLst>
+                  <a:ext uri="{FF2B5EF4-FFF2-40B4-BE49-F238E27FC236}">
+                    <a16:creationId xmlns:a16="http://schemas.microsoft.com/office/drawing/2014/main" id="{835033BD-6004-E383-DCAC-750A1F29F0AA}"/>
+                  </a:ext>
+                </a:extLst>
+              </p:cNvPr>
+              <p:cNvSpPr txBox="1"/>
+              <p:nvPr/>
+            </p:nvSpPr>
+            <p:spPr>
+              <a:xfrm>
+                <a:off x="6355352" y="3403228"/>
+                <a:ext cx="367529" cy="276999"/>
+              </a:xfrm>
+              <a:prstGeom prst="rect">
+                <a:avLst/>
+              </a:prstGeom>
+              <a:noFill/>
+            </p:spPr>
+            <p:txBody>
+              <a:bodyPr wrap="square" rtlCol="0">
+                <a:spAutoFit/>
+              </a:bodyPr>
+              <a:lstStyle/>
+              <a:p>
+                <a:pPr/>
+                <a14:m>
+                  <m:oMathPara xmlns:m="http://schemas.openxmlformats.org/officeDocument/2006/math">
+                    <m:oMathParaPr>
+                      <m:jc m:val="centerGroup"/>
+                    </m:oMathParaPr>
+                    <m:oMath xmlns:m="http://schemas.openxmlformats.org/officeDocument/2006/math">
+                      <m:r>
+                        <m:rPr>
+                          <m:sty m:val="p"/>
+                        </m:rPr>
+                        <a:rPr lang="en-US" sz="1200" b="0" i="0" smtClean="0">
+                          <a:latin typeface="Cambria Math" panose="02040503050406030204" pitchFamily="18" charset="0"/>
+                        </a:rPr>
+                        <m:t>Δ</m:t>
+                      </m:r>
+                      <m:r>
+                        <a:rPr lang="en-US" sz="1200" b="0" i="1" smtClean="0">
+                          <a:latin typeface="Cambria Math" panose="02040503050406030204" pitchFamily="18" charset="0"/>
+                        </a:rPr>
+                        <m:t>𝑥</m:t>
+                      </m:r>
+                    </m:oMath>
+                  </m:oMathPara>
+                </a14:m>
+                <a:endParaRPr lang="en-GB" sz="1200" dirty="0"/>
+              </a:p>
+            </p:txBody>
+          </p:sp>
+        </mc:Choice>
+        <mc:Fallback>
+          <p:sp>
+            <p:nvSpPr>
+              <p:cNvPr id="76" name="TextBox 75">
+                <a:extLst>
+                  <a:ext uri="{FF2B5EF4-FFF2-40B4-BE49-F238E27FC236}">
+                    <a16:creationId xmlns:a16="http://schemas.microsoft.com/office/drawing/2014/main" id="{835033BD-6004-E383-DCAC-750A1F29F0AA}"/>
+                  </a:ext>
+                </a:extLst>
+              </p:cNvPr>
+              <p:cNvSpPr txBox="1">
+                <a:spLocks noRot="1" noChangeAspect="1" noMove="1" noResize="1" noEditPoints="1" noAdjustHandles="1" noChangeArrowheads="1" noChangeShapeType="1" noTextEdit="1"/>
+              </p:cNvSpPr>
+              <p:nvPr/>
+            </p:nvSpPr>
+            <p:spPr>
+              <a:xfrm>
+                <a:off x="6355352" y="3403228"/>
+                <a:ext cx="367529" cy="276999"/>
+              </a:xfrm>
+              <a:prstGeom prst="rect">
+                <a:avLst/>
+              </a:prstGeom>
+              <a:blipFill>
+                <a:blip r:embed="rId20"/>
+                <a:stretch>
+                  <a:fillRect/>
+                </a:stretch>
+              </a:blipFill>
+            </p:spPr>
+            <p:txBody>
+              <a:bodyPr/>
+              <a:lstStyle/>
+              <a:p>
+                <a:r>
+                  <a:rPr lang="en-GB">
+                    <a:noFill/>
+                  </a:rPr>
+                  <a:t> </a:t>
+                </a:r>
+              </a:p>
+            </p:txBody>
+          </p:sp>
+        </mc:Fallback>
+      </mc:AlternateContent>
+      <p:cxnSp>
+        <p:nvCxnSpPr>
+          <p:cNvPr id="77" name="Straight Arrow Connector 76">
+            <a:extLst>
+              <a:ext uri="{FF2B5EF4-FFF2-40B4-BE49-F238E27FC236}">
+                <a16:creationId xmlns:a16="http://schemas.microsoft.com/office/drawing/2014/main" id="{2462E04B-EBF4-7603-5749-B3E5D80C0F5F}"/>
+              </a:ext>
+            </a:extLst>
+          </p:cNvPr>
+          <p:cNvCxnSpPr>
+            <a:cxnSpLocks/>
+          </p:cNvCxnSpPr>
+          <p:nvPr/>
+        </p:nvCxnSpPr>
+        <p:spPr>
+          <a:xfrm>
+            <a:off x="6299130" y="3377701"/>
+            <a:ext cx="467144" cy="0"/>
+          </a:xfrm>
+          <a:prstGeom prst="straightConnector1">
+            <a:avLst/>
+          </a:prstGeom>
+          <a:ln>
+            <a:solidFill>
+              <a:schemeClr val="tx1">
+                <a:lumMod val="85000"/>
+                <a:lumOff val="15000"/>
+              </a:schemeClr>
+            </a:solidFill>
+            <a:headEnd type="triangle"/>
+            <a:tailEnd type="triangle"/>
+          </a:ln>
+        </p:spPr>
+        <p:style>
+          <a:lnRef idx="2">
+            <a:schemeClr val="accent1"/>
+          </a:lnRef>
+          <a:fillRef idx="0">
+            <a:schemeClr val="accent1"/>
+          </a:fillRef>
+          <a:effectRef idx="1">
+            <a:schemeClr val="accent1"/>
+          </a:effectRef>
+          <a:fontRef idx="minor">
+            <a:schemeClr val="tx1"/>
+          </a:fontRef>
+        </p:style>
+      </p:cxnSp>
     </p:spTree>
     <p:extLst>
       <p:ext uri="{BB962C8B-B14F-4D97-AF65-F5344CB8AC3E}">
@@ -18374,7 +20715,7 @@
         </p:nvCxnSpPr>
         <p:spPr>
           <a:xfrm>
-            <a:off x="1419484" y="2478582"/>
+            <a:off x="1402492" y="2610810"/>
             <a:ext cx="424551" cy="0"/>
           </a:xfrm>
           <a:prstGeom prst="line">
@@ -18382,7 +20723,7 @@
           </a:prstGeom>
           <a:ln>
             <a:solidFill>
-              <a:srgbClr val="FFFF00"/>
+              <a:srgbClr val="00B050"/>
             </a:solidFill>
           </a:ln>
         </p:spPr>
@@ -18423,7 +20764,7 @@
           </a:prstGeom>
           <a:ln>
             <a:solidFill>
-              <a:srgbClr val="FFFF00"/>
+              <a:srgbClr val="00B050"/>
             </a:solidFill>
           </a:ln>
         </p:spPr>
@@ -18554,7 +20895,9 @@
         </p:nvSpPr>
         <p:spPr/>
         <p:txBody>
-          <a:bodyPr/>
+          <a:bodyPr>
+            <a:normAutofit fontScale="77500" lnSpcReduction="20000"/>
+          </a:bodyPr>
           <a:lstStyle/>
           <a:p>
             <a:endParaRPr lang="en-GB"/>
@@ -18576,9 +20919,9 @@
         <p:grpSpPr>
           <a:xfrm>
             <a:off x="799191" y="1692833"/>
-            <a:ext cx="3010809" cy="2028823"/>
+            <a:ext cx="3010809" cy="1880734"/>
             <a:chOff x="1492844" y="1694333"/>
-            <a:chExt cx="3010809" cy="2028823"/>
+            <a:chExt cx="3010809" cy="1880734"/>
           </a:xfrm>
         </p:grpSpPr>
         <p:grpSp>
@@ -18596,9 +20939,9 @@
           <p:grpSpPr>
             <a:xfrm>
               <a:off x="1492844" y="1694333"/>
-              <a:ext cx="3010809" cy="2028823"/>
+              <a:ext cx="3010809" cy="1880734"/>
               <a:chOff x="5695421" y="1661125"/>
-              <a:chExt cx="3010809" cy="2028823"/>
+              <a:chExt cx="3010809" cy="1880734"/>
             </a:xfrm>
           </p:grpSpPr>
           <p:grpSp>
@@ -18616,9 +20959,9 @@
             <p:grpSpPr>
               <a:xfrm>
                 <a:off x="6368017" y="1661125"/>
-                <a:ext cx="2338213" cy="2028823"/>
+                <a:ext cx="2338213" cy="1880734"/>
                 <a:chOff x="2869857" y="1519881"/>
-                <a:chExt cx="2338213" cy="2028823"/>
+                <a:chExt cx="2338213" cy="1880734"/>
               </a:xfrm>
             </p:grpSpPr>
             <p:grpSp>
@@ -18836,8 +21179,8 @@
                   </p:nvSpPr>
                   <p:spPr>
                     <a:xfrm>
-                      <a:off x="3681735" y="3179372"/>
-                      <a:ext cx="389238" cy="369332"/>
+                      <a:off x="4075178" y="3123616"/>
+                      <a:ext cx="367529" cy="276999"/>
                     </a:xfrm>
                     <a:prstGeom prst="rect">
                       <a:avLst/>
@@ -18858,7 +21201,16 @@
                           </m:oMathParaPr>
                           <m:oMath xmlns:m="http://schemas.openxmlformats.org/officeDocument/2006/math">
                             <m:r>
-                              <a:rPr lang="en-US" b="0" i="1" smtClean="0">
+                              <m:rPr>
+                                <m:sty m:val="p"/>
+                              </m:rPr>
+                              <a:rPr lang="en-US" sz="1200" b="0" i="0" smtClean="0">
+                                <a:latin typeface="Cambria Math" panose="02040503050406030204" pitchFamily="18" charset="0"/>
+                              </a:rPr>
+                              <m:t>Δ</m:t>
+                            </m:r>
+                            <m:r>
+                              <a:rPr lang="en-US" sz="1200" b="0" i="1" smtClean="0">
                                 <a:latin typeface="Cambria Math" panose="02040503050406030204" pitchFamily="18" charset="0"/>
                               </a:rPr>
                               <m:t>𝑥</m:t>
@@ -18866,7 +21218,7 @@
                           </m:oMath>
                         </m:oMathPara>
                       </a14:m>
-                      <a:endParaRPr lang="en-GB" dirty="0"/>
+                      <a:endParaRPr lang="en-GB" sz="1200" dirty="0"/>
                     </a:p>
                   </p:txBody>
                 </p:sp>
@@ -18888,8 +21240,8 @@
                   </p:nvSpPr>
                   <p:spPr>
                     <a:xfrm>
-                      <a:off x="3681735" y="3179372"/>
-                      <a:ext cx="389238" cy="369332"/>
+                      <a:off x="4075178" y="3123616"/>
+                      <a:ext cx="367529" cy="276999"/>
                     </a:xfrm>
                     <a:prstGeom prst="rect">
                       <a:avLst/>
@@ -18928,14 +21280,13 @@
               </p:cNvPr>
               <p:cNvCxnSpPr>
                 <a:cxnSpLocks/>
-                <a:endCxn id="18" idx="3"/>
               </p:cNvCxnSpPr>
               <p:nvPr/>
             </p:nvCxnSpPr>
             <p:spPr>
               <a:xfrm flipV="1">
-                <a:off x="6464077" y="2842878"/>
-                <a:ext cx="0" cy="202339"/>
+                <a:off x="6464077" y="2938660"/>
+                <a:ext cx="0" cy="130165"/>
               </a:xfrm>
               <a:prstGeom prst="straightConnector1">
                 <a:avLst/>
@@ -18978,8 +21329,8 @@
             </p:nvCxnSpPr>
             <p:spPr>
               <a:xfrm flipV="1">
-                <a:off x="6464077" y="2451615"/>
-                <a:ext cx="0" cy="359117"/>
+                <a:off x="6464077" y="2562085"/>
+                <a:ext cx="0" cy="357727"/>
               </a:xfrm>
               <a:prstGeom prst="straightConnector1">
                 <a:avLst/>
@@ -19006,8 +21357,8 @@
               </a:fontRef>
             </p:style>
           </p:cxnSp>
-          <mc:AlternateContent xmlns:mc="http://schemas.openxmlformats.org/markup-compatibility/2006" xmlns:a14="http://schemas.microsoft.com/office/drawing/2010/main">
-            <mc:Choice Requires="a14">
+          <mc:AlternateContent xmlns:mc="http://schemas.openxmlformats.org/markup-compatibility/2006">
+            <mc:Choice xmlns:a14="http://schemas.microsoft.com/office/drawing/2010/main" Requires="a14">
               <p:sp>
                 <p:nvSpPr>
                   <p:cNvPr id="18" name="TextBox 17">
@@ -19022,7 +21373,7 @@
                 </p:nvSpPr>
                 <p:spPr>
                   <a:xfrm>
-                    <a:off x="5820328" y="2704378"/>
+                    <a:off x="5792799" y="2848665"/>
                     <a:ext cx="643749" cy="276999"/>
                   </a:xfrm>
                   <a:prstGeom prst="rect">
@@ -19064,7 +21415,7 @@
                                 <a:rPr lang="en-US" sz="1200" b="1" i="1" smtClean="0">
                                   <a:latin typeface="Cambria Math" panose="02040503050406030204" pitchFamily="18" charset="0"/>
                                 </a:rPr>
-                                <m:t>𝒊𝒏𝒊𝒕𝒊𝒂𝒍</m:t>
+                                <m:t>𝟎</m:t>
                               </m:r>
                             </m:sub>
                           </m:sSub>
@@ -19076,7 +21427,7 @@
                 </p:txBody>
               </p:sp>
             </mc:Choice>
-            <mc:Fallback xmlns="">
+            <mc:Fallback>
               <p:sp>
                 <p:nvSpPr>
                   <p:cNvPr id="18" name="TextBox 17">
@@ -19093,7 +21444,7 @@
                 </p:nvSpPr>
                 <p:spPr>
                   <a:xfrm>
-                    <a:off x="5820328" y="2704378"/>
+                    <a:off x="5792799" y="2848665"/>
                     <a:ext cx="643749" cy="276999"/>
                   </a:xfrm>
                   <a:prstGeom prst="rect">
@@ -19121,8 +21472,8 @@
               </p:sp>
             </mc:Fallback>
           </mc:AlternateContent>
-          <mc:AlternateContent xmlns:mc="http://schemas.openxmlformats.org/markup-compatibility/2006" xmlns:a14="http://schemas.microsoft.com/office/drawing/2010/main">
-            <mc:Choice Requires="a14">
+          <mc:AlternateContent xmlns:mc="http://schemas.openxmlformats.org/markup-compatibility/2006">
+            <mc:Choice xmlns:a14="http://schemas.microsoft.com/office/drawing/2010/main" Requires="a14">
               <p:sp>
                 <p:nvSpPr>
                   <p:cNvPr id="19" name="TextBox 18">
@@ -19138,7 +21489,7 @@
                 <p:spPr>
                   <a:xfrm>
                     <a:off x="5695421" y="2480488"/>
-                    <a:ext cx="823443" cy="276999"/>
+                    <a:ext cx="682399" cy="276999"/>
                   </a:xfrm>
                   <a:prstGeom prst="rect">
                     <a:avLst/>
@@ -19191,7 +21542,7 @@
                 </p:txBody>
               </p:sp>
             </mc:Choice>
-            <mc:Fallback xmlns="">
+            <mc:Fallback>
               <p:sp>
                 <p:nvSpPr>
                   <p:cNvPr id="19" name="TextBox 18">
@@ -19209,7 +21560,7 @@
                 <p:spPr>
                   <a:xfrm>
                     <a:off x="5695421" y="2480488"/>
-                    <a:ext cx="823443" cy="276999"/>
+                    <a:ext cx="682399" cy="276999"/>
                   </a:xfrm>
                   <a:prstGeom prst="rect">
                     <a:avLst/>
@@ -20158,10 +22509,10 @@
         </p:nvGrpSpPr>
         <p:grpSpPr>
           <a:xfrm>
-            <a:off x="4672269" y="1662154"/>
-            <a:ext cx="3684331" cy="2028823"/>
-            <a:chOff x="896420" y="1694333"/>
-            <a:chExt cx="3684331" cy="2028823"/>
+            <a:off x="5344597" y="1662154"/>
+            <a:ext cx="3012003" cy="1671695"/>
+            <a:chOff x="1568748" y="1694333"/>
+            <a:chExt cx="3012003" cy="1671695"/>
           </a:xfrm>
         </p:grpSpPr>
         <p:grpSp>
@@ -20178,10 +22529,10 @@
           </p:nvGrpSpPr>
           <p:grpSpPr>
             <a:xfrm>
-              <a:off x="896420" y="1694333"/>
-              <a:ext cx="3684331" cy="2028823"/>
-              <a:chOff x="5098997" y="1661125"/>
-              <a:chExt cx="3684331" cy="2028823"/>
+              <a:off x="1568748" y="1694333"/>
+              <a:ext cx="3012003" cy="1403976"/>
+              <a:chOff x="5771325" y="1661125"/>
+              <a:chExt cx="3012003" cy="1403976"/>
             </a:xfrm>
           </p:grpSpPr>
           <p:grpSp>
@@ -20199,9 +22550,9 @@
             <p:grpSpPr>
               <a:xfrm>
                 <a:off x="6368017" y="1661125"/>
-                <a:ext cx="2415311" cy="2028823"/>
+                <a:ext cx="2415311" cy="1403976"/>
                 <a:chOff x="2869857" y="1519881"/>
-                <a:chExt cx="2415311" cy="2028823"/>
+                <a:chExt cx="2415311" cy="1403976"/>
               </a:xfrm>
             </p:grpSpPr>
             <p:grpSp>
@@ -20403,102 +22754,6 @@
                 </p:sp>
               </mc:Fallback>
             </mc:AlternateContent>
-            <mc:AlternateContent xmlns:mc="http://schemas.openxmlformats.org/markup-compatibility/2006" xmlns:a14="http://schemas.microsoft.com/office/drawing/2010/main">
-              <mc:Choice Requires="a14">
-                <p:sp>
-                  <p:nvSpPr>
-                    <p:cNvPr id="63" name="TextBox 62">
-                      <a:extLst>
-                        <a:ext uri="{FF2B5EF4-FFF2-40B4-BE49-F238E27FC236}">
-                          <a16:creationId xmlns:a16="http://schemas.microsoft.com/office/drawing/2014/main" id="{0D25A464-B725-AA21-67B1-BFFF00F4DF19}"/>
-                        </a:ext>
-                      </a:extLst>
-                    </p:cNvPr>
-                    <p:cNvSpPr txBox="1"/>
-                    <p:nvPr/>
-                  </p:nvSpPr>
-                  <p:spPr>
-                    <a:xfrm>
-                      <a:off x="3681735" y="3179372"/>
-                      <a:ext cx="389238" cy="369332"/>
-                    </a:xfrm>
-                    <a:prstGeom prst="rect">
-                      <a:avLst/>
-                    </a:prstGeom>
-                    <a:noFill/>
-                  </p:spPr>
-                  <p:txBody>
-                    <a:bodyPr wrap="square" rtlCol="0">
-                      <a:spAutoFit/>
-                    </a:bodyPr>
-                    <a:lstStyle/>
-                    <a:p>
-                      <a:pPr/>
-                      <a14:m>
-                        <m:oMathPara xmlns:m="http://schemas.openxmlformats.org/officeDocument/2006/math">
-                          <m:oMathParaPr>
-                            <m:jc m:val="centerGroup"/>
-                          </m:oMathParaPr>
-                          <m:oMath xmlns:m="http://schemas.openxmlformats.org/officeDocument/2006/math">
-                            <m:r>
-                              <a:rPr lang="en-US" b="0" i="1" smtClean="0">
-                                <a:latin typeface="Cambria Math" panose="02040503050406030204" pitchFamily="18" charset="0"/>
-                              </a:rPr>
-                              <m:t>𝑥</m:t>
-                            </m:r>
-                          </m:oMath>
-                        </m:oMathPara>
-                      </a14:m>
-                      <a:endParaRPr lang="en-GB" dirty="0"/>
-                    </a:p>
-                  </p:txBody>
-                </p:sp>
-              </mc:Choice>
-              <mc:Fallback xmlns="">
-                <p:sp>
-                  <p:nvSpPr>
-                    <p:cNvPr id="63" name="TextBox 62">
-                      <a:extLst>
-                        <a:ext uri="{FF2B5EF4-FFF2-40B4-BE49-F238E27FC236}">
-                          <a16:creationId xmlns:a16="http://schemas.microsoft.com/office/drawing/2014/main" id="{0D25A464-B725-AA21-67B1-BFFF00F4DF19}"/>
-                        </a:ext>
-                      </a:extLst>
-                    </p:cNvPr>
-                    <p:cNvSpPr txBox="1">
-                      <a:spLocks noRot="1" noChangeAspect="1" noMove="1" noResize="1" noEditPoints="1" noAdjustHandles="1" noChangeArrowheads="1" noChangeShapeType="1" noTextEdit="1"/>
-                    </p:cNvSpPr>
-                    <p:nvPr/>
-                  </p:nvSpPr>
-                  <p:spPr>
-                    <a:xfrm>
-                      <a:off x="3681735" y="3179372"/>
-                      <a:ext cx="389238" cy="369332"/>
-                    </a:xfrm>
-                    <a:prstGeom prst="rect">
-                      <a:avLst/>
-                    </a:prstGeom>
-                    <a:blipFill>
-                      <a:blip r:embed="rId10"/>
-                      <a:stretch>
-                        <a:fillRect/>
-                      </a:stretch>
-                    </a:blipFill>
-                  </p:spPr>
-                  <p:txBody>
-                    <a:bodyPr/>
-                    <a:lstStyle/>
-                    <a:p>
-                      <a:r>
-                        <a:rPr lang="en-GB">
-                          <a:noFill/>
-                        </a:rPr>
-                        <a:t> </a:t>
-                      </a:r>
-                    </a:p>
-                  </p:txBody>
-                </p:sp>
-              </mc:Fallback>
-            </mc:AlternateContent>
           </p:grpSp>
           <p:cxnSp>
             <p:nvCxnSpPr>
@@ -20588,8 +22843,8 @@
               </a:fontRef>
             </p:style>
           </p:cxnSp>
-          <mc:AlternateContent xmlns:mc="http://schemas.openxmlformats.org/markup-compatibility/2006" xmlns:a14="http://schemas.microsoft.com/office/drawing/2010/main">
-            <mc:Choice Requires="a14">
+          <mc:AlternateContent xmlns:mc="http://schemas.openxmlformats.org/markup-compatibility/2006">
+            <mc:Choice xmlns:a14="http://schemas.microsoft.com/office/drawing/2010/main" Requires="a14">
               <p:sp>
                 <p:nvSpPr>
                   <p:cNvPr id="59" name="TextBox 58">
@@ -20604,7 +22859,7 @@
                 </p:nvSpPr>
                 <p:spPr>
                   <a:xfrm>
-                    <a:off x="5820328" y="2704378"/>
+                    <a:off x="5831703" y="2784833"/>
                     <a:ext cx="643749" cy="276999"/>
                   </a:xfrm>
                   <a:prstGeom prst="rect">
@@ -20646,7 +22901,7 @@
                                 <a:rPr lang="en-US" sz="1200" b="1" i="1" smtClean="0">
                                   <a:latin typeface="Cambria Math" panose="02040503050406030204" pitchFamily="18" charset="0"/>
                                 </a:rPr>
-                                <m:t>𝒊𝒏𝒊𝒕𝒊𝒂𝒍</m:t>
+                                <m:t>𝟎</m:t>
                               </m:r>
                             </m:sub>
                           </m:sSub>
@@ -20658,7 +22913,7 @@
                 </p:txBody>
               </p:sp>
             </mc:Choice>
-            <mc:Fallback xmlns="">
+            <mc:Fallback>
               <p:sp>
                 <p:nvSpPr>
                   <p:cNvPr id="59" name="TextBox 58">
@@ -20675,14 +22930,14 @@
                 </p:nvSpPr>
                 <p:spPr>
                   <a:xfrm>
-                    <a:off x="5820328" y="2704378"/>
+                    <a:off x="5831703" y="2784833"/>
                     <a:ext cx="643749" cy="276999"/>
                   </a:xfrm>
                   <a:prstGeom prst="rect">
                     <a:avLst/>
                   </a:prstGeom>
                   <a:blipFill>
-                    <a:blip r:embed="rId5"/>
+                    <a:blip r:embed="rId10"/>
                     <a:stretch>
                       <a:fillRect/>
                     </a:stretch>
@@ -20719,7 +22974,7 @@
                 </p:nvSpPr>
                 <p:spPr>
                   <a:xfrm>
-                    <a:off x="5098997" y="2298564"/>
+                    <a:off x="5771325" y="2510438"/>
                     <a:ext cx="823443" cy="276999"/>
                   </a:xfrm>
                   <a:prstGeom prst="rect">
@@ -20790,7 +23045,7 @@
                 </p:nvSpPr>
                 <p:spPr>
                   <a:xfrm>
-                    <a:off x="5098997" y="2298564"/>
+                    <a:off x="5771325" y="2510438"/>
                     <a:ext cx="823443" cy="276999"/>
                   </a:xfrm>
                   <a:prstGeom prst="rect">
@@ -21083,7 +23338,7 @@
               </p:nvSpPr>
               <p:spPr>
                 <a:xfrm>
-                  <a:off x="3940886" y="3091979"/>
+                  <a:off x="3903252" y="3106507"/>
                   <a:ext cx="257533" cy="258532"/>
                 </a:xfrm>
                 <a:prstGeom prst="rect">
@@ -21154,7 +23409,7 @@
               </p:nvSpPr>
               <p:spPr>
                 <a:xfrm>
-                  <a:off x="3940886" y="3091979"/>
+                  <a:off x="3903252" y="3106507"/>
                   <a:ext cx="257533" cy="258532"/>
                 </a:xfrm>
                 <a:prstGeom prst="rect">
@@ -21638,8 +23893,8 @@
           </a:p>
         </p:txBody>
       </p:sp>
-      <mc:AlternateContent xmlns:mc="http://schemas.openxmlformats.org/markup-compatibility/2006" xmlns:a14="http://schemas.microsoft.com/office/drawing/2010/main">
-        <mc:Choice Requires="a14">
+      <mc:AlternateContent xmlns:mc="http://schemas.openxmlformats.org/markup-compatibility/2006">
+        <mc:Choice xmlns:a14="http://schemas.microsoft.com/office/drawing/2010/main" Requires="a14">
           <p:sp>
             <p:nvSpPr>
               <p:cNvPr id="71" name="TextBox 70">
@@ -21654,7 +23909,7 @@
             </p:nvSpPr>
             <p:spPr>
               <a:xfrm>
-                <a:off x="5605052" y="2346335"/>
+                <a:off x="5588251" y="2289100"/>
                 <a:ext cx="313770" cy="369332"/>
               </a:xfrm>
               <a:prstGeom prst="rect">
@@ -21677,9 +23932,9 @@
                     <m:oMath xmlns:m="http://schemas.openxmlformats.org/officeDocument/2006/math">
                       <m:r>
                         <a:rPr lang="en-US" b="0" i="1" smtClean="0">
-                          <a:highlight>
-                            <a:srgbClr val="FFFF00"/>
-                          </a:highlight>
+                          <a:solidFill>
+                            <a:srgbClr val="00B050"/>
+                          </a:solidFill>
                           <a:latin typeface="Cambria Math" panose="02040503050406030204" pitchFamily="18" charset="0"/>
                         </a:rPr>
                         <m:t>𝑇</m:t>
@@ -21688,15 +23943,15 @@
                   </m:oMathPara>
                 </a14:m>
                 <a:endParaRPr lang="en-GB" dirty="0">
-                  <a:highlight>
-                    <a:srgbClr val="FFFF00"/>
-                  </a:highlight>
+                  <a:solidFill>
+                    <a:srgbClr val="00B050"/>
+                  </a:solidFill>
                 </a:endParaRPr>
               </a:p>
             </p:txBody>
           </p:sp>
         </mc:Choice>
-        <mc:Fallback xmlns="">
+        <mc:Fallback>
           <p:sp>
             <p:nvSpPr>
               <p:cNvPr id="71" name="TextBox 70">
@@ -21713,7 +23968,7 @@
             </p:nvSpPr>
             <p:spPr>
               <a:xfrm>
-                <a:off x="5605052" y="2346335"/>
+                <a:off x="5588251" y="2289100"/>
                 <a:ext cx="313770" cy="369332"/>
               </a:xfrm>
               <a:prstGeom prst="rect">
@@ -21741,8 +23996,8 @@
           </p:sp>
         </mc:Fallback>
       </mc:AlternateContent>
-      <mc:AlternateContent xmlns:mc="http://schemas.openxmlformats.org/markup-compatibility/2006" xmlns:a14="http://schemas.microsoft.com/office/drawing/2010/main">
-        <mc:Choice Requires="a14">
+      <mc:AlternateContent xmlns:mc="http://schemas.openxmlformats.org/markup-compatibility/2006">
+        <mc:Choice xmlns:a14="http://schemas.microsoft.com/office/drawing/2010/main" Requires="a14">
           <p:sp>
             <p:nvSpPr>
               <p:cNvPr id="73" name="TextBox 72">
@@ -21757,7 +24012,7 @@
             </p:nvSpPr>
             <p:spPr>
               <a:xfrm>
-                <a:off x="1168873" y="2277893"/>
+                <a:off x="1199571" y="2333355"/>
                 <a:ext cx="159087" cy="369332"/>
               </a:xfrm>
               <a:prstGeom prst="rect">
@@ -21780,9 +24035,9 @@
                     <m:oMath xmlns:m="http://schemas.openxmlformats.org/officeDocument/2006/math">
                       <m:r>
                         <a:rPr lang="en-US" b="0" i="1" smtClean="0">
-                          <a:highlight>
-                            <a:srgbClr val="FFFF00"/>
-                          </a:highlight>
+                          <a:solidFill>
+                            <a:srgbClr val="00B050"/>
+                          </a:solidFill>
                           <a:latin typeface="Cambria Math" panose="02040503050406030204" pitchFamily="18" charset="0"/>
                         </a:rPr>
                         <m:t>𝑇</m:t>
@@ -21790,16 +24045,12 @@
                     </m:oMath>
                   </m:oMathPara>
                 </a14:m>
-                <a:endParaRPr lang="en-GB" dirty="0">
-                  <a:highlight>
-                    <a:srgbClr val="FFFF00"/>
-                  </a:highlight>
-                </a:endParaRPr>
+                <a:endParaRPr lang="en-GB" dirty="0"/>
               </a:p>
             </p:txBody>
           </p:sp>
         </mc:Choice>
-        <mc:Fallback xmlns="">
+        <mc:Fallback>
           <p:sp>
             <p:nvSpPr>
               <p:cNvPr id="73" name="TextBox 72">
@@ -21816,7 +24067,7 @@
             </p:nvSpPr>
             <p:spPr>
               <a:xfrm>
-                <a:off x="1168873" y="2277893"/>
+                <a:off x="1199571" y="2333355"/>
                 <a:ext cx="159087" cy="369332"/>
               </a:xfrm>
               <a:prstGeom prst="rect">
@@ -21934,6 +24185,207 @@
           </a:fontRef>
         </p:style>
       </p:cxnSp>
+      <p:cxnSp>
+        <p:nvCxnSpPr>
+          <p:cNvPr id="23" name="Straight Arrow Connector 22">
+            <a:extLst>
+              <a:ext uri="{FF2B5EF4-FFF2-40B4-BE49-F238E27FC236}">
+                <a16:creationId xmlns:a16="http://schemas.microsoft.com/office/drawing/2014/main" id="{7FD7F6DB-CF32-864D-914E-05BA25D6E0B3}"/>
+              </a:ext>
+            </a:extLst>
+          </p:cNvPr>
+          <p:cNvCxnSpPr>
+            <a:cxnSpLocks/>
+          </p:cNvCxnSpPr>
+          <p:nvPr/>
+        </p:nvCxnSpPr>
+        <p:spPr>
+          <a:xfrm>
+            <a:off x="2422371" y="3350389"/>
+            <a:ext cx="954237" cy="0"/>
+          </a:xfrm>
+          <a:prstGeom prst="straightConnector1">
+            <a:avLst/>
+          </a:prstGeom>
+          <a:ln>
+            <a:solidFill>
+              <a:schemeClr val="tx1">
+                <a:lumMod val="85000"/>
+                <a:lumOff val="15000"/>
+              </a:schemeClr>
+            </a:solidFill>
+            <a:headEnd type="triangle"/>
+            <a:tailEnd type="triangle"/>
+          </a:ln>
+        </p:spPr>
+        <p:style>
+          <a:lnRef idx="2">
+            <a:schemeClr val="accent1"/>
+          </a:lnRef>
+          <a:fillRef idx="0">
+            <a:schemeClr val="accent1"/>
+          </a:fillRef>
+          <a:effectRef idx="1">
+            <a:schemeClr val="accent1"/>
+          </a:effectRef>
+          <a:fontRef idx="minor">
+            <a:schemeClr val="tx1"/>
+          </a:fontRef>
+        </p:style>
+      </p:cxnSp>
+      <p:cxnSp>
+        <p:nvCxnSpPr>
+          <p:cNvPr id="30" name="Straight Arrow Connector 29">
+            <a:extLst>
+              <a:ext uri="{FF2B5EF4-FFF2-40B4-BE49-F238E27FC236}">
+                <a16:creationId xmlns:a16="http://schemas.microsoft.com/office/drawing/2014/main" id="{24C5E34B-BC84-4F07-5320-7879DCA14CB4}"/>
+              </a:ext>
+            </a:extLst>
+          </p:cNvPr>
+          <p:cNvCxnSpPr>
+            <a:cxnSpLocks/>
+          </p:cNvCxnSpPr>
+          <p:nvPr/>
+        </p:nvCxnSpPr>
+        <p:spPr>
+          <a:xfrm>
+            <a:off x="7527614" y="3333923"/>
+            <a:ext cx="398335" cy="0"/>
+          </a:xfrm>
+          <a:prstGeom prst="straightConnector1">
+            <a:avLst/>
+          </a:prstGeom>
+          <a:ln>
+            <a:solidFill>
+              <a:schemeClr val="tx1">
+                <a:lumMod val="85000"/>
+                <a:lumOff val="15000"/>
+              </a:schemeClr>
+            </a:solidFill>
+            <a:headEnd type="triangle"/>
+            <a:tailEnd type="triangle"/>
+          </a:ln>
+        </p:spPr>
+        <p:style>
+          <a:lnRef idx="2">
+            <a:schemeClr val="accent1"/>
+          </a:lnRef>
+          <a:fillRef idx="0">
+            <a:schemeClr val="accent1"/>
+          </a:fillRef>
+          <a:effectRef idx="1">
+            <a:schemeClr val="accent1"/>
+          </a:effectRef>
+          <a:fontRef idx="minor">
+            <a:schemeClr val="tx1"/>
+          </a:fontRef>
+        </p:style>
+      </p:cxnSp>
+      <mc:AlternateContent xmlns:mc="http://schemas.openxmlformats.org/markup-compatibility/2006" xmlns:a14="http://schemas.microsoft.com/office/drawing/2010/main">
+        <mc:Choice Requires="a14">
+          <p:sp>
+            <p:nvSpPr>
+              <p:cNvPr id="32" name="TextBox 31">
+                <a:extLst>
+                  <a:ext uri="{FF2B5EF4-FFF2-40B4-BE49-F238E27FC236}">
+                    <a16:creationId xmlns:a16="http://schemas.microsoft.com/office/drawing/2014/main" id="{D25F60ED-395B-24B0-4ABD-B4176668F5AD}"/>
+                  </a:ext>
+                </a:extLst>
+              </p:cNvPr>
+              <p:cNvSpPr txBox="1"/>
+              <p:nvPr/>
+            </p:nvSpPr>
+            <p:spPr>
+              <a:xfrm>
+                <a:off x="7543157" y="3293912"/>
+                <a:ext cx="367529" cy="276999"/>
+              </a:xfrm>
+              <a:prstGeom prst="rect">
+                <a:avLst/>
+              </a:prstGeom>
+              <a:noFill/>
+            </p:spPr>
+            <p:txBody>
+              <a:bodyPr wrap="square" rtlCol="0">
+                <a:spAutoFit/>
+              </a:bodyPr>
+              <a:lstStyle/>
+              <a:p>
+                <a:pPr/>
+                <a14:m>
+                  <m:oMathPara xmlns:m="http://schemas.openxmlformats.org/officeDocument/2006/math">
+                    <m:oMathParaPr>
+                      <m:jc m:val="centerGroup"/>
+                    </m:oMathParaPr>
+                    <m:oMath xmlns:m="http://schemas.openxmlformats.org/officeDocument/2006/math">
+                      <m:r>
+                        <m:rPr>
+                          <m:sty m:val="p"/>
+                        </m:rPr>
+                        <a:rPr lang="en-US" sz="1200" b="0" i="0" smtClean="0">
+                          <a:latin typeface="Cambria Math" panose="02040503050406030204" pitchFamily="18" charset="0"/>
+                        </a:rPr>
+                        <m:t>Δ</m:t>
+                      </m:r>
+                      <m:r>
+                        <a:rPr lang="en-US" sz="1200" b="0" i="1" smtClean="0">
+                          <a:latin typeface="Cambria Math" panose="02040503050406030204" pitchFamily="18" charset="0"/>
+                        </a:rPr>
+                        <m:t>𝑥</m:t>
+                      </m:r>
+                    </m:oMath>
+                  </m:oMathPara>
+                </a14:m>
+                <a:endParaRPr lang="en-GB" sz="1200" dirty="0"/>
+              </a:p>
+            </p:txBody>
+          </p:sp>
+        </mc:Choice>
+        <mc:Fallback xmlns="">
+          <p:sp>
+            <p:nvSpPr>
+              <p:cNvPr id="32" name="TextBox 31">
+                <a:extLst>
+                  <a:ext uri="{FF2B5EF4-FFF2-40B4-BE49-F238E27FC236}">
+                    <a16:creationId xmlns:a16="http://schemas.microsoft.com/office/drawing/2014/main" id="{D25F60ED-395B-24B0-4ABD-B4176668F5AD}"/>
+                  </a:ext>
+                </a:extLst>
+              </p:cNvPr>
+              <p:cNvSpPr txBox="1">
+                <a:spLocks noRot="1" noChangeAspect="1" noMove="1" noResize="1" noEditPoints="1" noAdjustHandles="1" noChangeArrowheads="1" noChangeShapeType="1" noTextEdit="1"/>
+              </p:cNvSpPr>
+              <p:nvPr/>
+            </p:nvSpPr>
+            <p:spPr>
+              <a:xfrm>
+                <a:off x="7543157" y="3293912"/>
+                <a:ext cx="367529" cy="276999"/>
+              </a:xfrm>
+              <a:prstGeom prst="rect">
+                <a:avLst/>
+              </a:prstGeom>
+              <a:blipFill>
+                <a:blip r:embed="rId15"/>
+                <a:stretch>
+                  <a:fillRect/>
+                </a:stretch>
+              </a:blipFill>
+            </p:spPr>
+            <p:txBody>
+              <a:bodyPr/>
+              <a:lstStyle/>
+              <a:p>
+                <a:r>
+                  <a:rPr lang="en-GB">
+                    <a:noFill/>
+                  </a:rPr>
+                  <a:t> </a:t>
+                </a:r>
+              </a:p>
+            </p:txBody>
+          </p:sp>
+        </mc:Fallback>
+      </mc:AlternateContent>
     </p:spTree>
     <p:extLst>
       <p:ext uri="{BB962C8B-B14F-4D97-AF65-F5344CB8AC3E}">
@@ -22280,8 +24732,8 @@
         </p:blipFill>
         <p:spPr>
           <a:xfrm>
-            <a:off x="3391163" y="473398"/>
-            <a:ext cx="3931840" cy="3931840"/>
+            <a:off x="3390900" y="963613"/>
+            <a:ext cx="3932238" cy="2949575"/>
           </a:xfrm>
         </p:spPr>
       </p:pic>
@@ -22547,7 +24999,9 @@
         </p:nvSpPr>
         <p:spPr/>
         <p:txBody>
-          <a:bodyPr/>
+          <a:bodyPr>
+            <a:normAutofit fontScale="77500" lnSpcReduction="20000"/>
+          </a:bodyPr>
           <a:lstStyle/>
           <a:p>
             <a:endParaRPr lang="en-US"/>
@@ -22745,7 +25199,9 @@
         </p:nvSpPr>
         <p:spPr/>
         <p:txBody>
-          <a:bodyPr/>
+          <a:bodyPr>
+            <a:normAutofit fontScale="92500"/>
+          </a:bodyPr>
           <a:lstStyle/>
           <a:p>
             <a:r>
@@ -22788,7 +25244,9 @@
         </p:nvSpPr>
         <p:spPr/>
         <p:txBody>
-          <a:bodyPr/>
+          <a:bodyPr>
+            <a:normAutofit fontScale="90000"/>
+          </a:bodyPr>
           <a:lstStyle/>
           <a:p>
             <a:r>
@@ -22829,12 +25287,12 @@
       </p:pic>
       <p:sp>
         <p:nvSpPr>
-          <p:cNvPr id="6" name="Text Placeholder 5"/>
+          <p:cNvPr id="7" name="Text Placeholder 6"/>
           <p:cNvSpPr>
             <a:spLocks noGrp="1"/>
           </p:cNvSpPr>
           <p:nvPr>
-            <p:ph type="body" sz="quarter" idx="10"/>
+            <p:ph type="body" sz="quarter" idx="14"/>
           </p:nvPr>
         </p:nvSpPr>
         <p:spPr/>
@@ -22848,12 +25306,12 @@
       </p:sp>
       <p:sp>
         <p:nvSpPr>
-          <p:cNvPr id="7" name="Text Placeholder 6"/>
+          <p:cNvPr id="6" name="Text Placeholder 5"/>
           <p:cNvSpPr>
             <a:spLocks noGrp="1"/>
           </p:cNvSpPr>
           <p:nvPr>
-            <p:ph type="body" sz="quarter" idx="15"/>
+            <p:ph type="body" sz="quarter" idx="10"/>
           </p:nvPr>
         </p:nvSpPr>
         <p:spPr/>
@@ -22912,7 +25370,9 @@
           </a:xfrm>
         </p:spPr>
         <p:txBody>
-          <a:bodyPr/>
+          <a:bodyPr>
+            <a:normAutofit fontScale="92500" lnSpcReduction="10000"/>
+          </a:bodyPr>
           <a:lstStyle/>
           <a:p>
             <a:r>
@@ -22963,7 +25423,9 @@
         </p:nvSpPr>
         <p:spPr/>
         <p:txBody>
-          <a:bodyPr/>
+          <a:bodyPr>
+            <a:normAutofit fontScale="90000"/>
+          </a:bodyPr>
           <a:lstStyle/>
           <a:p>
             <a:r>
@@ -23042,7 +25504,9 @@
         </p:nvSpPr>
         <p:spPr/>
         <p:txBody>
-          <a:bodyPr/>
+          <a:bodyPr>
+            <a:normAutofit fontScale="77500" lnSpcReduction="20000"/>
+          </a:bodyPr>
           <a:lstStyle/>
           <a:p>
             <a:endParaRPr lang="en-US"/>
@@ -23099,13 +25563,7 @@
           <a:bodyPr/>
           <a:lstStyle/>
           <a:p>
-            <a:pPr marL="0" indent="0">
-              <a:buNone/>
-            </a:pPr>
-            <a:r>
-              <a:rPr lang="en-GB" dirty="0"/>
-              <a:t>Can we find a model to determine initial graft stiffness based on patient tendon strength and stiffness?</a:t>
-            </a:r>
+            <a:endParaRPr lang="en-GB"/>
           </a:p>
         </p:txBody>
       </p:sp>
@@ -23140,7 +25598,9 @@
         </p:nvSpPr>
         <p:spPr/>
         <p:txBody>
-          <a:bodyPr/>
+          <a:bodyPr>
+            <a:normAutofit fontScale="77500" lnSpcReduction="20000"/>
+          </a:bodyPr>
           <a:lstStyle/>
           <a:p>
             <a:endParaRPr lang="en-US"/>
@@ -23413,11 +25873,7 @@
           <a:bodyPr/>
           <a:lstStyle/>
           <a:p>
-            <a:r>
-              <a:rPr lang="en-US" dirty="0"/>
-              <a:t>Ste</a:t>
-            </a:r>
-            <a:endParaRPr lang="en-GB" dirty="0"/>
+            <a:endParaRPr lang="en-GB"/>
           </a:p>
         </p:txBody>
       </p:sp>
@@ -23464,7 +25920,9 @@
         </p:nvSpPr>
         <p:spPr/>
         <p:txBody>
-          <a:bodyPr/>
+          <a:bodyPr>
+            <a:normAutofit fontScale="77500" lnSpcReduction="20000"/>
+          </a:bodyPr>
           <a:lstStyle/>
           <a:p>
             <a:endParaRPr lang="en-GB"/>
@@ -23626,36 +26084,7 @@
               <a:bodyPr/>
               <a:lstStyle/>
               <a:p>
-                <a:r>
-                  <a:rPr lang="en-US" dirty="0"/>
-                  <a:t>Once movement is determined, simulate using OpenSim or FEA (Ansys, SolidWorks…)</a:t>
-                </a:r>
-              </a:p>
-              <a:p>
-                <a:r>
-                  <a:rPr lang="en-US" dirty="0"/>
-                  <a:t>Values for stiffness of graft </a:t>
-                </a:r>
-                <a14:m>
-                  <m:oMath xmlns:m="http://schemas.openxmlformats.org/officeDocument/2006/math">
-                    <m:r>
-                      <a:rPr lang="en-US" b="0" i="1" smtClean="0">
-                        <a:latin typeface="Cambria Math" panose="02040503050406030204" pitchFamily="18" charset="0"/>
-                      </a:rPr>
-                      <m:t>𝑘</m:t>
-                    </m:r>
-                  </m:oMath>
-                </a14:m>
-                <a:r>
-                  <a:rPr lang="en-GB" dirty="0"/>
-                  <a:t> need to be determined and manipulated</a:t>
-                </a:r>
-              </a:p>
-              <a:p>
-                <a:endParaRPr lang="en-GB" dirty="0"/>
-              </a:p>
-              <a:p>
-                <a:endParaRPr lang="en-GB" dirty="0"/>
+                <a:endParaRPr lang="en-GB"/>
               </a:p>
             </p:txBody>
           </p:sp>
@@ -23743,7 +26172,9 @@
         </p:nvSpPr>
         <p:spPr/>
         <p:txBody>
-          <a:bodyPr/>
+          <a:bodyPr>
+            <a:normAutofit fontScale="77500" lnSpcReduction="20000"/>
+          </a:bodyPr>
           <a:lstStyle/>
           <a:p>
             <a:endParaRPr lang="en-GB"/>
@@ -23789,55 +26220,107 @@
 </file>
 
 <file path=ppt/theme/theme1.xml><?xml version="1.0" encoding="utf-8"?>
-<a:theme xmlns:a="http://schemas.openxmlformats.org/drawingml/2006/main" name="Imperial College London Theme">
+<a:theme xmlns:a="http://schemas.openxmlformats.org/drawingml/2006/main" name="Office Theme">
   <a:themeElements>
-    <a:clrScheme name="Imperial College London Presentation">
+    <a:clrScheme name="Office Theme">
       <a:dk1>
-        <a:srgbClr val="000000"/>
+        <a:sysClr val="windowText" lastClr="000000"/>
       </a:dk1>
       <a:lt1>
         <a:sysClr val="window" lastClr="FFFFFF"/>
       </a:lt1>
       <a:dk2>
-        <a:srgbClr val="003E74"/>
+        <a:srgbClr val="0E2841"/>
       </a:dk2>
       <a:lt2>
-        <a:srgbClr val="9D9D9D"/>
+        <a:srgbClr val="E8E8E8"/>
       </a:lt2>
       <a:accent1>
-        <a:srgbClr val="0085CA"/>
+        <a:srgbClr val="196B24"/>
       </a:accent1>
       <a:accent2>
-        <a:srgbClr val="006EAF"/>
+        <a:srgbClr val="4EA72E"/>
       </a:accent2>
       <a:accent3>
-        <a:srgbClr val="0CA1CD"/>
+        <a:srgbClr val="156082"/>
       </a:accent3>
       <a:accent4>
-        <a:srgbClr val="008EAA"/>
+        <a:srgbClr val="0F9ED5"/>
       </a:accent4>
       <a:accent5>
-        <a:srgbClr val="379F9F"/>
+        <a:srgbClr val="A02B93"/>
       </a:accent5>
       <a:accent6>
-        <a:srgbClr val="0085CA"/>
+        <a:srgbClr val="E97132"/>
       </a:accent6>
       <a:hlink>
-        <a:srgbClr val="0085CA"/>
+        <a:srgbClr val="467886"/>
       </a:hlink>
       <a:folHlink>
-        <a:srgbClr val="0085CA"/>
+        <a:srgbClr val="96607D"/>
       </a:folHlink>
     </a:clrScheme>
-    <a:fontScheme name="Office Classic 2">
+    <a:fontScheme name="Office Theme">
       <a:majorFont>
-        <a:latin typeface="Arial"/>
+        <a:latin typeface="Aptos Display" panose="02110004020202020204"/>
         <a:ea typeface=""/>
         <a:cs typeface=""/>
-        <a:font script="Jpan" typeface="ＭＳ Ｐゴシック"/>
-        <a:font script="Hang" typeface="굴림"/>
-        <a:font script="Hans" typeface="黑体"/>
-        <a:font script="Hant" typeface="微軟正黑體"/>
+        <a:font script="Jpan" typeface="游ゴシック Light"/>
+        <a:font script="Hang" typeface="맑은 고딕"/>
+        <a:font script="Hans" typeface="等线 Light"/>
+        <a:font script="Hant" typeface="新細明體"/>
+        <a:font script="Arab" typeface="Times New Roman"/>
+        <a:font script="Hebr" typeface="Times New Roman"/>
+        <a:font script="Thai" typeface="Angsana New"/>
+        <a:font script="Ethi" typeface="Nyala"/>
+        <a:font script="Beng" typeface="Vrinda"/>
+        <a:font script="Gujr" typeface="Shruti"/>
+        <a:font script="Khmr" typeface="MoolBoran"/>
+        <a:font script="Knda" typeface="Tunga"/>
+        <a:font script="Guru" typeface="Raavi"/>
+        <a:font script="Cans" typeface="Euphemia"/>
+        <a:font script="Cher" typeface="Plantagenet Cherokee"/>
+        <a:font script="Yiii" typeface="Microsoft Yi Baiti"/>
+        <a:font script="Tibt" typeface="Microsoft Himalaya"/>
+        <a:font script="Thaa" typeface="MV Boli"/>
+        <a:font script="Deva" typeface="Mangal"/>
+        <a:font script="Telu" typeface="Gautami"/>
+        <a:font script="Taml" typeface="Latha"/>
+        <a:font script="Syrc" typeface="Estrangelo Edessa"/>
+        <a:font script="Orya" typeface="Kalinga"/>
+        <a:font script="Mlym" typeface="Kartika"/>
+        <a:font script="Laoo" typeface="DokChampa"/>
+        <a:font script="Sinh" typeface="Iskoola Pota"/>
+        <a:font script="Mong" typeface="Mongolian Baiti"/>
+        <a:font script="Viet" typeface="Times New Roman"/>
+        <a:font script="Uigh" typeface="Microsoft Uighur"/>
+        <a:font script="Geor" typeface="Sylfaen"/>
+        <a:font script="Armn" typeface="Arial"/>
+        <a:font script="Bugi" typeface="Leelawadee UI"/>
+        <a:font script="Bopo" typeface="Microsoft JhengHei"/>
+        <a:font script="Java" typeface="Javanese Text"/>
+        <a:font script="Lisu" typeface="Segoe UI"/>
+        <a:font script="Mymr" typeface="Myanmar Text"/>
+        <a:font script="Nkoo" typeface="Ebrima"/>
+        <a:font script="Olck" typeface="Nirmala UI"/>
+        <a:font script="Osma" typeface="Ebrima"/>
+        <a:font script="Phag" typeface="Phagspa"/>
+        <a:font script="Syrn" typeface="Estrangelo Edessa"/>
+        <a:font script="Syrj" typeface="Estrangelo Edessa"/>
+        <a:font script="Syre" typeface="Estrangelo Edessa"/>
+        <a:font script="Sora" typeface="Nirmala UI"/>
+        <a:font script="Tale" typeface="Microsoft Tai Le"/>
+        <a:font script="Talu" typeface="Microsoft New Tai Lue"/>
+        <a:font script="Tfng" typeface="Ebrima"/>
+      </a:majorFont>
+      <a:minorFont>
+        <a:latin typeface="Aptos" panose="02110004020202020204"/>
+        <a:ea typeface=""/>
+        <a:cs typeface=""/>
+        <a:font script="Jpan" typeface="游ゴシック"/>
+        <a:font script="Hang" typeface="맑은 고딕"/>
+        <a:font script="Hans" typeface="等线"/>
+        <a:font script="Hant" typeface="新細明體"/>
         <a:font script="Arab" typeface="Arial"/>
         <a:font script="Hebr" typeface="Arial"/>
         <a:font script="Thai" typeface="Cordia New"/>
@@ -23863,43 +26346,27 @@
         <a:font script="Mong" typeface="Mongolian Baiti"/>
         <a:font script="Viet" typeface="Arial"/>
         <a:font script="Uigh" typeface="Microsoft Uighur"/>
-      </a:majorFont>
-      <a:minorFont>
-        <a:latin typeface="Arial"/>
-        <a:ea typeface=""/>
-        <a:cs typeface=""/>
-        <a:font script="Jpan" typeface="ＭＳ Ｐゴシック"/>
-        <a:font script="Hang" typeface="굴림"/>
-        <a:font script="Hans" typeface="黑体"/>
-        <a:font script="Hant" typeface="微軟正黑體"/>
-        <a:font script="Arab" typeface="Arial"/>
-        <a:font script="Hebr" typeface="Arial"/>
-        <a:font script="Thai" typeface="Cordia New"/>
-        <a:font script="Ethi" typeface="Nyala"/>
-        <a:font script="Beng" typeface="Vrinda"/>
-        <a:font script="Gujr" typeface="Shruti"/>
-        <a:font script="Khmr" typeface="DaunPenh"/>
-        <a:font script="Knda" typeface="Tunga"/>
-        <a:font script="Guru" typeface="Raavi"/>
-        <a:font script="Cans" typeface="Euphemia"/>
-        <a:font script="Cher" typeface="Plantagenet Cherokee"/>
-        <a:font script="Yiii" typeface="Microsoft Yi Baiti"/>
-        <a:font script="Tibt" typeface="Microsoft Himalaya"/>
-        <a:font script="Thaa" typeface="MV Boli"/>
-        <a:font script="Deva" typeface="Mangal"/>
-        <a:font script="Telu" typeface="Gautami"/>
-        <a:font script="Taml" typeface="Latha"/>
-        <a:font script="Syrc" typeface="Estrangelo Edessa"/>
-        <a:font script="Orya" typeface="Kalinga"/>
-        <a:font script="Mlym" typeface="Kartika"/>
-        <a:font script="Laoo" typeface="DokChampa"/>
-        <a:font script="Sinh" typeface="Iskoola Pota"/>
-        <a:font script="Mong" typeface="Mongolian Baiti"/>
-        <a:font script="Viet" typeface="Arial"/>
-        <a:font script="Uigh" typeface="Microsoft Uighur"/>
+        <a:font script="Geor" typeface="Sylfaen"/>
+        <a:font script="Armn" typeface="Arial"/>
+        <a:font script="Bugi" typeface="Leelawadee UI"/>
+        <a:font script="Bopo" typeface="Microsoft JhengHei"/>
+        <a:font script="Java" typeface="Javanese Text"/>
+        <a:font script="Lisu" typeface="Segoe UI"/>
+        <a:font script="Mymr" typeface="Myanmar Text"/>
+        <a:font script="Nkoo" typeface="Ebrima"/>
+        <a:font script="Olck" typeface="Nirmala UI"/>
+        <a:font script="Osma" typeface="Ebrima"/>
+        <a:font script="Phag" typeface="Phagspa"/>
+        <a:font script="Syrn" typeface="Estrangelo Edessa"/>
+        <a:font script="Syrj" typeface="Estrangelo Edessa"/>
+        <a:font script="Syre" typeface="Estrangelo Edessa"/>
+        <a:font script="Sora" typeface="Nirmala UI"/>
+        <a:font script="Tale" typeface="Microsoft Tai Le"/>
+        <a:font script="Talu" typeface="Microsoft New Tai Lue"/>
+        <a:font script="Tfng" typeface="Ebrima"/>
       </a:minorFont>
     </a:fontScheme>
-    <a:fmtScheme name="Office">
+    <a:fmtScheme name="Office Theme">
       <a:fillStyleLst>
         <a:solidFill>
           <a:schemeClr val="phClr"/>
@@ -23908,180 +26375,136 @@
           <a:gsLst>
             <a:gs pos="0">
               <a:schemeClr val="phClr">
-                <a:tint val="50000"/>
-                <a:satMod val="300000"/>
+                <a:lumMod val="110000"/>
+                <a:satMod val="105000"/>
+                <a:tint val="67000"/>
               </a:schemeClr>
             </a:gs>
-            <a:gs pos="35000">
+            <a:gs pos="50000">
               <a:schemeClr val="phClr">
-                <a:tint val="37000"/>
-                <a:satMod val="300000"/>
+                <a:lumMod val="105000"/>
+                <a:satMod val="103000"/>
+                <a:tint val="73000"/>
               </a:schemeClr>
             </a:gs>
             <a:gs pos="100000">
               <a:schemeClr val="phClr">
-                <a:tint val="15000"/>
-                <a:satMod val="350000"/>
+                <a:lumMod val="105000"/>
+                <a:satMod val="109000"/>
+                <a:tint val="81000"/>
               </a:schemeClr>
             </a:gs>
           </a:gsLst>
-          <a:lin ang="16200000" scaled="1"/>
+          <a:lin ang="5400000" scaled="0"/>
         </a:gradFill>
         <a:gradFill rotWithShape="1">
           <a:gsLst>
             <a:gs pos="0">
               <a:schemeClr val="phClr">
-                <a:tint val="100000"/>
+                <a:satMod val="103000"/>
+                <a:lumMod val="102000"/>
+                <a:tint val="94000"/>
+              </a:schemeClr>
+            </a:gs>
+            <a:gs pos="50000">
+              <a:schemeClr val="phClr">
+                <a:satMod val="110000"/>
+                <a:lumMod val="100000"/>
                 <a:shade val="100000"/>
-                <a:satMod val="130000"/>
               </a:schemeClr>
             </a:gs>
             <a:gs pos="100000">
               <a:schemeClr val="phClr">
-                <a:tint val="50000"/>
-                <a:shade val="100000"/>
-                <a:satMod val="350000"/>
+                <a:lumMod val="99000"/>
+                <a:satMod val="120000"/>
+                <a:shade val="78000"/>
               </a:schemeClr>
             </a:gs>
           </a:gsLst>
-          <a:lin ang="16200000" scaled="0"/>
+          <a:lin ang="5400000" scaled="0"/>
         </a:gradFill>
       </a:fillStyleLst>
       <a:lnStyleLst>
-        <a:ln w="9525" cap="flat" cmpd="sng" algn="ctr">
+        <a:ln w="12700" cap="flat" cmpd="sng" algn="ctr">
           <a:solidFill>
-            <a:schemeClr val="phClr">
-              <a:shade val="95000"/>
-              <a:satMod val="105000"/>
-            </a:schemeClr>
+            <a:schemeClr val="phClr"/>
           </a:solidFill>
           <a:prstDash val="solid"/>
+          <a:miter lim="800000"/>
+        </a:ln>
+        <a:ln w="19050" cap="flat" cmpd="sng" algn="ctr">
+          <a:solidFill>
+            <a:schemeClr val="phClr"/>
+          </a:solidFill>
+          <a:prstDash val="solid"/>
+          <a:miter lim="800000"/>
         </a:ln>
         <a:ln w="25400" cap="flat" cmpd="sng" algn="ctr">
           <a:solidFill>
             <a:schemeClr val="phClr"/>
           </a:solidFill>
           <a:prstDash val="solid"/>
-        </a:ln>
-        <a:ln w="38100" cap="flat" cmpd="sng" algn="ctr">
-          <a:solidFill>
-            <a:schemeClr val="phClr"/>
-          </a:solidFill>
-          <a:prstDash val="solid"/>
+          <a:miter lim="800000"/>
         </a:ln>
       </a:lnStyleLst>
       <a:effectStyleLst>
         <a:effectStyle>
+          <a:effectLst/>
+        </a:effectStyle>
+        <a:effectStyle>
+          <a:effectLst/>
+        </a:effectStyle>
+        <a:effectStyle>
           <a:effectLst>
-            <a:outerShdw blurRad="40000" dist="20000" dir="5400000" rotWithShape="0">
+            <a:outerShdw blurRad="57150" dist="19050" dir="5400000" algn="ctr" rotWithShape="0">
               <a:srgbClr val="000000">
-                <a:alpha val="38000"/>
+                <a:alpha val="63000"/>
               </a:srgbClr>
             </a:outerShdw>
           </a:effectLst>
-        </a:effectStyle>
-        <a:effectStyle>
-          <a:effectLst>
-            <a:outerShdw blurRad="40000" dist="23000" dir="5400000" rotWithShape="0">
-              <a:srgbClr val="000000">
-                <a:alpha val="35000"/>
-              </a:srgbClr>
-            </a:outerShdw>
-          </a:effectLst>
-        </a:effectStyle>
-        <a:effectStyle>
-          <a:effectLst>
-            <a:outerShdw blurRad="40000" dist="23000" dir="5400000" rotWithShape="0">
-              <a:srgbClr val="000000">
-                <a:alpha val="35000"/>
-              </a:srgbClr>
-            </a:outerShdw>
-          </a:effectLst>
-          <a:scene3d>
-            <a:camera prst="orthographicFront">
-              <a:rot lat="0" lon="0" rev="0"/>
-            </a:camera>
-            <a:lightRig rig="threePt" dir="t">
-              <a:rot lat="0" lon="0" rev="1200000"/>
-            </a:lightRig>
-          </a:scene3d>
-          <a:sp3d>
-            <a:bevelT w="63500" h="25400"/>
-          </a:sp3d>
         </a:effectStyle>
       </a:effectStyleLst>
       <a:bgFillStyleLst>
         <a:solidFill>
           <a:schemeClr val="phClr"/>
         </a:solidFill>
+        <a:solidFill>
+          <a:schemeClr val="phClr">
+            <a:tint val="95000"/>
+            <a:satMod val="170000"/>
+          </a:schemeClr>
+        </a:solidFill>
         <a:gradFill rotWithShape="1">
           <a:gsLst>
             <a:gs pos="0">
               <a:schemeClr val="phClr">
-                <a:tint val="40000"/>
-                <a:satMod val="350000"/>
+                <a:tint val="93000"/>
+                <a:satMod val="150000"/>
+                <a:shade val="98000"/>
+                <a:lumMod val="102000"/>
               </a:schemeClr>
             </a:gs>
-            <a:gs pos="40000">
+            <a:gs pos="50000">
               <a:schemeClr val="phClr">
-                <a:tint val="45000"/>
-                <a:shade val="99000"/>
-                <a:satMod val="350000"/>
+                <a:tint val="98000"/>
+                <a:satMod val="130000"/>
+                <a:shade val="90000"/>
+                <a:lumMod val="103000"/>
               </a:schemeClr>
             </a:gs>
             <a:gs pos="100000">
               <a:schemeClr val="phClr">
-                <a:shade val="20000"/>
-                <a:satMod val="255000"/>
+                <a:shade val="63000"/>
+                <a:satMod val="120000"/>
               </a:schemeClr>
             </a:gs>
           </a:gsLst>
-          <a:path path="circle">
-            <a:fillToRect l="50000" t="-80000" r="50000" b="180000"/>
-          </a:path>
-        </a:gradFill>
-        <a:gradFill rotWithShape="1">
-          <a:gsLst>
-            <a:gs pos="0">
-              <a:schemeClr val="phClr">
-                <a:tint val="80000"/>
-                <a:satMod val="300000"/>
-              </a:schemeClr>
-            </a:gs>
-            <a:gs pos="100000">
-              <a:schemeClr val="phClr">
-                <a:shade val="30000"/>
-                <a:satMod val="200000"/>
-              </a:schemeClr>
-            </a:gs>
-          </a:gsLst>
-          <a:path path="circle">
-            <a:fillToRect l="50000" t="50000" r="50000" b="50000"/>
-          </a:path>
+          <a:lin ang="5400000" scaled="0"/>
         </a:gradFill>
       </a:bgFillStyleLst>
     </a:fmtScheme>
   </a:themeElements>
   <a:objectDefaults>
-    <a:spDef>
-      <a:spPr/>
-      <a:bodyPr/>
-      <a:lstStyle/>
-      <a:style>
-        <a:lnRef idx="1">
-          <a:schemeClr val="accent1"/>
-        </a:lnRef>
-        <a:fillRef idx="3">
-          <a:schemeClr val="accent1"/>
-        </a:fillRef>
-        <a:effectRef idx="2">
-          <a:schemeClr val="accent1"/>
-        </a:effectRef>
-        <a:fontRef idx="minor">
-          <a:schemeClr val="lt1"/>
-        </a:fontRef>
-      </a:style>
-    </a:spDef>
     <a:lnDef>
       <a:spPr/>
       <a:bodyPr/>
@@ -24103,6 +26526,11 @@
     </a:lnDef>
   </a:objectDefaults>
   <a:extraClrSchemeLst/>
+  <a:extLst>
+    <a:ext uri="{05A4C25C-085E-4340-85A3-A5531E510DB2}">
+      <thm15:themeFamily xmlns:thm15="http://schemas.microsoft.com/office/thememl/2012/main" name="Office Theme" id="{2E142A2C-CD16-42D6-873A-C26D2A0506FA}" vid="{97E0A228-C590-4D20-B05F-A6BF04A05448}"/>
+    </a:ext>
+  </a:extLst>
 </a:theme>
 </file>
 
